--- a/Week 7/Slides_2.pptx
+++ b/Week 7/Slides_2.pptx
@@ -1,14 +1,22 @@
 
 <file path=ppt/presentation.xml><?xml version="1.0" encoding="utf-8"?>
-<p:presentation xmlns:a="http://schemas.openxmlformats.org/drawingml/2006/main" xmlns:r="http://schemas.openxmlformats.org/officeDocument/2006/relationships" xmlns:p="http://schemas.openxmlformats.org/presentationml/2006/main" saveSubsetFonts="1">
+<p:presentation xmlns:a="http://schemas.openxmlformats.org/drawingml/2006/main" xmlns:r="http://schemas.openxmlformats.org/officeDocument/2006/relationships" xmlns:p="http://schemas.openxmlformats.org/presentationml/2006/main" saveSubsetFonts="1" autoCompressPictures="0">
   <p:sldMasterIdLst>
     <p:sldMasterId id="2147483648" r:id="rId1"/>
   </p:sldMasterIdLst>
+  <p:notesMasterIdLst>
+    <p:notesMasterId r:id="rId11"/>
+  </p:notesMasterIdLst>
   <p:sldIdLst>
     <p:sldId id="256" r:id="rId2"/>
-    <p:sldId id="257" r:id="rId3"/>
-    <p:sldId id="258" r:id="rId4"/>
-    <p:sldId id="259" r:id="rId5"/>
+    <p:sldId id="262" r:id="rId3"/>
+    <p:sldId id="263" r:id="rId4"/>
+    <p:sldId id="257" r:id="rId5"/>
+    <p:sldId id="258" r:id="rId6"/>
+    <p:sldId id="259" r:id="rId7"/>
+    <p:sldId id="260" r:id="rId8"/>
+    <p:sldId id="261" r:id="rId9"/>
+    <p:sldId id="264" r:id="rId10"/>
   </p:sldIdLst>
   <p:sldSz cx="12192000" cy="6858000"/>
   <p:notesSz cx="6858000" cy="9144000"/>
@@ -110,6 +118,356 @@
 </p:presentation>
 </file>
 
+<file path=ppt/notesMasters/notesMaster1.xml><?xml version="1.0" encoding="utf-8"?>
+<p:notesMaster xmlns:a="http://schemas.openxmlformats.org/drawingml/2006/main" xmlns:r="http://schemas.openxmlformats.org/officeDocument/2006/relationships" xmlns:p="http://schemas.openxmlformats.org/presentationml/2006/main">
+  <p:cSld>
+    <p:bg>
+      <p:bgRef idx="1001">
+        <a:schemeClr val="bg1"/>
+      </p:bgRef>
+    </p:bg>
+    <p:spTree>
+      <p:nvGrpSpPr>
+        <p:cNvPr id="1" name=""/>
+        <p:cNvGrpSpPr/>
+        <p:nvPr/>
+      </p:nvGrpSpPr>
+      <p:grpSpPr>
+        <a:xfrm>
+          <a:off x="0" y="0"/>
+          <a:ext cx="0" cy="0"/>
+          <a:chOff x="0" y="0"/>
+          <a:chExt cx="0" cy="0"/>
+        </a:xfrm>
+      </p:grpSpPr>
+      <p:sp>
+        <p:nvSpPr>
+          <p:cNvPr id="2" name="Header Placeholder 1"/>
+          <p:cNvSpPr>
+            <a:spLocks noGrp="1"/>
+          </p:cNvSpPr>
+          <p:nvPr>
+            <p:ph type="hdr" sz="quarter"/>
+          </p:nvPr>
+        </p:nvSpPr>
+        <p:spPr>
+          <a:xfrm>
+            <a:off x="0" y="0"/>
+            <a:ext cx="2971800" cy="458788"/>
+          </a:xfrm>
+          <a:prstGeom prst="rect">
+            <a:avLst/>
+          </a:prstGeom>
+        </p:spPr>
+        <p:txBody>
+          <a:bodyPr vert="horz" lIns="91440" tIns="45720" rIns="91440" bIns="45720" rtlCol="0"/>
+          <a:lstStyle>
+            <a:lvl1pPr algn="l">
+              <a:defRPr sz="1200"/>
+            </a:lvl1pPr>
+          </a:lstStyle>
+          <a:p>
+            <a:endParaRPr lang="en-US"/>
+          </a:p>
+        </p:txBody>
+      </p:sp>
+      <p:sp>
+        <p:nvSpPr>
+          <p:cNvPr id="3" name="Date Placeholder 2"/>
+          <p:cNvSpPr>
+            <a:spLocks noGrp="1"/>
+          </p:cNvSpPr>
+          <p:nvPr>
+            <p:ph type="dt" idx="1"/>
+          </p:nvPr>
+        </p:nvSpPr>
+        <p:spPr>
+          <a:xfrm>
+            <a:off x="3884613" y="0"/>
+            <a:ext cx="2971800" cy="458788"/>
+          </a:xfrm>
+          <a:prstGeom prst="rect">
+            <a:avLst/>
+          </a:prstGeom>
+        </p:spPr>
+        <p:txBody>
+          <a:bodyPr vert="horz" lIns="91440" tIns="45720" rIns="91440" bIns="45720" rtlCol="0"/>
+          <a:lstStyle>
+            <a:lvl1pPr algn="r">
+              <a:defRPr sz="1200"/>
+            </a:lvl1pPr>
+          </a:lstStyle>
+          <a:p>
+            <a:fld id="{4CEC05EA-505F-E342-931B-CF5ABF53D014}" type="datetimeFigureOut">
+              <a:rPr lang="en-US" smtClean="0"/>
+              <a:t>3/10/23</a:t>
+            </a:fld>
+            <a:endParaRPr lang="en-US"/>
+          </a:p>
+        </p:txBody>
+      </p:sp>
+      <p:sp>
+        <p:nvSpPr>
+          <p:cNvPr id="4" name="Slide Image Placeholder 3"/>
+          <p:cNvSpPr>
+            <a:spLocks noGrp="1" noRot="1" noChangeAspect="1"/>
+          </p:cNvSpPr>
+          <p:nvPr>
+            <p:ph type="sldImg" idx="2"/>
+          </p:nvPr>
+        </p:nvSpPr>
+        <p:spPr>
+          <a:xfrm>
+            <a:off x="685800" y="1143000"/>
+            <a:ext cx="5486400" cy="3086100"/>
+          </a:xfrm>
+          <a:prstGeom prst="rect">
+            <a:avLst/>
+          </a:prstGeom>
+          <a:noFill/>
+          <a:ln w="12700">
+            <a:solidFill>
+              <a:prstClr val="black"/>
+            </a:solidFill>
+          </a:ln>
+        </p:spPr>
+        <p:txBody>
+          <a:bodyPr vert="horz" lIns="91440" tIns="45720" rIns="91440" bIns="45720" rtlCol="0" anchor="ctr"/>
+          <a:lstStyle/>
+          <a:p>
+            <a:endParaRPr lang="en-US"/>
+          </a:p>
+        </p:txBody>
+      </p:sp>
+      <p:sp>
+        <p:nvSpPr>
+          <p:cNvPr id="5" name="Notes Placeholder 4"/>
+          <p:cNvSpPr>
+            <a:spLocks noGrp="1"/>
+          </p:cNvSpPr>
+          <p:nvPr>
+            <p:ph type="body" sz="quarter" idx="3"/>
+          </p:nvPr>
+        </p:nvSpPr>
+        <p:spPr>
+          <a:xfrm>
+            <a:off x="685800" y="4400550"/>
+            <a:ext cx="5486400" cy="3600450"/>
+          </a:xfrm>
+          <a:prstGeom prst="rect">
+            <a:avLst/>
+          </a:prstGeom>
+        </p:spPr>
+        <p:txBody>
+          <a:bodyPr vert="horz" lIns="91440" tIns="45720" rIns="91440" bIns="45720" rtlCol="0"/>
+          <a:lstStyle/>
+          <a:p>
+            <a:pPr lvl="0"/>
+            <a:r>
+              <a:rPr lang="en-GB"/>
+              <a:t>Click to edit Master text styles</a:t>
+            </a:r>
+          </a:p>
+          <a:p>
+            <a:pPr lvl="1"/>
+            <a:r>
+              <a:rPr lang="en-GB"/>
+              <a:t>Second level</a:t>
+            </a:r>
+          </a:p>
+          <a:p>
+            <a:pPr lvl="2"/>
+            <a:r>
+              <a:rPr lang="en-GB"/>
+              <a:t>Third level</a:t>
+            </a:r>
+          </a:p>
+          <a:p>
+            <a:pPr lvl="3"/>
+            <a:r>
+              <a:rPr lang="en-GB"/>
+              <a:t>Fourth level</a:t>
+            </a:r>
+          </a:p>
+          <a:p>
+            <a:pPr lvl="4"/>
+            <a:r>
+              <a:rPr lang="en-GB"/>
+              <a:t>Fifth level</a:t>
+            </a:r>
+            <a:endParaRPr lang="en-US"/>
+          </a:p>
+        </p:txBody>
+      </p:sp>
+      <p:sp>
+        <p:nvSpPr>
+          <p:cNvPr id="6" name="Footer Placeholder 5"/>
+          <p:cNvSpPr>
+            <a:spLocks noGrp="1"/>
+          </p:cNvSpPr>
+          <p:nvPr>
+            <p:ph type="ftr" sz="quarter" idx="4"/>
+          </p:nvPr>
+        </p:nvSpPr>
+        <p:spPr>
+          <a:xfrm>
+            <a:off x="0" y="8685213"/>
+            <a:ext cx="2971800" cy="458787"/>
+          </a:xfrm>
+          <a:prstGeom prst="rect">
+            <a:avLst/>
+          </a:prstGeom>
+        </p:spPr>
+        <p:txBody>
+          <a:bodyPr vert="horz" lIns="91440" tIns="45720" rIns="91440" bIns="45720" rtlCol="0" anchor="b"/>
+          <a:lstStyle>
+            <a:lvl1pPr algn="l">
+              <a:defRPr sz="1200"/>
+            </a:lvl1pPr>
+          </a:lstStyle>
+          <a:p>
+            <a:endParaRPr lang="en-US"/>
+          </a:p>
+        </p:txBody>
+      </p:sp>
+      <p:sp>
+        <p:nvSpPr>
+          <p:cNvPr id="7" name="Slide Number Placeholder 6"/>
+          <p:cNvSpPr>
+            <a:spLocks noGrp="1"/>
+          </p:cNvSpPr>
+          <p:nvPr>
+            <p:ph type="sldNum" sz="quarter" idx="5"/>
+          </p:nvPr>
+        </p:nvSpPr>
+        <p:spPr>
+          <a:xfrm>
+            <a:off x="3884613" y="8685213"/>
+            <a:ext cx="2971800" cy="458787"/>
+          </a:xfrm>
+          <a:prstGeom prst="rect">
+            <a:avLst/>
+          </a:prstGeom>
+        </p:spPr>
+        <p:txBody>
+          <a:bodyPr vert="horz" lIns="91440" tIns="45720" rIns="91440" bIns="45720" rtlCol="0" anchor="b"/>
+          <a:lstStyle>
+            <a:lvl1pPr algn="r">
+              <a:defRPr sz="1200"/>
+            </a:lvl1pPr>
+          </a:lstStyle>
+          <a:p>
+            <a:fld id="{ECD09C03-21BA-DB4B-9188-E4867A81B096}" type="slidenum">
+              <a:rPr lang="en-US" smtClean="0"/>
+              <a:t>‹#›</a:t>
+            </a:fld>
+            <a:endParaRPr lang="en-US"/>
+          </a:p>
+        </p:txBody>
+      </p:sp>
+    </p:spTree>
+    <p:extLst>
+      <p:ext uri="{BB962C8B-B14F-4D97-AF65-F5344CB8AC3E}">
+        <p14:creationId xmlns:p14="http://schemas.microsoft.com/office/powerpoint/2010/main" val="968391042"/>
+      </p:ext>
+    </p:extLst>
+  </p:cSld>
+  <p:clrMap bg1="lt1" tx1="dk1" bg2="lt2" tx2="dk2" accent1="accent1" accent2="accent2" accent3="accent3" accent4="accent4" accent5="accent5" accent6="accent6" hlink="hlink" folHlink="folHlink"/>
+  <p:notesStyle>
+    <a:lvl1pPr marL="0" algn="l" defTabSz="914400" rtl="0" eaLnBrk="1" latinLnBrk="0" hangingPunct="1">
+      <a:defRPr sz="1200" kern="1200">
+        <a:solidFill>
+          <a:schemeClr val="tx1"/>
+        </a:solidFill>
+        <a:latin typeface="+mn-lt"/>
+        <a:ea typeface="+mn-ea"/>
+        <a:cs typeface="+mn-cs"/>
+      </a:defRPr>
+    </a:lvl1pPr>
+    <a:lvl2pPr marL="457200" algn="l" defTabSz="914400" rtl="0" eaLnBrk="1" latinLnBrk="0" hangingPunct="1">
+      <a:defRPr sz="1200" kern="1200">
+        <a:solidFill>
+          <a:schemeClr val="tx1"/>
+        </a:solidFill>
+        <a:latin typeface="+mn-lt"/>
+        <a:ea typeface="+mn-ea"/>
+        <a:cs typeface="+mn-cs"/>
+      </a:defRPr>
+    </a:lvl2pPr>
+    <a:lvl3pPr marL="914400" algn="l" defTabSz="914400" rtl="0" eaLnBrk="1" latinLnBrk="0" hangingPunct="1">
+      <a:defRPr sz="1200" kern="1200">
+        <a:solidFill>
+          <a:schemeClr val="tx1"/>
+        </a:solidFill>
+        <a:latin typeface="+mn-lt"/>
+        <a:ea typeface="+mn-ea"/>
+        <a:cs typeface="+mn-cs"/>
+      </a:defRPr>
+    </a:lvl3pPr>
+    <a:lvl4pPr marL="1371600" algn="l" defTabSz="914400" rtl="0" eaLnBrk="1" latinLnBrk="0" hangingPunct="1">
+      <a:defRPr sz="1200" kern="1200">
+        <a:solidFill>
+          <a:schemeClr val="tx1"/>
+        </a:solidFill>
+        <a:latin typeface="+mn-lt"/>
+        <a:ea typeface="+mn-ea"/>
+        <a:cs typeface="+mn-cs"/>
+      </a:defRPr>
+    </a:lvl4pPr>
+    <a:lvl5pPr marL="1828800" algn="l" defTabSz="914400" rtl="0" eaLnBrk="1" latinLnBrk="0" hangingPunct="1">
+      <a:defRPr sz="1200" kern="1200">
+        <a:solidFill>
+          <a:schemeClr val="tx1"/>
+        </a:solidFill>
+        <a:latin typeface="+mn-lt"/>
+        <a:ea typeface="+mn-ea"/>
+        <a:cs typeface="+mn-cs"/>
+      </a:defRPr>
+    </a:lvl5pPr>
+    <a:lvl6pPr marL="2286000" algn="l" defTabSz="914400" rtl="0" eaLnBrk="1" latinLnBrk="0" hangingPunct="1">
+      <a:defRPr sz="1200" kern="1200">
+        <a:solidFill>
+          <a:schemeClr val="tx1"/>
+        </a:solidFill>
+        <a:latin typeface="+mn-lt"/>
+        <a:ea typeface="+mn-ea"/>
+        <a:cs typeface="+mn-cs"/>
+      </a:defRPr>
+    </a:lvl6pPr>
+    <a:lvl7pPr marL="2743200" algn="l" defTabSz="914400" rtl="0" eaLnBrk="1" latinLnBrk="0" hangingPunct="1">
+      <a:defRPr sz="1200" kern="1200">
+        <a:solidFill>
+          <a:schemeClr val="tx1"/>
+        </a:solidFill>
+        <a:latin typeface="+mn-lt"/>
+        <a:ea typeface="+mn-ea"/>
+        <a:cs typeface="+mn-cs"/>
+      </a:defRPr>
+    </a:lvl7pPr>
+    <a:lvl8pPr marL="3200400" algn="l" defTabSz="914400" rtl="0" eaLnBrk="1" latinLnBrk="0" hangingPunct="1">
+      <a:defRPr sz="1200" kern="1200">
+        <a:solidFill>
+          <a:schemeClr val="tx1"/>
+        </a:solidFill>
+        <a:latin typeface="+mn-lt"/>
+        <a:ea typeface="+mn-ea"/>
+        <a:cs typeface="+mn-cs"/>
+      </a:defRPr>
+    </a:lvl8pPr>
+    <a:lvl9pPr marL="3657600" algn="l" defTabSz="914400" rtl="0" eaLnBrk="1" latinLnBrk="0" hangingPunct="1">
+      <a:defRPr sz="1200" kern="1200">
+        <a:solidFill>
+          <a:schemeClr val="tx1"/>
+        </a:solidFill>
+        <a:latin typeface="+mn-lt"/>
+        <a:ea typeface="+mn-ea"/>
+        <a:cs typeface="+mn-cs"/>
+      </a:defRPr>
+    </a:lvl9pPr>
+  </p:notesStyle>
+</p:notesMaster>
+</file>
+
 <file path=ppt/slideLayouts/slideLayout1.xml><?xml version="1.0" encoding="utf-8"?>
 <p:sldLayout xmlns:a="http://schemas.openxmlformats.org/drawingml/2006/main" xmlns:r="http://schemas.openxmlformats.org/officeDocument/2006/relationships" xmlns:p="http://schemas.openxmlformats.org/presentationml/2006/main" type="title" preserve="1">
   <p:cSld name="Title Slide">
@@ -132,7 +490,7 @@
           <p:cNvPr id="2" name="Title 1">
             <a:extLst>
               <a:ext uri="{FF2B5EF4-FFF2-40B4-BE49-F238E27FC236}">
-                <a16:creationId xmlns:a16="http://schemas.microsoft.com/office/drawing/2014/main" id="{997328D5-C298-1775-65E0-1A470BB11967}"/>
+                <a16:creationId xmlns:a16="http://schemas.microsoft.com/office/drawing/2014/main" id="{257F49F2-DDE9-E9A6-742B-8DEB930F8474}"/>
               </a:ext>
             </a:extLst>
           </p:cNvPr>
@@ -158,10 +516,10 @@
           </a:lstStyle>
           <a:p>
             <a:r>
-              <a:rPr lang="en-US"/>
+              <a:rPr lang="en-GB"/>
               <a:t>Click to edit Master title style</a:t>
             </a:r>
-            <a:endParaRPr lang="en-GB"/>
+            <a:endParaRPr lang="en-US"/>
           </a:p>
         </p:txBody>
       </p:sp>
@@ -170,7 +528,7 @@
           <p:cNvPr id="3" name="Subtitle 2">
             <a:extLst>
               <a:ext uri="{FF2B5EF4-FFF2-40B4-BE49-F238E27FC236}">
-                <a16:creationId xmlns:a16="http://schemas.microsoft.com/office/drawing/2014/main" id="{083BC6D7-8711-5A86-13ED-87D920BB3270}"/>
+                <a16:creationId xmlns:a16="http://schemas.microsoft.com/office/drawing/2014/main" id="{15DD5F88-A952-92E6-1A29-7B128FAE3595}"/>
               </a:ext>
             </a:extLst>
           </p:cNvPr>
@@ -229,10 +587,10 @@
           </a:lstStyle>
           <a:p>
             <a:r>
-              <a:rPr lang="en-US"/>
+              <a:rPr lang="en-GB"/>
               <a:t>Click to edit Master subtitle style</a:t>
             </a:r>
-            <a:endParaRPr lang="en-GB"/>
+            <a:endParaRPr lang="en-US"/>
           </a:p>
         </p:txBody>
       </p:sp>
@@ -241,7 +599,7 @@
           <p:cNvPr id="4" name="Date Placeholder 3">
             <a:extLst>
               <a:ext uri="{FF2B5EF4-FFF2-40B4-BE49-F238E27FC236}">
-                <a16:creationId xmlns:a16="http://schemas.microsoft.com/office/drawing/2014/main" id="{7FFA39AC-9567-9A15-E37E-9089B1572CBD}"/>
+                <a16:creationId xmlns:a16="http://schemas.microsoft.com/office/drawing/2014/main" id="{18F77D25-468E-9D1F-8054-6CE411806143}"/>
               </a:ext>
             </a:extLst>
           </p:cNvPr>
@@ -257,11 +615,11 @@
           <a:bodyPr/>
           <a:lstStyle/>
           <a:p>
-            <a:fld id="{787AA99E-384B-4634-9878-9F5BEDF3C341}" type="datetimeFigureOut">
-              <a:rPr lang="en-GB" smtClean="0"/>
-              <a:t>09/03/2023</a:t>
+            <a:fld id="{F7BD4DC6-0D64-8943-A6B7-D46D9E5C750E}" type="datetimeFigureOut">
+              <a:rPr lang="en-US" smtClean="0"/>
+              <a:t>3/10/23</a:t>
             </a:fld>
-            <a:endParaRPr lang="en-GB"/>
+            <a:endParaRPr lang="en-US"/>
           </a:p>
         </p:txBody>
       </p:sp>
@@ -270,7 +628,7 @@
           <p:cNvPr id="5" name="Footer Placeholder 4">
             <a:extLst>
               <a:ext uri="{FF2B5EF4-FFF2-40B4-BE49-F238E27FC236}">
-                <a16:creationId xmlns:a16="http://schemas.microsoft.com/office/drawing/2014/main" id="{804311E9-79E1-600D-D6B7-C458F41BA867}"/>
+                <a16:creationId xmlns:a16="http://schemas.microsoft.com/office/drawing/2014/main" id="{B1030889-EE17-25E9-F831-1BC6C080D221}"/>
               </a:ext>
             </a:extLst>
           </p:cNvPr>
@@ -286,7 +644,7 @@
           <a:bodyPr/>
           <a:lstStyle/>
           <a:p>
-            <a:endParaRPr lang="en-GB"/>
+            <a:endParaRPr lang="en-US"/>
           </a:p>
         </p:txBody>
       </p:sp>
@@ -295,7 +653,7 @@
           <p:cNvPr id="6" name="Slide Number Placeholder 5">
             <a:extLst>
               <a:ext uri="{FF2B5EF4-FFF2-40B4-BE49-F238E27FC236}">
-                <a16:creationId xmlns:a16="http://schemas.microsoft.com/office/drawing/2014/main" id="{1B5ABD59-36BB-3086-2D7B-A53B392DFED0}"/>
+                <a16:creationId xmlns:a16="http://schemas.microsoft.com/office/drawing/2014/main" id="{ECEE24F0-D75C-3B26-2EA0-337A25818469}"/>
               </a:ext>
             </a:extLst>
           </p:cNvPr>
@@ -311,18 +669,18 @@
           <a:bodyPr/>
           <a:lstStyle/>
           <a:p>
-            <a:fld id="{5BFD1054-3F7A-48ED-BB35-AC39F28FB4D5}" type="slidenum">
-              <a:rPr lang="en-GB" smtClean="0"/>
+            <a:fld id="{03789CC2-566F-E046-9695-3E2E78043213}" type="slidenum">
+              <a:rPr lang="en-US" smtClean="0"/>
               <a:t>‹#›</a:t>
             </a:fld>
-            <a:endParaRPr lang="en-GB"/>
+            <a:endParaRPr lang="en-US"/>
           </a:p>
         </p:txBody>
       </p:sp>
     </p:spTree>
     <p:extLst>
       <p:ext uri="{BB962C8B-B14F-4D97-AF65-F5344CB8AC3E}">
-        <p14:creationId xmlns:p14="http://schemas.microsoft.com/office/powerpoint/2010/main" val="3998126286"/>
+        <p14:creationId xmlns:p14="http://schemas.microsoft.com/office/powerpoint/2010/main" val="3251465150"/>
       </p:ext>
     </p:extLst>
   </p:cSld>
@@ -354,7 +712,7 @@
           <p:cNvPr id="2" name="Title 1">
             <a:extLst>
               <a:ext uri="{FF2B5EF4-FFF2-40B4-BE49-F238E27FC236}">
-                <a16:creationId xmlns:a16="http://schemas.microsoft.com/office/drawing/2014/main" id="{DAE986F0-E6BC-5394-72E6-6072D0C64E60}"/>
+                <a16:creationId xmlns:a16="http://schemas.microsoft.com/office/drawing/2014/main" id="{9EF00545-F97A-068B-FF72-E558A2B94536}"/>
               </a:ext>
             </a:extLst>
           </p:cNvPr>
@@ -371,10 +729,10 @@
           <a:lstStyle/>
           <a:p>
             <a:r>
-              <a:rPr lang="en-US"/>
+              <a:rPr lang="en-GB"/>
               <a:t>Click to edit Master title style</a:t>
             </a:r>
-            <a:endParaRPr lang="en-GB"/>
+            <a:endParaRPr lang="en-US"/>
           </a:p>
         </p:txBody>
       </p:sp>
@@ -383,7 +741,7 @@
           <p:cNvPr id="3" name="Vertical Text Placeholder 2">
             <a:extLst>
               <a:ext uri="{FF2B5EF4-FFF2-40B4-BE49-F238E27FC236}">
-                <a16:creationId xmlns:a16="http://schemas.microsoft.com/office/drawing/2014/main" id="{7FA15F5B-F485-D8A1-FD32-36E1A84240ED}"/>
+                <a16:creationId xmlns:a16="http://schemas.microsoft.com/office/drawing/2014/main" id="{1E7C4F94-1290-0993-C67A-2E4B8C4F7C50}"/>
               </a:ext>
             </a:extLst>
           </p:cNvPr>
@@ -401,38 +759,38 @@
           <a:p>
             <a:pPr lvl="0"/>
             <a:r>
-              <a:rPr lang="en-US"/>
+              <a:rPr lang="en-GB"/>
               <a:t>Click to edit Master text styles</a:t>
             </a:r>
           </a:p>
           <a:p>
             <a:pPr lvl="1"/>
             <a:r>
-              <a:rPr lang="en-US"/>
+              <a:rPr lang="en-GB"/>
               <a:t>Second level</a:t>
             </a:r>
           </a:p>
           <a:p>
             <a:pPr lvl="2"/>
             <a:r>
-              <a:rPr lang="en-US"/>
+              <a:rPr lang="en-GB"/>
               <a:t>Third level</a:t>
             </a:r>
           </a:p>
           <a:p>
             <a:pPr lvl="3"/>
             <a:r>
-              <a:rPr lang="en-US"/>
+              <a:rPr lang="en-GB"/>
               <a:t>Fourth level</a:t>
             </a:r>
           </a:p>
           <a:p>
             <a:pPr lvl="4"/>
             <a:r>
-              <a:rPr lang="en-US"/>
+              <a:rPr lang="en-GB"/>
               <a:t>Fifth level</a:t>
             </a:r>
-            <a:endParaRPr lang="en-GB"/>
+            <a:endParaRPr lang="en-US"/>
           </a:p>
         </p:txBody>
       </p:sp>
@@ -441,7 +799,7 @@
           <p:cNvPr id="4" name="Date Placeholder 3">
             <a:extLst>
               <a:ext uri="{FF2B5EF4-FFF2-40B4-BE49-F238E27FC236}">
-                <a16:creationId xmlns:a16="http://schemas.microsoft.com/office/drawing/2014/main" id="{45266A33-2096-D78F-A975-374107B1AB09}"/>
+                <a16:creationId xmlns:a16="http://schemas.microsoft.com/office/drawing/2014/main" id="{321341CA-B8F8-7D42-2959-8AA5005DFE4D}"/>
               </a:ext>
             </a:extLst>
           </p:cNvPr>
@@ -457,11 +815,11 @@
           <a:bodyPr/>
           <a:lstStyle/>
           <a:p>
-            <a:fld id="{787AA99E-384B-4634-9878-9F5BEDF3C341}" type="datetimeFigureOut">
-              <a:rPr lang="en-GB" smtClean="0"/>
-              <a:t>09/03/2023</a:t>
+            <a:fld id="{F7BD4DC6-0D64-8943-A6B7-D46D9E5C750E}" type="datetimeFigureOut">
+              <a:rPr lang="en-US" smtClean="0"/>
+              <a:t>3/10/23</a:t>
             </a:fld>
-            <a:endParaRPr lang="en-GB"/>
+            <a:endParaRPr lang="en-US"/>
           </a:p>
         </p:txBody>
       </p:sp>
@@ -470,7 +828,7 @@
           <p:cNvPr id="5" name="Footer Placeholder 4">
             <a:extLst>
               <a:ext uri="{FF2B5EF4-FFF2-40B4-BE49-F238E27FC236}">
-                <a16:creationId xmlns:a16="http://schemas.microsoft.com/office/drawing/2014/main" id="{C4C90D38-BF68-4D34-1A04-975C7A079F03}"/>
+                <a16:creationId xmlns:a16="http://schemas.microsoft.com/office/drawing/2014/main" id="{A046CE05-FEA4-F61C-B30D-97A1C60AFEDD}"/>
               </a:ext>
             </a:extLst>
           </p:cNvPr>
@@ -486,7 +844,7 @@
           <a:bodyPr/>
           <a:lstStyle/>
           <a:p>
-            <a:endParaRPr lang="en-GB"/>
+            <a:endParaRPr lang="en-US"/>
           </a:p>
         </p:txBody>
       </p:sp>
@@ -495,7 +853,7 @@
           <p:cNvPr id="6" name="Slide Number Placeholder 5">
             <a:extLst>
               <a:ext uri="{FF2B5EF4-FFF2-40B4-BE49-F238E27FC236}">
-                <a16:creationId xmlns:a16="http://schemas.microsoft.com/office/drawing/2014/main" id="{295D956F-E113-CA12-5A4F-3ABDC95F7392}"/>
+                <a16:creationId xmlns:a16="http://schemas.microsoft.com/office/drawing/2014/main" id="{3E28C1DB-90AD-E4D0-458B-B4FD616F74C0}"/>
               </a:ext>
             </a:extLst>
           </p:cNvPr>
@@ -511,18 +869,18 @@
           <a:bodyPr/>
           <a:lstStyle/>
           <a:p>
-            <a:fld id="{5BFD1054-3F7A-48ED-BB35-AC39F28FB4D5}" type="slidenum">
-              <a:rPr lang="en-GB" smtClean="0"/>
+            <a:fld id="{03789CC2-566F-E046-9695-3E2E78043213}" type="slidenum">
+              <a:rPr lang="en-US" smtClean="0"/>
               <a:t>‹#›</a:t>
             </a:fld>
-            <a:endParaRPr lang="en-GB"/>
+            <a:endParaRPr lang="en-US"/>
           </a:p>
         </p:txBody>
       </p:sp>
     </p:spTree>
     <p:extLst>
       <p:ext uri="{BB962C8B-B14F-4D97-AF65-F5344CB8AC3E}">
-        <p14:creationId xmlns:p14="http://schemas.microsoft.com/office/powerpoint/2010/main" val="1212397132"/>
+        <p14:creationId xmlns:p14="http://schemas.microsoft.com/office/powerpoint/2010/main" val="300954180"/>
       </p:ext>
     </p:extLst>
   </p:cSld>
@@ -554,7 +912,7 @@
           <p:cNvPr id="2" name="Vertical Title 1">
             <a:extLst>
               <a:ext uri="{FF2B5EF4-FFF2-40B4-BE49-F238E27FC236}">
-                <a16:creationId xmlns:a16="http://schemas.microsoft.com/office/drawing/2014/main" id="{4EE1F6F0-9EB8-4691-BE76-E6BA905EFC47}"/>
+                <a16:creationId xmlns:a16="http://schemas.microsoft.com/office/drawing/2014/main" id="{BC8C5FC8-AF19-0BFC-E627-57601A7C16C6}"/>
               </a:ext>
             </a:extLst>
           </p:cNvPr>
@@ -576,10 +934,10 @@
           <a:lstStyle/>
           <a:p>
             <a:r>
-              <a:rPr lang="en-US"/>
+              <a:rPr lang="en-GB"/>
               <a:t>Click to edit Master title style</a:t>
             </a:r>
-            <a:endParaRPr lang="en-GB"/>
+            <a:endParaRPr lang="en-US"/>
           </a:p>
         </p:txBody>
       </p:sp>
@@ -588,7 +946,7 @@
           <p:cNvPr id="3" name="Vertical Text Placeholder 2">
             <a:extLst>
               <a:ext uri="{FF2B5EF4-FFF2-40B4-BE49-F238E27FC236}">
-                <a16:creationId xmlns:a16="http://schemas.microsoft.com/office/drawing/2014/main" id="{0A0F29DD-2118-6DE4-D34D-E1E4AC76EB3F}"/>
+                <a16:creationId xmlns:a16="http://schemas.microsoft.com/office/drawing/2014/main" id="{BE33E484-6096-ECD6-B8BC-95BE6BF73E16}"/>
               </a:ext>
             </a:extLst>
           </p:cNvPr>
@@ -611,38 +969,38 @@
           <a:p>
             <a:pPr lvl="0"/>
             <a:r>
-              <a:rPr lang="en-US"/>
+              <a:rPr lang="en-GB"/>
               <a:t>Click to edit Master text styles</a:t>
             </a:r>
           </a:p>
           <a:p>
             <a:pPr lvl="1"/>
             <a:r>
-              <a:rPr lang="en-US"/>
+              <a:rPr lang="en-GB"/>
               <a:t>Second level</a:t>
             </a:r>
           </a:p>
           <a:p>
             <a:pPr lvl="2"/>
             <a:r>
-              <a:rPr lang="en-US"/>
+              <a:rPr lang="en-GB"/>
               <a:t>Third level</a:t>
             </a:r>
           </a:p>
           <a:p>
             <a:pPr lvl="3"/>
             <a:r>
-              <a:rPr lang="en-US"/>
+              <a:rPr lang="en-GB"/>
               <a:t>Fourth level</a:t>
             </a:r>
           </a:p>
           <a:p>
             <a:pPr lvl="4"/>
             <a:r>
-              <a:rPr lang="en-US"/>
+              <a:rPr lang="en-GB"/>
               <a:t>Fifth level</a:t>
             </a:r>
-            <a:endParaRPr lang="en-GB"/>
+            <a:endParaRPr lang="en-US"/>
           </a:p>
         </p:txBody>
       </p:sp>
@@ -651,7 +1009,7 @@
           <p:cNvPr id="4" name="Date Placeholder 3">
             <a:extLst>
               <a:ext uri="{FF2B5EF4-FFF2-40B4-BE49-F238E27FC236}">
-                <a16:creationId xmlns:a16="http://schemas.microsoft.com/office/drawing/2014/main" id="{FEF4A3BD-551F-FEB5-2148-AEE7C5804001}"/>
+                <a16:creationId xmlns:a16="http://schemas.microsoft.com/office/drawing/2014/main" id="{C46A1DF3-DAFA-729D-01B3-EE95306F9E1A}"/>
               </a:ext>
             </a:extLst>
           </p:cNvPr>
@@ -667,11 +1025,11 @@
           <a:bodyPr/>
           <a:lstStyle/>
           <a:p>
-            <a:fld id="{787AA99E-384B-4634-9878-9F5BEDF3C341}" type="datetimeFigureOut">
-              <a:rPr lang="en-GB" smtClean="0"/>
-              <a:t>09/03/2023</a:t>
+            <a:fld id="{F7BD4DC6-0D64-8943-A6B7-D46D9E5C750E}" type="datetimeFigureOut">
+              <a:rPr lang="en-US" smtClean="0"/>
+              <a:t>3/10/23</a:t>
             </a:fld>
-            <a:endParaRPr lang="en-GB"/>
+            <a:endParaRPr lang="en-US"/>
           </a:p>
         </p:txBody>
       </p:sp>
@@ -680,7 +1038,7 @@
           <p:cNvPr id="5" name="Footer Placeholder 4">
             <a:extLst>
               <a:ext uri="{FF2B5EF4-FFF2-40B4-BE49-F238E27FC236}">
-                <a16:creationId xmlns:a16="http://schemas.microsoft.com/office/drawing/2014/main" id="{8CBEFCE2-04D5-CEFC-69DF-68E32CF4EBE5}"/>
+                <a16:creationId xmlns:a16="http://schemas.microsoft.com/office/drawing/2014/main" id="{945EEF17-D618-9EC9-253E-AC7268B227C4}"/>
               </a:ext>
             </a:extLst>
           </p:cNvPr>
@@ -696,7 +1054,7 @@
           <a:bodyPr/>
           <a:lstStyle/>
           <a:p>
-            <a:endParaRPr lang="en-GB"/>
+            <a:endParaRPr lang="en-US"/>
           </a:p>
         </p:txBody>
       </p:sp>
@@ -705,7 +1063,7 @@
           <p:cNvPr id="6" name="Slide Number Placeholder 5">
             <a:extLst>
               <a:ext uri="{FF2B5EF4-FFF2-40B4-BE49-F238E27FC236}">
-                <a16:creationId xmlns:a16="http://schemas.microsoft.com/office/drawing/2014/main" id="{320FCDA3-C4E7-8481-3716-898D99154313}"/>
+                <a16:creationId xmlns:a16="http://schemas.microsoft.com/office/drawing/2014/main" id="{64162ABF-F371-196C-523A-86014E8D509A}"/>
               </a:ext>
             </a:extLst>
           </p:cNvPr>
@@ -721,18 +1079,18 @@
           <a:bodyPr/>
           <a:lstStyle/>
           <a:p>
-            <a:fld id="{5BFD1054-3F7A-48ED-BB35-AC39F28FB4D5}" type="slidenum">
-              <a:rPr lang="en-GB" smtClean="0"/>
+            <a:fld id="{03789CC2-566F-E046-9695-3E2E78043213}" type="slidenum">
+              <a:rPr lang="en-US" smtClean="0"/>
               <a:t>‹#›</a:t>
             </a:fld>
-            <a:endParaRPr lang="en-GB"/>
+            <a:endParaRPr lang="en-US"/>
           </a:p>
         </p:txBody>
       </p:sp>
     </p:spTree>
     <p:extLst>
       <p:ext uri="{BB962C8B-B14F-4D97-AF65-F5344CB8AC3E}">
-        <p14:creationId xmlns:p14="http://schemas.microsoft.com/office/powerpoint/2010/main" val="3341875107"/>
+        <p14:creationId xmlns:p14="http://schemas.microsoft.com/office/powerpoint/2010/main" val="1705789960"/>
       </p:ext>
     </p:extLst>
   </p:cSld>
@@ -764,7 +1122,7 @@
           <p:cNvPr id="2" name="Title 1">
             <a:extLst>
               <a:ext uri="{FF2B5EF4-FFF2-40B4-BE49-F238E27FC236}">
-                <a16:creationId xmlns:a16="http://schemas.microsoft.com/office/drawing/2014/main" id="{1C398B7A-91B9-5A84-9BF8-AB9E46D26BDA}"/>
+                <a16:creationId xmlns:a16="http://schemas.microsoft.com/office/drawing/2014/main" id="{73175242-5F24-CE39-A506-BA5BF7AEF9F9}"/>
               </a:ext>
             </a:extLst>
           </p:cNvPr>
@@ -781,10 +1139,10 @@
           <a:lstStyle/>
           <a:p>
             <a:r>
-              <a:rPr lang="en-US"/>
+              <a:rPr lang="en-GB"/>
               <a:t>Click to edit Master title style</a:t>
             </a:r>
-            <a:endParaRPr lang="en-GB"/>
+            <a:endParaRPr lang="en-US"/>
           </a:p>
         </p:txBody>
       </p:sp>
@@ -793,7 +1151,7 @@
           <p:cNvPr id="3" name="Content Placeholder 2">
             <a:extLst>
               <a:ext uri="{FF2B5EF4-FFF2-40B4-BE49-F238E27FC236}">
-                <a16:creationId xmlns:a16="http://schemas.microsoft.com/office/drawing/2014/main" id="{75CB914B-E001-A5DD-375B-A20E53D29ED7}"/>
+                <a16:creationId xmlns:a16="http://schemas.microsoft.com/office/drawing/2014/main" id="{C60AC21D-DBE9-0722-33FE-4C6471CBDA8C}"/>
               </a:ext>
             </a:extLst>
           </p:cNvPr>
@@ -811,38 +1169,38 @@
           <a:p>
             <a:pPr lvl="0"/>
             <a:r>
-              <a:rPr lang="en-US"/>
+              <a:rPr lang="en-GB"/>
               <a:t>Click to edit Master text styles</a:t>
             </a:r>
           </a:p>
           <a:p>
             <a:pPr lvl="1"/>
             <a:r>
-              <a:rPr lang="en-US"/>
+              <a:rPr lang="en-GB"/>
               <a:t>Second level</a:t>
             </a:r>
           </a:p>
           <a:p>
             <a:pPr lvl="2"/>
             <a:r>
-              <a:rPr lang="en-US"/>
+              <a:rPr lang="en-GB"/>
               <a:t>Third level</a:t>
             </a:r>
           </a:p>
           <a:p>
             <a:pPr lvl="3"/>
             <a:r>
-              <a:rPr lang="en-US"/>
+              <a:rPr lang="en-GB"/>
               <a:t>Fourth level</a:t>
             </a:r>
           </a:p>
           <a:p>
             <a:pPr lvl="4"/>
             <a:r>
-              <a:rPr lang="en-US"/>
+              <a:rPr lang="en-GB"/>
               <a:t>Fifth level</a:t>
             </a:r>
-            <a:endParaRPr lang="en-GB"/>
+            <a:endParaRPr lang="en-US"/>
           </a:p>
         </p:txBody>
       </p:sp>
@@ -851,7 +1209,7 @@
           <p:cNvPr id="4" name="Date Placeholder 3">
             <a:extLst>
               <a:ext uri="{FF2B5EF4-FFF2-40B4-BE49-F238E27FC236}">
-                <a16:creationId xmlns:a16="http://schemas.microsoft.com/office/drawing/2014/main" id="{1C8D1F25-22CA-2DF4-73C3-C8D4820DCEFD}"/>
+                <a16:creationId xmlns:a16="http://schemas.microsoft.com/office/drawing/2014/main" id="{89F4888E-80BD-16C3-0F4F-F18E4187DDCC}"/>
               </a:ext>
             </a:extLst>
           </p:cNvPr>
@@ -867,11 +1225,11 @@
           <a:bodyPr/>
           <a:lstStyle/>
           <a:p>
-            <a:fld id="{787AA99E-384B-4634-9878-9F5BEDF3C341}" type="datetimeFigureOut">
-              <a:rPr lang="en-GB" smtClean="0"/>
-              <a:t>09/03/2023</a:t>
+            <a:fld id="{F7BD4DC6-0D64-8943-A6B7-D46D9E5C750E}" type="datetimeFigureOut">
+              <a:rPr lang="en-US" smtClean="0"/>
+              <a:t>3/10/23</a:t>
             </a:fld>
-            <a:endParaRPr lang="en-GB"/>
+            <a:endParaRPr lang="en-US"/>
           </a:p>
         </p:txBody>
       </p:sp>
@@ -880,7 +1238,7 @@
           <p:cNvPr id="5" name="Footer Placeholder 4">
             <a:extLst>
               <a:ext uri="{FF2B5EF4-FFF2-40B4-BE49-F238E27FC236}">
-                <a16:creationId xmlns:a16="http://schemas.microsoft.com/office/drawing/2014/main" id="{C40D60A3-EC88-1889-4C30-FCA3FE673925}"/>
+                <a16:creationId xmlns:a16="http://schemas.microsoft.com/office/drawing/2014/main" id="{C678E981-1E30-B9E2-6220-636833D088B9}"/>
               </a:ext>
             </a:extLst>
           </p:cNvPr>
@@ -896,7 +1254,7 @@
           <a:bodyPr/>
           <a:lstStyle/>
           <a:p>
-            <a:endParaRPr lang="en-GB"/>
+            <a:endParaRPr lang="en-US"/>
           </a:p>
         </p:txBody>
       </p:sp>
@@ -905,7 +1263,7 @@
           <p:cNvPr id="6" name="Slide Number Placeholder 5">
             <a:extLst>
               <a:ext uri="{FF2B5EF4-FFF2-40B4-BE49-F238E27FC236}">
-                <a16:creationId xmlns:a16="http://schemas.microsoft.com/office/drawing/2014/main" id="{F782D2C6-B798-29A4-2248-F5A3A5F17479}"/>
+                <a16:creationId xmlns:a16="http://schemas.microsoft.com/office/drawing/2014/main" id="{DFBC8488-C3AB-FBF6-760A-B7810A0F27EB}"/>
               </a:ext>
             </a:extLst>
           </p:cNvPr>
@@ -921,18 +1279,18 @@
           <a:bodyPr/>
           <a:lstStyle/>
           <a:p>
-            <a:fld id="{5BFD1054-3F7A-48ED-BB35-AC39F28FB4D5}" type="slidenum">
-              <a:rPr lang="en-GB" smtClean="0"/>
+            <a:fld id="{03789CC2-566F-E046-9695-3E2E78043213}" type="slidenum">
+              <a:rPr lang="en-US" smtClean="0"/>
               <a:t>‹#›</a:t>
             </a:fld>
-            <a:endParaRPr lang="en-GB"/>
+            <a:endParaRPr lang="en-US"/>
           </a:p>
         </p:txBody>
       </p:sp>
     </p:spTree>
     <p:extLst>
       <p:ext uri="{BB962C8B-B14F-4D97-AF65-F5344CB8AC3E}">
-        <p14:creationId xmlns:p14="http://schemas.microsoft.com/office/powerpoint/2010/main" val="37249208"/>
+        <p14:creationId xmlns:p14="http://schemas.microsoft.com/office/powerpoint/2010/main" val="2012610298"/>
       </p:ext>
     </p:extLst>
   </p:cSld>
@@ -964,7 +1322,7 @@
           <p:cNvPr id="2" name="Title 1">
             <a:extLst>
               <a:ext uri="{FF2B5EF4-FFF2-40B4-BE49-F238E27FC236}">
-                <a16:creationId xmlns:a16="http://schemas.microsoft.com/office/drawing/2014/main" id="{382EAABE-A675-A982-2E69-5E21DAAD807F}"/>
+                <a16:creationId xmlns:a16="http://schemas.microsoft.com/office/drawing/2014/main" id="{0A40C55D-FA2B-CEBB-EFB3-B9EF9C01C5DB}"/>
               </a:ext>
             </a:extLst>
           </p:cNvPr>
@@ -990,10 +1348,10 @@
           </a:lstStyle>
           <a:p>
             <a:r>
-              <a:rPr lang="en-US"/>
+              <a:rPr lang="en-GB"/>
               <a:t>Click to edit Master title style</a:t>
             </a:r>
-            <a:endParaRPr lang="en-GB"/>
+            <a:endParaRPr lang="en-US"/>
           </a:p>
         </p:txBody>
       </p:sp>
@@ -1002,7 +1360,7 @@
           <p:cNvPr id="3" name="Text Placeholder 2">
             <a:extLst>
               <a:ext uri="{FF2B5EF4-FFF2-40B4-BE49-F238E27FC236}">
-                <a16:creationId xmlns:a16="http://schemas.microsoft.com/office/drawing/2014/main" id="{852369A7-3B6C-C621-33EE-E9627CA5FCBC}"/>
+                <a16:creationId xmlns:a16="http://schemas.microsoft.com/office/drawing/2014/main" id="{F118C95D-3F78-C704-1572-8F4DBF357285}"/>
               </a:ext>
             </a:extLst>
           </p:cNvPr>
@@ -1116,7 +1474,7 @@
           <a:p>
             <a:pPr lvl="0"/>
             <a:r>
-              <a:rPr lang="en-US"/>
+              <a:rPr lang="en-GB"/>
               <a:t>Click to edit Master text styles</a:t>
             </a:r>
           </a:p>
@@ -1127,7 +1485,7 @@
           <p:cNvPr id="4" name="Date Placeholder 3">
             <a:extLst>
               <a:ext uri="{FF2B5EF4-FFF2-40B4-BE49-F238E27FC236}">
-                <a16:creationId xmlns:a16="http://schemas.microsoft.com/office/drawing/2014/main" id="{AAF8470F-626A-CFB3-19A1-45932CC26E3E}"/>
+                <a16:creationId xmlns:a16="http://schemas.microsoft.com/office/drawing/2014/main" id="{B7F6A079-E7A5-4CB5-F61B-56467B3DEE83}"/>
               </a:ext>
             </a:extLst>
           </p:cNvPr>
@@ -1143,11 +1501,11 @@
           <a:bodyPr/>
           <a:lstStyle/>
           <a:p>
-            <a:fld id="{787AA99E-384B-4634-9878-9F5BEDF3C341}" type="datetimeFigureOut">
-              <a:rPr lang="en-GB" smtClean="0"/>
-              <a:t>09/03/2023</a:t>
+            <a:fld id="{F7BD4DC6-0D64-8943-A6B7-D46D9E5C750E}" type="datetimeFigureOut">
+              <a:rPr lang="en-US" smtClean="0"/>
+              <a:t>3/10/23</a:t>
             </a:fld>
-            <a:endParaRPr lang="en-GB"/>
+            <a:endParaRPr lang="en-US"/>
           </a:p>
         </p:txBody>
       </p:sp>
@@ -1156,7 +1514,7 @@
           <p:cNvPr id="5" name="Footer Placeholder 4">
             <a:extLst>
               <a:ext uri="{FF2B5EF4-FFF2-40B4-BE49-F238E27FC236}">
-                <a16:creationId xmlns:a16="http://schemas.microsoft.com/office/drawing/2014/main" id="{91DC82EC-643B-16ED-C38B-CB4CFBBCCE8E}"/>
+                <a16:creationId xmlns:a16="http://schemas.microsoft.com/office/drawing/2014/main" id="{2E40C74B-6B9C-3C51-D3DE-91011A82ED18}"/>
               </a:ext>
             </a:extLst>
           </p:cNvPr>
@@ -1172,7 +1530,7 @@
           <a:bodyPr/>
           <a:lstStyle/>
           <a:p>
-            <a:endParaRPr lang="en-GB"/>
+            <a:endParaRPr lang="en-US"/>
           </a:p>
         </p:txBody>
       </p:sp>
@@ -1181,7 +1539,7 @@
           <p:cNvPr id="6" name="Slide Number Placeholder 5">
             <a:extLst>
               <a:ext uri="{FF2B5EF4-FFF2-40B4-BE49-F238E27FC236}">
-                <a16:creationId xmlns:a16="http://schemas.microsoft.com/office/drawing/2014/main" id="{90924B46-6EBC-629D-50D4-811EA22C77BA}"/>
+                <a16:creationId xmlns:a16="http://schemas.microsoft.com/office/drawing/2014/main" id="{17F6FC5D-D112-9C27-7535-E553ACBDE4A8}"/>
               </a:ext>
             </a:extLst>
           </p:cNvPr>
@@ -1197,18 +1555,18 @@
           <a:bodyPr/>
           <a:lstStyle/>
           <a:p>
-            <a:fld id="{5BFD1054-3F7A-48ED-BB35-AC39F28FB4D5}" type="slidenum">
-              <a:rPr lang="en-GB" smtClean="0"/>
+            <a:fld id="{03789CC2-566F-E046-9695-3E2E78043213}" type="slidenum">
+              <a:rPr lang="en-US" smtClean="0"/>
               <a:t>‹#›</a:t>
             </a:fld>
-            <a:endParaRPr lang="en-GB"/>
+            <a:endParaRPr lang="en-US"/>
           </a:p>
         </p:txBody>
       </p:sp>
     </p:spTree>
     <p:extLst>
       <p:ext uri="{BB962C8B-B14F-4D97-AF65-F5344CB8AC3E}">
-        <p14:creationId xmlns:p14="http://schemas.microsoft.com/office/powerpoint/2010/main" val="1817698457"/>
+        <p14:creationId xmlns:p14="http://schemas.microsoft.com/office/powerpoint/2010/main" val="3991744643"/>
       </p:ext>
     </p:extLst>
   </p:cSld>
@@ -1240,7 +1598,7 @@
           <p:cNvPr id="2" name="Title 1">
             <a:extLst>
               <a:ext uri="{FF2B5EF4-FFF2-40B4-BE49-F238E27FC236}">
-                <a16:creationId xmlns:a16="http://schemas.microsoft.com/office/drawing/2014/main" id="{601B2A2B-9A2D-1664-B3DB-EFC16A16F5FF}"/>
+                <a16:creationId xmlns:a16="http://schemas.microsoft.com/office/drawing/2014/main" id="{6214D138-215A-15E1-C322-52C4B66BCCA3}"/>
               </a:ext>
             </a:extLst>
           </p:cNvPr>
@@ -1257,10 +1615,10 @@
           <a:lstStyle/>
           <a:p>
             <a:r>
-              <a:rPr lang="en-US"/>
+              <a:rPr lang="en-GB"/>
               <a:t>Click to edit Master title style</a:t>
             </a:r>
-            <a:endParaRPr lang="en-GB"/>
+            <a:endParaRPr lang="en-US"/>
           </a:p>
         </p:txBody>
       </p:sp>
@@ -1269,7 +1627,7 @@
           <p:cNvPr id="3" name="Content Placeholder 2">
             <a:extLst>
               <a:ext uri="{FF2B5EF4-FFF2-40B4-BE49-F238E27FC236}">
-                <a16:creationId xmlns:a16="http://schemas.microsoft.com/office/drawing/2014/main" id="{2F861D9D-3F03-1ABA-4DD7-8B91BA397A13}"/>
+                <a16:creationId xmlns:a16="http://schemas.microsoft.com/office/drawing/2014/main" id="{26D68F8E-C0B1-7E0C-6975-FBB7A0B45F22}"/>
               </a:ext>
             </a:extLst>
           </p:cNvPr>
@@ -1292,38 +1650,38 @@
           <a:p>
             <a:pPr lvl="0"/>
             <a:r>
-              <a:rPr lang="en-US"/>
+              <a:rPr lang="en-GB"/>
               <a:t>Click to edit Master text styles</a:t>
             </a:r>
           </a:p>
           <a:p>
             <a:pPr lvl="1"/>
             <a:r>
-              <a:rPr lang="en-US"/>
+              <a:rPr lang="en-GB"/>
               <a:t>Second level</a:t>
             </a:r>
           </a:p>
           <a:p>
             <a:pPr lvl="2"/>
             <a:r>
-              <a:rPr lang="en-US"/>
+              <a:rPr lang="en-GB"/>
               <a:t>Third level</a:t>
             </a:r>
           </a:p>
           <a:p>
             <a:pPr lvl="3"/>
             <a:r>
-              <a:rPr lang="en-US"/>
+              <a:rPr lang="en-GB"/>
               <a:t>Fourth level</a:t>
             </a:r>
           </a:p>
           <a:p>
             <a:pPr lvl="4"/>
             <a:r>
-              <a:rPr lang="en-US"/>
+              <a:rPr lang="en-GB"/>
               <a:t>Fifth level</a:t>
             </a:r>
-            <a:endParaRPr lang="en-GB"/>
+            <a:endParaRPr lang="en-US"/>
           </a:p>
         </p:txBody>
       </p:sp>
@@ -1332,7 +1690,7 @@
           <p:cNvPr id="4" name="Content Placeholder 3">
             <a:extLst>
               <a:ext uri="{FF2B5EF4-FFF2-40B4-BE49-F238E27FC236}">
-                <a16:creationId xmlns:a16="http://schemas.microsoft.com/office/drawing/2014/main" id="{8C250E9E-F285-DB0D-44DB-4041D87852E9}"/>
+                <a16:creationId xmlns:a16="http://schemas.microsoft.com/office/drawing/2014/main" id="{8824D4FF-AE76-A720-3B33-C283567B9604}"/>
               </a:ext>
             </a:extLst>
           </p:cNvPr>
@@ -1355,38 +1713,38 @@
           <a:p>
             <a:pPr lvl="0"/>
             <a:r>
-              <a:rPr lang="en-US"/>
+              <a:rPr lang="en-GB"/>
               <a:t>Click to edit Master text styles</a:t>
             </a:r>
           </a:p>
           <a:p>
             <a:pPr lvl="1"/>
             <a:r>
-              <a:rPr lang="en-US"/>
+              <a:rPr lang="en-GB"/>
               <a:t>Second level</a:t>
             </a:r>
           </a:p>
           <a:p>
             <a:pPr lvl="2"/>
             <a:r>
-              <a:rPr lang="en-US"/>
+              <a:rPr lang="en-GB"/>
               <a:t>Third level</a:t>
             </a:r>
           </a:p>
           <a:p>
             <a:pPr lvl="3"/>
             <a:r>
-              <a:rPr lang="en-US"/>
+              <a:rPr lang="en-GB"/>
               <a:t>Fourth level</a:t>
             </a:r>
           </a:p>
           <a:p>
             <a:pPr lvl="4"/>
             <a:r>
-              <a:rPr lang="en-US"/>
+              <a:rPr lang="en-GB"/>
               <a:t>Fifth level</a:t>
             </a:r>
-            <a:endParaRPr lang="en-GB"/>
+            <a:endParaRPr lang="en-US"/>
           </a:p>
         </p:txBody>
       </p:sp>
@@ -1395,7 +1753,7 @@
           <p:cNvPr id="5" name="Date Placeholder 4">
             <a:extLst>
               <a:ext uri="{FF2B5EF4-FFF2-40B4-BE49-F238E27FC236}">
-                <a16:creationId xmlns:a16="http://schemas.microsoft.com/office/drawing/2014/main" id="{3D1FB74B-6DA2-D07E-3835-0BC3539EE40D}"/>
+                <a16:creationId xmlns:a16="http://schemas.microsoft.com/office/drawing/2014/main" id="{40727E7A-E722-C3DD-3641-7A3FD4917C51}"/>
               </a:ext>
             </a:extLst>
           </p:cNvPr>
@@ -1411,11 +1769,11 @@
           <a:bodyPr/>
           <a:lstStyle/>
           <a:p>
-            <a:fld id="{787AA99E-384B-4634-9878-9F5BEDF3C341}" type="datetimeFigureOut">
-              <a:rPr lang="en-GB" smtClean="0"/>
-              <a:t>09/03/2023</a:t>
+            <a:fld id="{F7BD4DC6-0D64-8943-A6B7-D46D9E5C750E}" type="datetimeFigureOut">
+              <a:rPr lang="en-US" smtClean="0"/>
+              <a:t>3/10/23</a:t>
             </a:fld>
-            <a:endParaRPr lang="en-GB"/>
+            <a:endParaRPr lang="en-US"/>
           </a:p>
         </p:txBody>
       </p:sp>
@@ -1424,7 +1782,7 @@
           <p:cNvPr id="6" name="Footer Placeholder 5">
             <a:extLst>
               <a:ext uri="{FF2B5EF4-FFF2-40B4-BE49-F238E27FC236}">
-                <a16:creationId xmlns:a16="http://schemas.microsoft.com/office/drawing/2014/main" id="{417E5D32-9CB2-1FCD-F6F7-096A6C329B20}"/>
+                <a16:creationId xmlns:a16="http://schemas.microsoft.com/office/drawing/2014/main" id="{0E4A4E3B-1458-0572-163E-902C6FA50A62}"/>
               </a:ext>
             </a:extLst>
           </p:cNvPr>
@@ -1440,7 +1798,7 @@
           <a:bodyPr/>
           <a:lstStyle/>
           <a:p>
-            <a:endParaRPr lang="en-GB"/>
+            <a:endParaRPr lang="en-US"/>
           </a:p>
         </p:txBody>
       </p:sp>
@@ -1449,7 +1807,7 @@
           <p:cNvPr id="7" name="Slide Number Placeholder 6">
             <a:extLst>
               <a:ext uri="{FF2B5EF4-FFF2-40B4-BE49-F238E27FC236}">
-                <a16:creationId xmlns:a16="http://schemas.microsoft.com/office/drawing/2014/main" id="{779D2FD2-C65A-34B6-E1AC-7F77FBF2D4C9}"/>
+                <a16:creationId xmlns:a16="http://schemas.microsoft.com/office/drawing/2014/main" id="{ECE87274-702A-9071-B134-0419B8721B1E}"/>
               </a:ext>
             </a:extLst>
           </p:cNvPr>
@@ -1465,18 +1823,18 @@
           <a:bodyPr/>
           <a:lstStyle/>
           <a:p>
-            <a:fld id="{5BFD1054-3F7A-48ED-BB35-AC39F28FB4D5}" type="slidenum">
-              <a:rPr lang="en-GB" smtClean="0"/>
+            <a:fld id="{03789CC2-566F-E046-9695-3E2E78043213}" type="slidenum">
+              <a:rPr lang="en-US" smtClean="0"/>
               <a:t>‹#›</a:t>
             </a:fld>
-            <a:endParaRPr lang="en-GB"/>
+            <a:endParaRPr lang="en-US"/>
           </a:p>
         </p:txBody>
       </p:sp>
     </p:spTree>
     <p:extLst>
       <p:ext uri="{BB962C8B-B14F-4D97-AF65-F5344CB8AC3E}">
-        <p14:creationId xmlns:p14="http://schemas.microsoft.com/office/powerpoint/2010/main" val="3063889001"/>
+        <p14:creationId xmlns:p14="http://schemas.microsoft.com/office/powerpoint/2010/main" val="2224645964"/>
       </p:ext>
     </p:extLst>
   </p:cSld>
@@ -1508,7 +1866,7 @@
           <p:cNvPr id="2" name="Title 1">
             <a:extLst>
               <a:ext uri="{FF2B5EF4-FFF2-40B4-BE49-F238E27FC236}">
-                <a16:creationId xmlns:a16="http://schemas.microsoft.com/office/drawing/2014/main" id="{82D25324-FAB0-7BC5-8D08-9D0AB17C4851}"/>
+                <a16:creationId xmlns:a16="http://schemas.microsoft.com/office/drawing/2014/main" id="{A710FFF7-45E5-E0AE-D8CB-DF1D817C7487}"/>
               </a:ext>
             </a:extLst>
           </p:cNvPr>
@@ -1530,10 +1888,10 @@
           <a:lstStyle/>
           <a:p>
             <a:r>
-              <a:rPr lang="en-US"/>
+              <a:rPr lang="en-GB"/>
               <a:t>Click to edit Master title style</a:t>
             </a:r>
-            <a:endParaRPr lang="en-GB"/>
+            <a:endParaRPr lang="en-US"/>
           </a:p>
         </p:txBody>
       </p:sp>
@@ -1542,7 +1900,7 @@
           <p:cNvPr id="3" name="Text Placeholder 2">
             <a:extLst>
               <a:ext uri="{FF2B5EF4-FFF2-40B4-BE49-F238E27FC236}">
-                <a16:creationId xmlns:a16="http://schemas.microsoft.com/office/drawing/2014/main" id="{368222F3-FE43-8E98-EBED-45842CD99AC1}"/>
+                <a16:creationId xmlns:a16="http://schemas.microsoft.com/office/drawing/2014/main" id="{E17C4E1E-3782-3E8D-94BE-C6EA7A26D17F}"/>
               </a:ext>
             </a:extLst>
           </p:cNvPr>
@@ -1602,7 +1960,7 @@
           <a:p>
             <a:pPr lvl="0"/>
             <a:r>
-              <a:rPr lang="en-US"/>
+              <a:rPr lang="en-GB"/>
               <a:t>Click to edit Master text styles</a:t>
             </a:r>
           </a:p>
@@ -1613,7 +1971,7 @@
           <p:cNvPr id="4" name="Content Placeholder 3">
             <a:extLst>
               <a:ext uri="{FF2B5EF4-FFF2-40B4-BE49-F238E27FC236}">
-                <a16:creationId xmlns:a16="http://schemas.microsoft.com/office/drawing/2014/main" id="{1F372F77-B89A-8CE9-0687-DBE59110DD7E}"/>
+                <a16:creationId xmlns:a16="http://schemas.microsoft.com/office/drawing/2014/main" id="{E38ED201-7C9D-00BC-716A-C6BF37431714}"/>
               </a:ext>
             </a:extLst>
           </p:cNvPr>
@@ -1636,38 +1994,38 @@
           <a:p>
             <a:pPr lvl="0"/>
             <a:r>
-              <a:rPr lang="en-US"/>
+              <a:rPr lang="en-GB"/>
               <a:t>Click to edit Master text styles</a:t>
             </a:r>
           </a:p>
           <a:p>
             <a:pPr lvl="1"/>
             <a:r>
-              <a:rPr lang="en-US"/>
+              <a:rPr lang="en-GB"/>
               <a:t>Second level</a:t>
             </a:r>
           </a:p>
           <a:p>
             <a:pPr lvl="2"/>
             <a:r>
-              <a:rPr lang="en-US"/>
+              <a:rPr lang="en-GB"/>
               <a:t>Third level</a:t>
             </a:r>
           </a:p>
           <a:p>
             <a:pPr lvl="3"/>
             <a:r>
-              <a:rPr lang="en-US"/>
+              <a:rPr lang="en-GB"/>
               <a:t>Fourth level</a:t>
             </a:r>
           </a:p>
           <a:p>
             <a:pPr lvl="4"/>
             <a:r>
-              <a:rPr lang="en-US"/>
+              <a:rPr lang="en-GB"/>
               <a:t>Fifth level</a:t>
             </a:r>
-            <a:endParaRPr lang="en-GB"/>
+            <a:endParaRPr lang="en-US"/>
           </a:p>
         </p:txBody>
       </p:sp>
@@ -1676,7 +2034,7 @@
           <p:cNvPr id="5" name="Text Placeholder 4">
             <a:extLst>
               <a:ext uri="{FF2B5EF4-FFF2-40B4-BE49-F238E27FC236}">
-                <a16:creationId xmlns:a16="http://schemas.microsoft.com/office/drawing/2014/main" id="{7932299D-25A3-C3B5-DBA8-E6FF520CA689}"/>
+                <a16:creationId xmlns:a16="http://schemas.microsoft.com/office/drawing/2014/main" id="{A0432B27-344C-2A24-FEDC-A1EDCB535835}"/>
               </a:ext>
             </a:extLst>
           </p:cNvPr>
@@ -1736,7 +2094,7 @@
           <a:p>
             <a:pPr lvl="0"/>
             <a:r>
-              <a:rPr lang="en-US"/>
+              <a:rPr lang="en-GB"/>
               <a:t>Click to edit Master text styles</a:t>
             </a:r>
           </a:p>
@@ -1747,7 +2105,7 @@
           <p:cNvPr id="6" name="Content Placeholder 5">
             <a:extLst>
               <a:ext uri="{FF2B5EF4-FFF2-40B4-BE49-F238E27FC236}">
-                <a16:creationId xmlns:a16="http://schemas.microsoft.com/office/drawing/2014/main" id="{6E6E4013-794C-750B-7A56-E7C3B1312F33}"/>
+                <a16:creationId xmlns:a16="http://schemas.microsoft.com/office/drawing/2014/main" id="{14299C82-3CC5-1677-98E9-AC608CD37E2F}"/>
               </a:ext>
             </a:extLst>
           </p:cNvPr>
@@ -1770,38 +2128,38 @@
           <a:p>
             <a:pPr lvl="0"/>
             <a:r>
-              <a:rPr lang="en-US"/>
+              <a:rPr lang="en-GB"/>
               <a:t>Click to edit Master text styles</a:t>
             </a:r>
           </a:p>
           <a:p>
             <a:pPr lvl="1"/>
             <a:r>
-              <a:rPr lang="en-US"/>
+              <a:rPr lang="en-GB"/>
               <a:t>Second level</a:t>
             </a:r>
           </a:p>
           <a:p>
             <a:pPr lvl="2"/>
             <a:r>
-              <a:rPr lang="en-US"/>
+              <a:rPr lang="en-GB"/>
               <a:t>Third level</a:t>
             </a:r>
           </a:p>
           <a:p>
             <a:pPr lvl="3"/>
             <a:r>
-              <a:rPr lang="en-US"/>
+              <a:rPr lang="en-GB"/>
               <a:t>Fourth level</a:t>
             </a:r>
           </a:p>
           <a:p>
             <a:pPr lvl="4"/>
             <a:r>
-              <a:rPr lang="en-US"/>
+              <a:rPr lang="en-GB"/>
               <a:t>Fifth level</a:t>
             </a:r>
-            <a:endParaRPr lang="en-GB"/>
+            <a:endParaRPr lang="en-US"/>
           </a:p>
         </p:txBody>
       </p:sp>
@@ -1810,7 +2168,7 @@
           <p:cNvPr id="7" name="Date Placeholder 6">
             <a:extLst>
               <a:ext uri="{FF2B5EF4-FFF2-40B4-BE49-F238E27FC236}">
-                <a16:creationId xmlns:a16="http://schemas.microsoft.com/office/drawing/2014/main" id="{97DB9952-1553-78E8-F470-2B9B87D1C755}"/>
+                <a16:creationId xmlns:a16="http://schemas.microsoft.com/office/drawing/2014/main" id="{48D784DF-7905-CE5C-1327-8CEA47217482}"/>
               </a:ext>
             </a:extLst>
           </p:cNvPr>
@@ -1826,11 +2184,11 @@
           <a:bodyPr/>
           <a:lstStyle/>
           <a:p>
-            <a:fld id="{787AA99E-384B-4634-9878-9F5BEDF3C341}" type="datetimeFigureOut">
-              <a:rPr lang="en-GB" smtClean="0"/>
-              <a:t>09/03/2023</a:t>
+            <a:fld id="{F7BD4DC6-0D64-8943-A6B7-D46D9E5C750E}" type="datetimeFigureOut">
+              <a:rPr lang="en-US" smtClean="0"/>
+              <a:t>3/10/23</a:t>
             </a:fld>
-            <a:endParaRPr lang="en-GB"/>
+            <a:endParaRPr lang="en-US"/>
           </a:p>
         </p:txBody>
       </p:sp>
@@ -1839,7 +2197,7 @@
           <p:cNvPr id="8" name="Footer Placeholder 7">
             <a:extLst>
               <a:ext uri="{FF2B5EF4-FFF2-40B4-BE49-F238E27FC236}">
-                <a16:creationId xmlns:a16="http://schemas.microsoft.com/office/drawing/2014/main" id="{BF261E8D-73E7-2BDA-866E-916FC5941C52}"/>
+                <a16:creationId xmlns:a16="http://schemas.microsoft.com/office/drawing/2014/main" id="{1E2F6321-A26B-C6F8-4B76-758813BC045A}"/>
               </a:ext>
             </a:extLst>
           </p:cNvPr>
@@ -1855,7 +2213,7 @@
           <a:bodyPr/>
           <a:lstStyle/>
           <a:p>
-            <a:endParaRPr lang="en-GB"/>
+            <a:endParaRPr lang="en-US"/>
           </a:p>
         </p:txBody>
       </p:sp>
@@ -1864,7 +2222,7 @@
           <p:cNvPr id="9" name="Slide Number Placeholder 8">
             <a:extLst>
               <a:ext uri="{FF2B5EF4-FFF2-40B4-BE49-F238E27FC236}">
-                <a16:creationId xmlns:a16="http://schemas.microsoft.com/office/drawing/2014/main" id="{EC5CA313-B199-64A5-FD2C-75BBE0893BF5}"/>
+                <a16:creationId xmlns:a16="http://schemas.microsoft.com/office/drawing/2014/main" id="{96E06E89-6976-BF51-6E3B-0D54ADDB1D26}"/>
               </a:ext>
             </a:extLst>
           </p:cNvPr>
@@ -1880,18 +2238,18 @@
           <a:bodyPr/>
           <a:lstStyle/>
           <a:p>
-            <a:fld id="{5BFD1054-3F7A-48ED-BB35-AC39F28FB4D5}" type="slidenum">
-              <a:rPr lang="en-GB" smtClean="0"/>
+            <a:fld id="{03789CC2-566F-E046-9695-3E2E78043213}" type="slidenum">
+              <a:rPr lang="en-US" smtClean="0"/>
               <a:t>‹#›</a:t>
             </a:fld>
-            <a:endParaRPr lang="en-GB"/>
+            <a:endParaRPr lang="en-US"/>
           </a:p>
         </p:txBody>
       </p:sp>
     </p:spTree>
     <p:extLst>
       <p:ext uri="{BB962C8B-B14F-4D97-AF65-F5344CB8AC3E}">
-        <p14:creationId xmlns:p14="http://schemas.microsoft.com/office/powerpoint/2010/main" val="2868884176"/>
+        <p14:creationId xmlns:p14="http://schemas.microsoft.com/office/powerpoint/2010/main" val="1571897905"/>
       </p:ext>
     </p:extLst>
   </p:cSld>
@@ -1923,7 +2281,7 @@
           <p:cNvPr id="2" name="Title 1">
             <a:extLst>
               <a:ext uri="{FF2B5EF4-FFF2-40B4-BE49-F238E27FC236}">
-                <a16:creationId xmlns:a16="http://schemas.microsoft.com/office/drawing/2014/main" id="{DAF06636-88AC-C6EA-227D-6AA386B20751}"/>
+                <a16:creationId xmlns:a16="http://schemas.microsoft.com/office/drawing/2014/main" id="{43211403-021B-71AC-5A38-C33AC46F7191}"/>
               </a:ext>
             </a:extLst>
           </p:cNvPr>
@@ -1940,10 +2298,10 @@
           <a:lstStyle/>
           <a:p>
             <a:r>
-              <a:rPr lang="en-US"/>
+              <a:rPr lang="en-GB"/>
               <a:t>Click to edit Master title style</a:t>
             </a:r>
-            <a:endParaRPr lang="en-GB"/>
+            <a:endParaRPr lang="en-US"/>
           </a:p>
         </p:txBody>
       </p:sp>
@@ -1952,7 +2310,7 @@
           <p:cNvPr id="3" name="Date Placeholder 2">
             <a:extLst>
               <a:ext uri="{FF2B5EF4-FFF2-40B4-BE49-F238E27FC236}">
-                <a16:creationId xmlns:a16="http://schemas.microsoft.com/office/drawing/2014/main" id="{0AB3AB6E-5DD7-59BE-7449-0F55E6D08DA6}"/>
+                <a16:creationId xmlns:a16="http://schemas.microsoft.com/office/drawing/2014/main" id="{DEF5C75E-5108-BA1C-CA22-914B24E326C4}"/>
               </a:ext>
             </a:extLst>
           </p:cNvPr>
@@ -1968,11 +2326,11 @@
           <a:bodyPr/>
           <a:lstStyle/>
           <a:p>
-            <a:fld id="{787AA99E-384B-4634-9878-9F5BEDF3C341}" type="datetimeFigureOut">
-              <a:rPr lang="en-GB" smtClean="0"/>
-              <a:t>09/03/2023</a:t>
+            <a:fld id="{F7BD4DC6-0D64-8943-A6B7-D46D9E5C750E}" type="datetimeFigureOut">
+              <a:rPr lang="en-US" smtClean="0"/>
+              <a:t>3/10/23</a:t>
             </a:fld>
-            <a:endParaRPr lang="en-GB"/>
+            <a:endParaRPr lang="en-US"/>
           </a:p>
         </p:txBody>
       </p:sp>
@@ -1981,7 +2339,7 @@
           <p:cNvPr id="4" name="Footer Placeholder 3">
             <a:extLst>
               <a:ext uri="{FF2B5EF4-FFF2-40B4-BE49-F238E27FC236}">
-                <a16:creationId xmlns:a16="http://schemas.microsoft.com/office/drawing/2014/main" id="{A5EB1FF1-522A-92E4-EB8A-E4AFEA7B4A4B}"/>
+                <a16:creationId xmlns:a16="http://schemas.microsoft.com/office/drawing/2014/main" id="{B5E03208-6DEC-5214-9660-8FCD92DD9F4F}"/>
               </a:ext>
             </a:extLst>
           </p:cNvPr>
@@ -1997,7 +2355,7 @@
           <a:bodyPr/>
           <a:lstStyle/>
           <a:p>
-            <a:endParaRPr lang="en-GB"/>
+            <a:endParaRPr lang="en-US"/>
           </a:p>
         </p:txBody>
       </p:sp>
@@ -2006,7 +2364,7 @@
           <p:cNvPr id="5" name="Slide Number Placeholder 4">
             <a:extLst>
               <a:ext uri="{FF2B5EF4-FFF2-40B4-BE49-F238E27FC236}">
-                <a16:creationId xmlns:a16="http://schemas.microsoft.com/office/drawing/2014/main" id="{28DC6F9F-1AE3-0640-865D-683FC5DC7020}"/>
+                <a16:creationId xmlns:a16="http://schemas.microsoft.com/office/drawing/2014/main" id="{2F37852E-38CB-1D2F-3FC3-8985572B8DF5}"/>
               </a:ext>
             </a:extLst>
           </p:cNvPr>
@@ -2022,18 +2380,18 @@
           <a:bodyPr/>
           <a:lstStyle/>
           <a:p>
-            <a:fld id="{5BFD1054-3F7A-48ED-BB35-AC39F28FB4D5}" type="slidenum">
-              <a:rPr lang="en-GB" smtClean="0"/>
+            <a:fld id="{03789CC2-566F-E046-9695-3E2E78043213}" type="slidenum">
+              <a:rPr lang="en-US" smtClean="0"/>
               <a:t>‹#›</a:t>
             </a:fld>
-            <a:endParaRPr lang="en-GB"/>
+            <a:endParaRPr lang="en-US"/>
           </a:p>
         </p:txBody>
       </p:sp>
     </p:spTree>
     <p:extLst>
       <p:ext uri="{BB962C8B-B14F-4D97-AF65-F5344CB8AC3E}">
-        <p14:creationId xmlns:p14="http://schemas.microsoft.com/office/powerpoint/2010/main" val="2339460233"/>
+        <p14:creationId xmlns:p14="http://schemas.microsoft.com/office/powerpoint/2010/main" val="2570078290"/>
       </p:ext>
     </p:extLst>
   </p:cSld>
@@ -2065,7 +2423,7 @@
           <p:cNvPr id="2" name="Date Placeholder 1">
             <a:extLst>
               <a:ext uri="{FF2B5EF4-FFF2-40B4-BE49-F238E27FC236}">
-                <a16:creationId xmlns:a16="http://schemas.microsoft.com/office/drawing/2014/main" id="{DE8FAE2F-416A-3948-FE8F-CF631C8FF51F}"/>
+                <a16:creationId xmlns:a16="http://schemas.microsoft.com/office/drawing/2014/main" id="{3CB79A11-6CA2-4BEE-9A3E-B1A524C89F43}"/>
               </a:ext>
             </a:extLst>
           </p:cNvPr>
@@ -2081,11 +2439,11 @@
           <a:bodyPr/>
           <a:lstStyle/>
           <a:p>
-            <a:fld id="{787AA99E-384B-4634-9878-9F5BEDF3C341}" type="datetimeFigureOut">
-              <a:rPr lang="en-GB" smtClean="0"/>
-              <a:t>09/03/2023</a:t>
+            <a:fld id="{F7BD4DC6-0D64-8943-A6B7-D46D9E5C750E}" type="datetimeFigureOut">
+              <a:rPr lang="en-US" smtClean="0"/>
+              <a:t>3/10/23</a:t>
             </a:fld>
-            <a:endParaRPr lang="en-GB"/>
+            <a:endParaRPr lang="en-US"/>
           </a:p>
         </p:txBody>
       </p:sp>
@@ -2094,7 +2452,7 @@
           <p:cNvPr id="3" name="Footer Placeholder 2">
             <a:extLst>
               <a:ext uri="{FF2B5EF4-FFF2-40B4-BE49-F238E27FC236}">
-                <a16:creationId xmlns:a16="http://schemas.microsoft.com/office/drawing/2014/main" id="{759A7CC0-9101-F040-2497-43BE1084CF8F}"/>
+                <a16:creationId xmlns:a16="http://schemas.microsoft.com/office/drawing/2014/main" id="{302B6E80-177E-2B4D-103C-5F17EC803DE6}"/>
               </a:ext>
             </a:extLst>
           </p:cNvPr>
@@ -2110,7 +2468,7 @@
           <a:bodyPr/>
           <a:lstStyle/>
           <a:p>
-            <a:endParaRPr lang="en-GB"/>
+            <a:endParaRPr lang="en-US"/>
           </a:p>
         </p:txBody>
       </p:sp>
@@ -2119,7 +2477,7 @@
           <p:cNvPr id="4" name="Slide Number Placeholder 3">
             <a:extLst>
               <a:ext uri="{FF2B5EF4-FFF2-40B4-BE49-F238E27FC236}">
-                <a16:creationId xmlns:a16="http://schemas.microsoft.com/office/drawing/2014/main" id="{773CFE73-747E-3A58-B226-27C095C4231A}"/>
+                <a16:creationId xmlns:a16="http://schemas.microsoft.com/office/drawing/2014/main" id="{B07294A6-3558-247C-51B4-9A4D5C2B6932}"/>
               </a:ext>
             </a:extLst>
           </p:cNvPr>
@@ -2135,18 +2493,18 @@
           <a:bodyPr/>
           <a:lstStyle/>
           <a:p>
-            <a:fld id="{5BFD1054-3F7A-48ED-BB35-AC39F28FB4D5}" type="slidenum">
-              <a:rPr lang="en-GB" smtClean="0"/>
+            <a:fld id="{03789CC2-566F-E046-9695-3E2E78043213}" type="slidenum">
+              <a:rPr lang="en-US" smtClean="0"/>
               <a:t>‹#›</a:t>
             </a:fld>
-            <a:endParaRPr lang="en-GB"/>
+            <a:endParaRPr lang="en-US"/>
           </a:p>
         </p:txBody>
       </p:sp>
     </p:spTree>
     <p:extLst>
       <p:ext uri="{BB962C8B-B14F-4D97-AF65-F5344CB8AC3E}">
-        <p14:creationId xmlns:p14="http://schemas.microsoft.com/office/powerpoint/2010/main" val="4287013624"/>
+        <p14:creationId xmlns:p14="http://schemas.microsoft.com/office/powerpoint/2010/main" val="1702499099"/>
       </p:ext>
     </p:extLst>
   </p:cSld>
@@ -2178,7 +2536,7 @@
           <p:cNvPr id="2" name="Title 1">
             <a:extLst>
               <a:ext uri="{FF2B5EF4-FFF2-40B4-BE49-F238E27FC236}">
-                <a16:creationId xmlns:a16="http://schemas.microsoft.com/office/drawing/2014/main" id="{24766E62-4079-3792-7E41-44BCDA016876}"/>
+                <a16:creationId xmlns:a16="http://schemas.microsoft.com/office/drawing/2014/main" id="{2B7AA0F7-AEDB-9EE8-F39C-851DBFF43C90}"/>
               </a:ext>
             </a:extLst>
           </p:cNvPr>
@@ -2204,10 +2562,10 @@
           </a:lstStyle>
           <a:p>
             <a:r>
-              <a:rPr lang="en-US"/>
+              <a:rPr lang="en-GB"/>
               <a:t>Click to edit Master title style</a:t>
             </a:r>
-            <a:endParaRPr lang="en-GB"/>
+            <a:endParaRPr lang="en-US"/>
           </a:p>
         </p:txBody>
       </p:sp>
@@ -2216,7 +2574,7 @@
           <p:cNvPr id="3" name="Content Placeholder 2">
             <a:extLst>
               <a:ext uri="{FF2B5EF4-FFF2-40B4-BE49-F238E27FC236}">
-                <a16:creationId xmlns:a16="http://schemas.microsoft.com/office/drawing/2014/main" id="{E65F03D5-FB0A-014B-B6E5-034BD94BE26E}"/>
+                <a16:creationId xmlns:a16="http://schemas.microsoft.com/office/drawing/2014/main" id="{01975868-1D1D-3345-EBD6-9BBCAAA742A0}"/>
               </a:ext>
             </a:extLst>
           </p:cNvPr>
@@ -2267,38 +2625,38 @@
           <a:p>
             <a:pPr lvl="0"/>
             <a:r>
-              <a:rPr lang="en-US"/>
+              <a:rPr lang="en-GB"/>
               <a:t>Click to edit Master text styles</a:t>
             </a:r>
           </a:p>
           <a:p>
             <a:pPr lvl="1"/>
             <a:r>
-              <a:rPr lang="en-US"/>
+              <a:rPr lang="en-GB"/>
               <a:t>Second level</a:t>
             </a:r>
           </a:p>
           <a:p>
             <a:pPr lvl="2"/>
             <a:r>
-              <a:rPr lang="en-US"/>
+              <a:rPr lang="en-GB"/>
               <a:t>Third level</a:t>
             </a:r>
           </a:p>
           <a:p>
             <a:pPr lvl="3"/>
             <a:r>
-              <a:rPr lang="en-US"/>
+              <a:rPr lang="en-GB"/>
               <a:t>Fourth level</a:t>
             </a:r>
           </a:p>
           <a:p>
             <a:pPr lvl="4"/>
             <a:r>
-              <a:rPr lang="en-US"/>
+              <a:rPr lang="en-GB"/>
               <a:t>Fifth level</a:t>
             </a:r>
-            <a:endParaRPr lang="en-GB"/>
+            <a:endParaRPr lang="en-US"/>
           </a:p>
         </p:txBody>
       </p:sp>
@@ -2307,7 +2665,7 @@
           <p:cNvPr id="4" name="Text Placeholder 3">
             <a:extLst>
               <a:ext uri="{FF2B5EF4-FFF2-40B4-BE49-F238E27FC236}">
-                <a16:creationId xmlns:a16="http://schemas.microsoft.com/office/drawing/2014/main" id="{C3CAD7DA-B3D0-FEA0-B8BF-EE7520FA1275}"/>
+                <a16:creationId xmlns:a16="http://schemas.microsoft.com/office/drawing/2014/main" id="{CADC5320-5125-6D96-F1AE-37A390649A8C}"/>
               </a:ext>
             </a:extLst>
           </p:cNvPr>
@@ -2367,7 +2725,7 @@
           <a:p>
             <a:pPr lvl="0"/>
             <a:r>
-              <a:rPr lang="en-US"/>
+              <a:rPr lang="en-GB"/>
               <a:t>Click to edit Master text styles</a:t>
             </a:r>
           </a:p>
@@ -2378,7 +2736,7 @@
           <p:cNvPr id="5" name="Date Placeholder 4">
             <a:extLst>
               <a:ext uri="{FF2B5EF4-FFF2-40B4-BE49-F238E27FC236}">
-                <a16:creationId xmlns:a16="http://schemas.microsoft.com/office/drawing/2014/main" id="{BFD3162C-5D95-925C-E760-2590CFF74E04}"/>
+                <a16:creationId xmlns:a16="http://schemas.microsoft.com/office/drawing/2014/main" id="{70E4B820-EFD0-4427-D43C-DEEF09BC8305}"/>
               </a:ext>
             </a:extLst>
           </p:cNvPr>
@@ -2394,11 +2752,11 @@
           <a:bodyPr/>
           <a:lstStyle/>
           <a:p>
-            <a:fld id="{787AA99E-384B-4634-9878-9F5BEDF3C341}" type="datetimeFigureOut">
-              <a:rPr lang="en-GB" smtClean="0"/>
-              <a:t>09/03/2023</a:t>
+            <a:fld id="{F7BD4DC6-0D64-8943-A6B7-D46D9E5C750E}" type="datetimeFigureOut">
+              <a:rPr lang="en-US" smtClean="0"/>
+              <a:t>3/10/23</a:t>
             </a:fld>
-            <a:endParaRPr lang="en-GB"/>
+            <a:endParaRPr lang="en-US"/>
           </a:p>
         </p:txBody>
       </p:sp>
@@ -2407,7 +2765,7 @@
           <p:cNvPr id="6" name="Footer Placeholder 5">
             <a:extLst>
               <a:ext uri="{FF2B5EF4-FFF2-40B4-BE49-F238E27FC236}">
-                <a16:creationId xmlns:a16="http://schemas.microsoft.com/office/drawing/2014/main" id="{0BB76FCD-FD5D-2EB9-30F0-7E2F11530D7B}"/>
+                <a16:creationId xmlns:a16="http://schemas.microsoft.com/office/drawing/2014/main" id="{C55F4230-424B-CAFC-042D-7B9A2CB914D5}"/>
               </a:ext>
             </a:extLst>
           </p:cNvPr>
@@ -2423,7 +2781,7 @@
           <a:bodyPr/>
           <a:lstStyle/>
           <a:p>
-            <a:endParaRPr lang="en-GB"/>
+            <a:endParaRPr lang="en-US"/>
           </a:p>
         </p:txBody>
       </p:sp>
@@ -2432,7 +2790,7 @@
           <p:cNvPr id="7" name="Slide Number Placeholder 6">
             <a:extLst>
               <a:ext uri="{FF2B5EF4-FFF2-40B4-BE49-F238E27FC236}">
-                <a16:creationId xmlns:a16="http://schemas.microsoft.com/office/drawing/2014/main" id="{9528AF0E-ACD9-A863-50DF-FA5106D69487}"/>
+                <a16:creationId xmlns:a16="http://schemas.microsoft.com/office/drawing/2014/main" id="{FB1986FE-F1C7-7985-7FCA-7F764EEE3CB6}"/>
               </a:ext>
             </a:extLst>
           </p:cNvPr>
@@ -2448,18 +2806,18 @@
           <a:bodyPr/>
           <a:lstStyle/>
           <a:p>
-            <a:fld id="{5BFD1054-3F7A-48ED-BB35-AC39F28FB4D5}" type="slidenum">
-              <a:rPr lang="en-GB" smtClean="0"/>
+            <a:fld id="{03789CC2-566F-E046-9695-3E2E78043213}" type="slidenum">
+              <a:rPr lang="en-US" smtClean="0"/>
               <a:t>‹#›</a:t>
             </a:fld>
-            <a:endParaRPr lang="en-GB"/>
+            <a:endParaRPr lang="en-US"/>
           </a:p>
         </p:txBody>
       </p:sp>
     </p:spTree>
     <p:extLst>
       <p:ext uri="{BB962C8B-B14F-4D97-AF65-F5344CB8AC3E}">
-        <p14:creationId xmlns:p14="http://schemas.microsoft.com/office/powerpoint/2010/main" val="2658704244"/>
+        <p14:creationId xmlns:p14="http://schemas.microsoft.com/office/powerpoint/2010/main" val="2657054257"/>
       </p:ext>
     </p:extLst>
   </p:cSld>
@@ -2491,7 +2849,7 @@
           <p:cNvPr id="2" name="Title 1">
             <a:extLst>
               <a:ext uri="{FF2B5EF4-FFF2-40B4-BE49-F238E27FC236}">
-                <a16:creationId xmlns:a16="http://schemas.microsoft.com/office/drawing/2014/main" id="{251EC7A1-1C50-E689-D92C-D7DD1CDB428B}"/>
+                <a16:creationId xmlns:a16="http://schemas.microsoft.com/office/drawing/2014/main" id="{62DA66AE-8703-614C-C3BD-450174761576}"/>
               </a:ext>
             </a:extLst>
           </p:cNvPr>
@@ -2517,10 +2875,10 @@
           </a:lstStyle>
           <a:p>
             <a:r>
-              <a:rPr lang="en-US"/>
+              <a:rPr lang="en-GB"/>
               <a:t>Click to edit Master title style</a:t>
             </a:r>
-            <a:endParaRPr lang="en-GB"/>
+            <a:endParaRPr lang="en-US"/>
           </a:p>
         </p:txBody>
       </p:sp>
@@ -2529,7 +2887,7 @@
           <p:cNvPr id="3" name="Picture Placeholder 2">
             <a:extLst>
               <a:ext uri="{FF2B5EF4-FFF2-40B4-BE49-F238E27FC236}">
-                <a16:creationId xmlns:a16="http://schemas.microsoft.com/office/drawing/2014/main" id="{1874EAA9-BCB2-C8FC-4AFA-CBD39A768D2D}"/>
+                <a16:creationId xmlns:a16="http://schemas.microsoft.com/office/drawing/2014/main" id="{44C59D1A-DBF4-09A3-C70D-43BDC8AF648F}"/>
               </a:ext>
             </a:extLst>
           </p:cNvPr>
@@ -2587,7 +2945,7 @@
             </a:lvl9pPr>
           </a:lstStyle>
           <a:p>
-            <a:endParaRPr lang="en-GB"/>
+            <a:endParaRPr lang="en-US"/>
           </a:p>
         </p:txBody>
       </p:sp>
@@ -2596,7 +2954,7 @@
           <p:cNvPr id="4" name="Text Placeholder 3">
             <a:extLst>
               <a:ext uri="{FF2B5EF4-FFF2-40B4-BE49-F238E27FC236}">
-                <a16:creationId xmlns:a16="http://schemas.microsoft.com/office/drawing/2014/main" id="{C45FCF47-D7D3-ED38-125B-7186ED85A1EE}"/>
+                <a16:creationId xmlns:a16="http://schemas.microsoft.com/office/drawing/2014/main" id="{ED7AA34E-FBF3-0509-4D8C-8AA997E62423}"/>
               </a:ext>
             </a:extLst>
           </p:cNvPr>
@@ -2656,7 +3014,7 @@
           <a:p>
             <a:pPr lvl="0"/>
             <a:r>
-              <a:rPr lang="en-US"/>
+              <a:rPr lang="en-GB"/>
               <a:t>Click to edit Master text styles</a:t>
             </a:r>
           </a:p>
@@ -2667,7 +3025,7 @@
           <p:cNvPr id="5" name="Date Placeholder 4">
             <a:extLst>
               <a:ext uri="{FF2B5EF4-FFF2-40B4-BE49-F238E27FC236}">
-                <a16:creationId xmlns:a16="http://schemas.microsoft.com/office/drawing/2014/main" id="{2A772729-E0CB-ECC4-00D6-A6931820B783}"/>
+                <a16:creationId xmlns:a16="http://schemas.microsoft.com/office/drawing/2014/main" id="{6C5C9F2C-9223-2A38-CC35-7603E2569A6B}"/>
               </a:ext>
             </a:extLst>
           </p:cNvPr>
@@ -2683,11 +3041,11 @@
           <a:bodyPr/>
           <a:lstStyle/>
           <a:p>
-            <a:fld id="{787AA99E-384B-4634-9878-9F5BEDF3C341}" type="datetimeFigureOut">
-              <a:rPr lang="en-GB" smtClean="0"/>
-              <a:t>09/03/2023</a:t>
+            <a:fld id="{F7BD4DC6-0D64-8943-A6B7-D46D9E5C750E}" type="datetimeFigureOut">
+              <a:rPr lang="en-US" smtClean="0"/>
+              <a:t>3/10/23</a:t>
             </a:fld>
-            <a:endParaRPr lang="en-GB"/>
+            <a:endParaRPr lang="en-US"/>
           </a:p>
         </p:txBody>
       </p:sp>
@@ -2696,7 +3054,7 @@
           <p:cNvPr id="6" name="Footer Placeholder 5">
             <a:extLst>
               <a:ext uri="{FF2B5EF4-FFF2-40B4-BE49-F238E27FC236}">
-                <a16:creationId xmlns:a16="http://schemas.microsoft.com/office/drawing/2014/main" id="{B4E10081-D534-491A-07C8-153D9076907C}"/>
+                <a16:creationId xmlns:a16="http://schemas.microsoft.com/office/drawing/2014/main" id="{5EEE0EC8-2EBE-BDC9-7EBF-04868C782403}"/>
               </a:ext>
             </a:extLst>
           </p:cNvPr>
@@ -2712,7 +3070,7 @@
           <a:bodyPr/>
           <a:lstStyle/>
           <a:p>
-            <a:endParaRPr lang="en-GB"/>
+            <a:endParaRPr lang="en-US"/>
           </a:p>
         </p:txBody>
       </p:sp>
@@ -2721,7 +3079,7 @@
           <p:cNvPr id="7" name="Slide Number Placeholder 6">
             <a:extLst>
               <a:ext uri="{FF2B5EF4-FFF2-40B4-BE49-F238E27FC236}">
-                <a16:creationId xmlns:a16="http://schemas.microsoft.com/office/drawing/2014/main" id="{6F29EF27-4642-0B2C-A3FB-277F3997CF83}"/>
+                <a16:creationId xmlns:a16="http://schemas.microsoft.com/office/drawing/2014/main" id="{F8E59A46-25D6-C105-1B4B-8BFD8643BA38}"/>
               </a:ext>
             </a:extLst>
           </p:cNvPr>
@@ -2737,18 +3095,18 @@
           <a:bodyPr/>
           <a:lstStyle/>
           <a:p>
-            <a:fld id="{5BFD1054-3F7A-48ED-BB35-AC39F28FB4D5}" type="slidenum">
-              <a:rPr lang="en-GB" smtClean="0"/>
+            <a:fld id="{03789CC2-566F-E046-9695-3E2E78043213}" type="slidenum">
+              <a:rPr lang="en-US" smtClean="0"/>
               <a:t>‹#›</a:t>
             </a:fld>
-            <a:endParaRPr lang="en-GB"/>
+            <a:endParaRPr lang="en-US"/>
           </a:p>
         </p:txBody>
       </p:sp>
     </p:spTree>
     <p:extLst>
       <p:ext uri="{BB962C8B-B14F-4D97-AF65-F5344CB8AC3E}">
-        <p14:creationId xmlns:p14="http://schemas.microsoft.com/office/powerpoint/2010/main" val="388314401"/>
+        <p14:creationId xmlns:p14="http://schemas.microsoft.com/office/powerpoint/2010/main" val="1502469697"/>
       </p:ext>
     </p:extLst>
   </p:cSld>
@@ -2785,7 +3143,7 @@
           <p:cNvPr id="2" name="Title Placeholder 1">
             <a:extLst>
               <a:ext uri="{FF2B5EF4-FFF2-40B4-BE49-F238E27FC236}">
-                <a16:creationId xmlns:a16="http://schemas.microsoft.com/office/drawing/2014/main" id="{40319223-B00C-33CC-1015-1D4CF00CCA6C}"/>
+                <a16:creationId xmlns:a16="http://schemas.microsoft.com/office/drawing/2014/main" id="{F698AFBE-05D9-01B2-5292-34C1FF675372}"/>
               </a:ext>
             </a:extLst>
           </p:cNvPr>
@@ -2812,10 +3170,10 @@
           <a:lstStyle/>
           <a:p>
             <a:r>
-              <a:rPr lang="en-US"/>
+              <a:rPr lang="en-GB"/>
               <a:t>Click to edit Master title style</a:t>
             </a:r>
-            <a:endParaRPr lang="en-GB"/>
+            <a:endParaRPr lang="en-US"/>
           </a:p>
         </p:txBody>
       </p:sp>
@@ -2824,7 +3182,7 @@
           <p:cNvPr id="3" name="Text Placeholder 2">
             <a:extLst>
               <a:ext uri="{FF2B5EF4-FFF2-40B4-BE49-F238E27FC236}">
-                <a16:creationId xmlns:a16="http://schemas.microsoft.com/office/drawing/2014/main" id="{99D12963-6072-8F62-B3BE-5B1F82EE6D2A}"/>
+                <a16:creationId xmlns:a16="http://schemas.microsoft.com/office/drawing/2014/main" id="{7446C249-DE07-BFFD-D3BA-1CBA4D260EA1}"/>
               </a:ext>
             </a:extLst>
           </p:cNvPr>
@@ -2852,38 +3210,38 @@
           <a:p>
             <a:pPr lvl="0"/>
             <a:r>
-              <a:rPr lang="en-US"/>
+              <a:rPr lang="en-GB"/>
               <a:t>Click to edit Master text styles</a:t>
             </a:r>
           </a:p>
           <a:p>
             <a:pPr lvl="1"/>
             <a:r>
-              <a:rPr lang="en-US"/>
+              <a:rPr lang="en-GB"/>
               <a:t>Second level</a:t>
             </a:r>
           </a:p>
           <a:p>
             <a:pPr lvl="2"/>
             <a:r>
-              <a:rPr lang="en-US"/>
+              <a:rPr lang="en-GB"/>
               <a:t>Third level</a:t>
             </a:r>
           </a:p>
           <a:p>
             <a:pPr lvl="3"/>
             <a:r>
-              <a:rPr lang="en-US"/>
+              <a:rPr lang="en-GB"/>
               <a:t>Fourth level</a:t>
             </a:r>
           </a:p>
           <a:p>
             <a:pPr lvl="4"/>
             <a:r>
-              <a:rPr lang="en-US"/>
+              <a:rPr lang="en-GB"/>
               <a:t>Fifth level</a:t>
             </a:r>
-            <a:endParaRPr lang="en-GB"/>
+            <a:endParaRPr lang="en-US"/>
           </a:p>
         </p:txBody>
       </p:sp>
@@ -2892,7 +3250,7 @@
           <p:cNvPr id="4" name="Date Placeholder 3">
             <a:extLst>
               <a:ext uri="{FF2B5EF4-FFF2-40B4-BE49-F238E27FC236}">
-                <a16:creationId xmlns:a16="http://schemas.microsoft.com/office/drawing/2014/main" id="{BBF599CF-B91E-F0E3-E570-8E6477F1E63A}"/>
+                <a16:creationId xmlns:a16="http://schemas.microsoft.com/office/drawing/2014/main" id="{02DBFE79-A5D9-F536-01F5-69736E8B3AD2}"/>
               </a:ext>
             </a:extLst>
           </p:cNvPr>
@@ -2926,11 +3284,11 @@
             </a:lvl1pPr>
           </a:lstStyle>
           <a:p>
-            <a:fld id="{787AA99E-384B-4634-9878-9F5BEDF3C341}" type="datetimeFigureOut">
-              <a:rPr lang="en-GB" smtClean="0"/>
-              <a:t>09/03/2023</a:t>
+            <a:fld id="{F7BD4DC6-0D64-8943-A6B7-D46D9E5C750E}" type="datetimeFigureOut">
+              <a:rPr lang="en-US" smtClean="0"/>
+              <a:t>3/10/23</a:t>
             </a:fld>
-            <a:endParaRPr lang="en-GB"/>
+            <a:endParaRPr lang="en-US"/>
           </a:p>
         </p:txBody>
       </p:sp>
@@ -2939,7 +3297,7 @@
           <p:cNvPr id="5" name="Footer Placeholder 4">
             <a:extLst>
               <a:ext uri="{FF2B5EF4-FFF2-40B4-BE49-F238E27FC236}">
-                <a16:creationId xmlns:a16="http://schemas.microsoft.com/office/drawing/2014/main" id="{3C3D0028-A79E-3B05-4C26-EA495C8AD533}"/>
+                <a16:creationId xmlns:a16="http://schemas.microsoft.com/office/drawing/2014/main" id="{559A9209-1AE0-9B44-E331-D48836EE3377}"/>
               </a:ext>
             </a:extLst>
           </p:cNvPr>
@@ -2973,7 +3331,7 @@
             </a:lvl1pPr>
           </a:lstStyle>
           <a:p>
-            <a:endParaRPr lang="en-GB"/>
+            <a:endParaRPr lang="en-US"/>
           </a:p>
         </p:txBody>
       </p:sp>
@@ -2982,7 +3340,7 @@
           <p:cNvPr id="6" name="Slide Number Placeholder 5">
             <a:extLst>
               <a:ext uri="{FF2B5EF4-FFF2-40B4-BE49-F238E27FC236}">
-                <a16:creationId xmlns:a16="http://schemas.microsoft.com/office/drawing/2014/main" id="{433EC282-8D86-63C9-90D1-E191B31F4E9B}"/>
+                <a16:creationId xmlns:a16="http://schemas.microsoft.com/office/drawing/2014/main" id="{049385AB-B3A0-6E6C-45B4-8D9AD49E6B0C}"/>
               </a:ext>
             </a:extLst>
           </p:cNvPr>
@@ -3016,18 +3374,18 @@
             </a:lvl1pPr>
           </a:lstStyle>
           <a:p>
-            <a:fld id="{5BFD1054-3F7A-48ED-BB35-AC39F28FB4D5}" type="slidenum">
-              <a:rPr lang="en-GB" smtClean="0"/>
+            <a:fld id="{03789CC2-566F-E046-9695-3E2E78043213}" type="slidenum">
+              <a:rPr lang="en-US" smtClean="0"/>
               <a:t>‹#›</a:t>
             </a:fld>
-            <a:endParaRPr lang="en-GB"/>
+            <a:endParaRPr lang="en-US"/>
           </a:p>
         </p:txBody>
       </p:sp>
     </p:spTree>
     <p:extLst>
       <p:ext uri="{BB962C8B-B14F-4D97-AF65-F5344CB8AC3E}">
-        <p14:creationId xmlns:p14="http://schemas.microsoft.com/office/powerpoint/2010/main" val="367614469"/>
+        <p14:creationId xmlns:p14="http://schemas.microsoft.com/office/powerpoint/2010/main" val="443098760"/>
       </p:ext>
     </p:extLst>
   </p:cSld>
@@ -3331,6 +3689,14 @@
 <file path=ppt/slides/slide1.xml><?xml version="1.0" encoding="utf-8"?>
 <p:sld xmlns:a="http://schemas.openxmlformats.org/drawingml/2006/main" xmlns:r="http://schemas.openxmlformats.org/officeDocument/2006/relationships" xmlns:p="http://schemas.openxmlformats.org/presentationml/2006/main">
   <p:cSld>
+    <p:bg>
+      <p:bgPr>
+        <a:solidFill>
+          <a:schemeClr val="bg1"/>
+        </a:solidFill>
+        <a:effectLst/>
+      </p:bgPr>
+    </p:bg>
     <p:spTree>
       <p:nvGrpSpPr>
         <p:cNvPr id="1" name=""/>
@@ -3345,12 +3711,182 @@
           <a:chExt cx="0" cy="0"/>
         </a:xfrm>
       </p:grpSpPr>
+      <p:sp useBgFill="1">
+        <p:nvSpPr>
+          <p:cNvPr id="9" name="Rectangle 8">
+            <a:extLst>
+              <a:ext uri="{FF2B5EF4-FFF2-40B4-BE49-F238E27FC236}">
+                <a16:creationId xmlns:a16="http://schemas.microsoft.com/office/drawing/2014/main" id="{0671A8AE-40A1-4631-A6B8-581AFF065482}"/>
+              </a:ext>
+              <a:ext uri="{C183D7F6-B498-43B3-948B-1728B52AA6E4}">
+                <adec:decorative xmlns:adec="http://schemas.microsoft.com/office/drawing/2017/decorative" val="1"/>
+              </a:ext>
+            </a:extLst>
+          </p:cNvPr>
+          <p:cNvSpPr>
+            <a:spLocks noGrp="1" noRot="1" noChangeAspect="1" noMove="1" noResize="1" noEditPoints="1" noAdjustHandles="1" noChangeArrowheads="1" noChangeShapeType="1" noTextEdit="1"/>
+          </p:cNvSpPr>
+          <p:nvPr>
+            <p:extLst>
+              <p:ext uri="{386F3935-93C4-4BCD-93E2-E3B085C9AB24}">
+                <p16:designElem xmlns:p16="http://schemas.microsoft.com/office/powerpoint/2015/main" val="1"/>
+              </p:ext>
+            </p:extLst>
+          </p:nvPr>
+        </p:nvSpPr>
+        <p:spPr>
+          <a:xfrm>
+            <a:off x="0" y="0"/>
+            <a:ext cx="12192000" cy="6858000"/>
+          </a:xfrm>
+          <a:prstGeom prst="rect">
+            <a:avLst/>
+          </a:prstGeom>
+          <a:ln>
+            <a:noFill/>
+          </a:ln>
+        </p:spPr>
+        <p:style>
+          <a:lnRef idx="2">
+            <a:schemeClr val="accent1">
+              <a:shade val="50000"/>
+            </a:schemeClr>
+          </a:lnRef>
+          <a:fillRef idx="1">
+            <a:schemeClr val="accent1"/>
+          </a:fillRef>
+          <a:effectRef idx="0">
+            <a:schemeClr val="accent1"/>
+          </a:effectRef>
+          <a:fontRef idx="minor">
+            <a:schemeClr val="lt1"/>
+          </a:fontRef>
+        </p:style>
+        <p:txBody>
+          <a:bodyPr rtlCol="0" anchor="ctr"/>
+          <a:lstStyle/>
+          <a:p>
+            <a:pPr algn="ctr"/>
+            <a:endParaRPr lang="en-US"/>
+          </a:p>
+        </p:txBody>
+      </p:sp>
+      <p:pic>
+        <p:nvPicPr>
+          <p:cNvPr id="5" name="Picture 4">
+            <a:extLst>
+              <a:ext uri="{FF2B5EF4-FFF2-40B4-BE49-F238E27FC236}">
+                <a16:creationId xmlns:a16="http://schemas.microsoft.com/office/drawing/2014/main" id="{AC0E9C11-A34C-E2EF-6EA0-41C24C77CFBB}"/>
+              </a:ext>
+            </a:extLst>
+          </p:cNvPr>
+          <p:cNvPicPr>
+            <a:picLocks noChangeAspect="1"/>
+          </p:cNvPicPr>
+          <p:nvPr/>
+        </p:nvPicPr>
+        <p:blipFill rotWithShape="1">
+          <a:blip r:embed="rId2"/>
+          <a:srcRect l="10888"/>
+          <a:stretch/>
+        </p:blipFill>
+        <p:spPr>
+          <a:xfrm>
+            <a:off x="3523488" y="10"/>
+            <a:ext cx="8668512" cy="6857990"/>
+          </a:xfrm>
+          <a:prstGeom prst="rect">
+            <a:avLst/>
+          </a:prstGeom>
+        </p:spPr>
+      </p:pic>
+      <p:sp>
+        <p:nvSpPr>
+          <p:cNvPr id="11" name="Rectangle 10">
+            <a:extLst>
+              <a:ext uri="{FF2B5EF4-FFF2-40B4-BE49-F238E27FC236}">
+                <a16:creationId xmlns:a16="http://schemas.microsoft.com/office/drawing/2014/main" id="{AB58EF07-17C2-48CF-ABB0-EEF1F17CB8F0}"/>
+              </a:ext>
+              <a:ext uri="{C183D7F6-B498-43B3-948B-1728B52AA6E4}">
+                <adec:decorative xmlns:adec="http://schemas.microsoft.com/office/drawing/2017/decorative" val="1"/>
+              </a:ext>
+            </a:extLst>
+          </p:cNvPr>
+          <p:cNvSpPr>
+            <a:spLocks noGrp="1" noRot="1" noChangeAspect="1" noMove="1" noResize="1" noEditPoints="1" noAdjustHandles="1" noChangeArrowheads="1" noChangeShapeType="1" noTextEdit="1"/>
+          </p:cNvSpPr>
+          <p:nvPr>
+            <p:extLst>
+              <p:ext uri="{386F3935-93C4-4BCD-93E2-E3B085C9AB24}">
+                <p16:designElem xmlns:p16="http://schemas.microsoft.com/office/powerpoint/2015/main" val="1"/>
+              </p:ext>
+            </p:extLst>
+          </p:nvPr>
+        </p:nvSpPr>
+        <p:spPr>
+          <a:xfrm>
+            <a:off x="3" y="0"/>
+            <a:ext cx="9339206" cy="6858000"/>
+          </a:xfrm>
+          <a:prstGeom prst="rect">
+            <a:avLst/>
+          </a:prstGeom>
+          <a:gradFill>
+            <a:gsLst>
+              <a:gs pos="58000">
+                <a:schemeClr val="bg1"/>
+              </a:gs>
+              <a:gs pos="33000">
+                <a:schemeClr val="bg1">
+                  <a:alpha val="64000"/>
+                </a:schemeClr>
+              </a:gs>
+              <a:gs pos="0">
+                <a:schemeClr val="bg1">
+                  <a:alpha val="0"/>
+                </a:schemeClr>
+              </a:gs>
+              <a:gs pos="100000">
+                <a:schemeClr val="bg1"/>
+              </a:gs>
+            </a:gsLst>
+            <a:lin ang="10800000" scaled="0"/>
+          </a:gradFill>
+          <a:ln>
+            <a:noFill/>
+          </a:ln>
+        </p:spPr>
+        <p:style>
+          <a:lnRef idx="2">
+            <a:schemeClr val="accent1">
+              <a:shade val="50000"/>
+            </a:schemeClr>
+          </a:lnRef>
+          <a:fillRef idx="1">
+            <a:schemeClr val="accent1"/>
+          </a:fillRef>
+          <a:effectRef idx="0">
+            <a:schemeClr val="accent1"/>
+          </a:effectRef>
+          <a:fontRef idx="minor">
+            <a:schemeClr val="lt1"/>
+          </a:fontRef>
+        </p:style>
+        <p:txBody>
+          <a:bodyPr rtlCol="0" anchor="ctr"/>
+          <a:lstStyle/>
+          <a:p>
+            <a:pPr algn="ctr"/>
+            <a:endParaRPr lang="en-US" dirty="0"/>
+          </a:p>
+        </p:txBody>
+      </p:sp>
       <p:sp>
         <p:nvSpPr>
           <p:cNvPr id="2" name="Title 1">
             <a:extLst>
               <a:ext uri="{FF2B5EF4-FFF2-40B4-BE49-F238E27FC236}">
-                <a16:creationId xmlns:a16="http://schemas.microsoft.com/office/drawing/2014/main" id="{9DB13D6D-44DB-6056-BFB7-5CBAA0EF8D82}"/>
+                <a16:creationId xmlns:a16="http://schemas.microsoft.com/office/drawing/2014/main" id="{FD392D44-8A5A-74DD-875A-5D05216A137A}"/>
               </a:ext>
             </a:extLst>
           </p:cNvPr>
@@ -3361,16 +3897,23 @@
             <p:ph type="ctrTitle"/>
           </p:nvPr>
         </p:nvSpPr>
-        <p:spPr/>
-        <p:txBody>
-          <a:bodyPr/>
+        <p:spPr>
+          <a:xfrm>
+            <a:off x="477981" y="1122363"/>
+            <a:ext cx="4023360" cy="3204134"/>
+          </a:xfrm>
+        </p:spPr>
+        <p:txBody>
+          <a:bodyPr anchor="b">
+            <a:normAutofit/>
+          </a:bodyPr>
           <a:lstStyle/>
           <a:p>
-            <a:r>
-              <a:rPr lang="en-US" dirty="0"/>
-              <a:t>Introduction to Test Feedback</a:t>
-            </a:r>
-            <a:endParaRPr lang="en-GB" dirty="0"/>
+            <a:pPr algn="l"/>
+            <a:r>
+              <a:rPr lang="en-US" sz="4800"/>
+              <a:t>Validity and Inferences</a:t>
+            </a:r>
           </a:p>
         </p:txBody>
       </p:sp>
@@ -3379,7 +3922,7 @@
           <p:cNvPr id="3" name="Subtitle 2">
             <a:extLst>
               <a:ext uri="{FF2B5EF4-FFF2-40B4-BE49-F238E27FC236}">
-                <a16:creationId xmlns:a16="http://schemas.microsoft.com/office/drawing/2014/main" id="{875A6871-CCBE-0A0F-4F86-7E0C518448EA}"/>
+                <a16:creationId xmlns:a16="http://schemas.microsoft.com/office/drawing/2014/main" id="{4E27C892-04A2-1E9F-5CF4-2E35DB4FECCE}"/>
               </a:ext>
             </a:extLst>
           </p:cNvPr>
@@ -3390,23 +3933,549 @@
             <p:ph type="subTitle" idx="1"/>
           </p:nvPr>
         </p:nvSpPr>
-        <p:spPr/>
-        <p:txBody>
-          <a:bodyPr/>
+        <p:spPr>
+          <a:xfrm>
+            <a:off x="477980" y="4872922"/>
+            <a:ext cx="4023359" cy="1208141"/>
+          </a:xfrm>
+        </p:spPr>
+        <p:txBody>
+          <a:bodyPr>
+            <a:normAutofit/>
+          </a:bodyPr>
           <a:lstStyle/>
           <a:p>
-            <a:r>
-              <a:rPr lang="en-US" dirty="0"/>
+            <a:pPr algn="l"/>
+            <a:r>
+              <a:rPr lang="en-US" sz="2000"/>
               <a:t>Dr Oliver Clark</a:t>
             </a:r>
-            <a:endParaRPr lang="en-GB" dirty="0"/>
+          </a:p>
+        </p:txBody>
+      </p:sp>
+      <p:sp>
+        <p:nvSpPr>
+          <p:cNvPr id="13" name="Rectangle 12">
+            <a:extLst>
+              <a:ext uri="{FF2B5EF4-FFF2-40B4-BE49-F238E27FC236}">
+                <a16:creationId xmlns:a16="http://schemas.microsoft.com/office/drawing/2014/main" id="{AF2F604E-43BE-4DC3-B983-E071523364F8}"/>
+              </a:ext>
+              <a:ext uri="{C183D7F6-B498-43B3-948B-1728B52AA6E4}">
+                <adec:decorative xmlns:adec="http://schemas.microsoft.com/office/drawing/2017/decorative" val="1"/>
+              </a:ext>
+            </a:extLst>
+          </p:cNvPr>
+          <p:cNvSpPr>
+            <a:spLocks noGrp="1" noRot="1" noChangeAspect="1" noMove="1" noResize="1" noEditPoints="1" noAdjustHandles="1" noChangeArrowheads="1" noChangeShapeType="1" noTextEdit="1"/>
+          </p:cNvSpPr>
+          <p:nvPr>
+            <p:extLst>
+              <p:ext uri="{386F3935-93C4-4BCD-93E2-E3B085C9AB24}">
+                <p16:designElem xmlns:p16="http://schemas.microsoft.com/office/powerpoint/2015/main" val="1"/>
+              </p:ext>
+            </p:extLst>
+          </p:nvPr>
+        </p:nvSpPr>
+        <p:spPr>
+          <a:xfrm rot="5400000">
+            <a:off x="759921" y="346791"/>
+            <a:ext cx="146304" cy="704088"/>
+          </a:xfrm>
+          <a:prstGeom prst="rect">
+            <a:avLst/>
+          </a:prstGeom>
+          <a:solidFill>
+            <a:schemeClr val="accent2"/>
+          </a:solidFill>
+          <a:ln>
+            <a:noFill/>
+          </a:ln>
+        </p:spPr>
+        <p:style>
+          <a:lnRef idx="2">
+            <a:schemeClr val="accent1">
+              <a:shade val="50000"/>
+            </a:schemeClr>
+          </a:lnRef>
+          <a:fillRef idx="1">
+            <a:schemeClr val="accent1"/>
+          </a:fillRef>
+          <a:effectRef idx="0">
+            <a:schemeClr val="accent1"/>
+          </a:effectRef>
+          <a:fontRef idx="minor">
+            <a:schemeClr val="lt1"/>
+          </a:fontRef>
+        </p:style>
+        <p:txBody>
+          <a:bodyPr rtlCol="0" anchor="ctr"/>
+          <a:lstStyle/>
+          <a:p>
+            <a:pPr algn="ctr"/>
+            <a:endParaRPr lang="en-US">
+              <a:solidFill>
+                <a:prstClr val="white"/>
+              </a:solidFill>
+              <a:latin typeface="Calibri" panose="020F0502020204030204"/>
+            </a:endParaRPr>
+          </a:p>
+        </p:txBody>
+      </p:sp>
+      <p:sp>
+        <p:nvSpPr>
+          <p:cNvPr id="15" name="Rectangle 14">
+            <a:extLst>
+              <a:ext uri="{FF2B5EF4-FFF2-40B4-BE49-F238E27FC236}">
+                <a16:creationId xmlns:a16="http://schemas.microsoft.com/office/drawing/2014/main" id="{08C9B587-E65E-4B52-B37C-ABEBB6E87928}"/>
+              </a:ext>
+              <a:ext uri="{C183D7F6-B498-43B3-948B-1728B52AA6E4}">
+                <adec:decorative xmlns:adec="http://schemas.microsoft.com/office/drawing/2017/decorative" val="1"/>
+              </a:ext>
+            </a:extLst>
+          </p:cNvPr>
+          <p:cNvSpPr>
+            <a:spLocks noGrp="1" noRot="1" noChangeAspect="1" noMove="1" noResize="1" noEditPoints="1" noAdjustHandles="1" noChangeArrowheads="1" noChangeShapeType="1" noTextEdit="1"/>
+          </p:cNvSpPr>
+          <p:nvPr>
+            <p:extLst>
+              <p:ext uri="{386F3935-93C4-4BCD-93E2-E3B085C9AB24}">
+                <p16:designElem xmlns:p16="http://schemas.microsoft.com/office/powerpoint/2015/main" val="1"/>
+              </p:ext>
+            </p:extLst>
+          </p:nvPr>
+        </p:nvSpPr>
+        <p:spPr>
+          <a:xfrm>
+            <a:off x="481029" y="4546920"/>
+            <a:ext cx="3977640" cy="18288"/>
+          </a:xfrm>
+          <a:prstGeom prst="rect">
+            <a:avLst/>
+          </a:prstGeom>
+          <a:solidFill>
+            <a:schemeClr val="tx1"/>
+          </a:solidFill>
+          <a:ln w="3175">
+            <a:noFill/>
+          </a:ln>
+          <a:effectLst/>
+        </p:spPr>
+        <p:style>
+          <a:lnRef idx="2">
+            <a:schemeClr val="accent1">
+              <a:shade val="50000"/>
+            </a:schemeClr>
+          </a:lnRef>
+          <a:fillRef idx="1">
+            <a:schemeClr val="accent1"/>
+          </a:fillRef>
+          <a:effectRef idx="0">
+            <a:schemeClr val="accent1"/>
+          </a:effectRef>
+          <a:fontRef idx="minor">
+            <a:schemeClr val="lt1"/>
+          </a:fontRef>
+        </p:style>
+        <p:txBody>
+          <a:bodyPr rtlCol="0" anchor="ctr"/>
+          <a:lstStyle/>
+          <a:p>
+            <a:pPr marL="0" marR="0" lvl="0" indent="0" algn="ctr" defTabSz="914400" rtl="0" eaLnBrk="1" fontAlgn="auto" latinLnBrk="0" hangingPunct="1">
+              <a:lnSpc>
+                <a:spcPct val="100000"/>
+              </a:lnSpc>
+              <a:spcBef>
+                <a:spcPts val="0"/>
+              </a:spcBef>
+              <a:spcAft>
+                <a:spcPts val="0"/>
+              </a:spcAft>
+              <a:buClrTx/>
+              <a:buSzTx/>
+              <a:buFontTx/>
+              <a:buNone/>
+              <a:tabLst/>
+              <a:defRPr/>
+            </a:pPr>
+            <a:endParaRPr kumimoji="0" lang="en-US" sz="1800" b="0" i="0" u="none" strike="noStrike" kern="1200" cap="none" spc="0" normalizeH="0" baseline="0" noProof="0">
+              <a:ln>
+                <a:noFill/>
+              </a:ln>
+              <a:solidFill>
+                <a:prstClr val="white"/>
+              </a:solidFill>
+              <a:effectLst/>
+              <a:uLnTx/>
+              <a:uFillTx/>
+              <a:latin typeface="Calibri" panose="020F0502020204030204"/>
+              <a:ea typeface="+mn-ea"/>
+              <a:cs typeface="+mn-cs"/>
+            </a:endParaRPr>
           </a:p>
         </p:txBody>
       </p:sp>
     </p:spTree>
     <p:extLst>
       <p:ext uri="{BB962C8B-B14F-4D97-AF65-F5344CB8AC3E}">
-        <p14:creationId xmlns:p14="http://schemas.microsoft.com/office/powerpoint/2010/main" val="253529130"/>
+        <p14:creationId xmlns:p14="http://schemas.microsoft.com/office/powerpoint/2010/main" val="3984459467"/>
+      </p:ext>
+    </p:extLst>
+  </p:cSld>
+  <p:clrMapOvr>
+    <a:overrideClrMapping bg1="dk1" tx1="lt1" bg2="dk2" tx2="lt2" accent1="accent1" accent2="accent2" accent3="accent3" accent4="accent4" accent5="accent5" accent6="accent6" hlink="hlink" folHlink="folHlink"/>
+  </p:clrMapOvr>
+</p:sld>
+</file>
+
+<file path=ppt/slides/slide2.xml><?xml version="1.0" encoding="utf-8"?>
+<p:sld xmlns:a="http://schemas.openxmlformats.org/drawingml/2006/main" xmlns:r="http://schemas.openxmlformats.org/officeDocument/2006/relationships" xmlns:p="http://schemas.openxmlformats.org/presentationml/2006/main">
+  <p:cSld>
+    <p:bg>
+      <p:bgPr>
+        <a:solidFill>
+          <a:schemeClr val="bg1"/>
+        </a:solidFill>
+        <a:effectLst/>
+      </p:bgPr>
+    </p:bg>
+    <p:spTree>
+      <p:nvGrpSpPr>
+        <p:cNvPr id="1" name=""/>
+        <p:cNvGrpSpPr/>
+        <p:nvPr/>
+      </p:nvGrpSpPr>
+      <p:grpSpPr>
+        <a:xfrm>
+          <a:off x="0" y="0"/>
+          <a:ext cx="0" cy="0"/>
+          <a:chOff x="0" y="0"/>
+          <a:chExt cx="0" cy="0"/>
+        </a:xfrm>
+      </p:grpSpPr>
+      <p:sp useBgFill="1">
+        <p:nvSpPr>
+          <p:cNvPr id="9" name="Rectangle 8">
+            <a:extLst>
+              <a:ext uri="{FF2B5EF4-FFF2-40B4-BE49-F238E27FC236}">
+                <a16:creationId xmlns:a16="http://schemas.microsoft.com/office/drawing/2014/main" id="{8F90786E-B72D-4C32-BDCE-A170B007822D}"/>
+              </a:ext>
+              <a:ext uri="{C183D7F6-B498-43B3-948B-1728B52AA6E4}">
+                <adec:decorative xmlns:adec="http://schemas.microsoft.com/office/drawing/2017/decorative" val="1"/>
+              </a:ext>
+            </a:extLst>
+          </p:cNvPr>
+          <p:cNvSpPr>
+            <a:spLocks noGrp="1" noRot="1" noChangeAspect="1" noMove="1" noResize="1" noEditPoints="1" noAdjustHandles="1" noChangeArrowheads="1" noChangeShapeType="1" noTextEdit="1"/>
+          </p:cNvSpPr>
+          <p:nvPr>
+            <p:extLst>
+              <p:ext uri="{386F3935-93C4-4BCD-93E2-E3B085C9AB24}">
+                <p16:designElem xmlns:p16="http://schemas.microsoft.com/office/powerpoint/2015/main" val="1"/>
+              </p:ext>
+            </p:extLst>
+          </p:nvPr>
+        </p:nvSpPr>
+        <p:spPr>
+          <a:xfrm>
+            <a:off x="0" y="-1"/>
+            <a:ext cx="12188952" cy="6858000"/>
+          </a:xfrm>
+          <a:prstGeom prst="rect">
+            <a:avLst/>
+          </a:prstGeom>
+          <a:ln>
+            <a:noFill/>
+          </a:ln>
+        </p:spPr>
+        <p:style>
+          <a:lnRef idx="2">
+            <a:schemeClr val="accent1">
+              <a:shade val="50000"/>
+            </a:schemeClr>
+          </a:lnRef>
+          <a:fillRef idx="1">
+            <a:schemeClr val="accent1"/>
+          </a:fillRef>
+          <a:effectRef idx="0">
+            <a:schemeClr val="accent1"/>
+          </a:effectRef>
+          <a:fontRef idx="minor">
+            <a:schemeClr val="lt1"/>
+          </a:fontRef>
+        </p:style>
+        <p:txBody>
+          <a:bodyPr rtlCol="0" anchor="ctr"/>
+          <a:lstStyle/>
+          <a:p>
+            <a:pPr marL="0" marR="0" lvl="0" indent="0" algn="ctr" defTabSz="914400" rtl="0" eaLnBrk="1" fontAlgn="auto" latinLnBrk="0" hangingPunct="1">
+              <a:lnSpc>
+                <a:spcPct val="100000"/>
+              </a:lnSpc>
+              <a:spcBef>
+                <a:spcPts val="0"/>
+              </a:spcBef>
+              <a:spcAft>
+                <a:spcPts val="0"/>
+              </a:spcAft>
+              <a:buClrTx/>
+              <a:buSzTx/>
+              <a:buFontTx/>
+              <a:buNone/>
+              <a:tabLst/>
+              <a:defRPr/>
+            </a:pPr>
+            <a:endParaRPr kumimoji="0" lang="en-US" sz="1800" b="0" i="0" u="none" strike="noStrike" kern="1200" cap="none" spc="0" normalizeH="0" baseline="0" noProof="0">
+              <a:ln>
+                <a:noFill/>
+              </a:ln>
+              <a:solidFill>
+                <a:prstClr val="white"/>
+              </a:solidFill>
+              <a:effectLst/>
+              <a:uLnTx/>
+              <a:uFillTx/>
+              <a:latin typeface="Calibri" panose="020F0502020204030204"/>
+              <a:ea typeface="+mn-ea"/>
+              <a:cs typeface="+mn-cs"/>
+            </a:endParaRPr>
+          </a:p>
+        </p:txBody>
+      </p:sp>
+      <p:sp>
+        <p:nvSpPr>
+          <p:cNvPr id="11" name="Rectangle 10">
+            <a:extLst>
+              <a:ext uri="{FF2B5EF4-FFF2-40B4-BE49-F238E27FC236}">
+                <a16:creationId xmlns:a16="http://schemas.microsoft.com/office/drawing/2014/main" id="{5E46F2E7-848F-4A6C-A098-4764FDEA771A}"/>
+              </a:ext>
+              <a:ext uri="{C183D7F6-B498-43B3-948B-1728B52AA6E4}">
+                <adec:decorative xmlns:adec="http://schemas.microsoft.com/office/drawing/2017/decorative" val="1"/>
+              </a:ext>
+            </a:extLst>
+          </p:cNvPr>
+          <p:cNvSpPr>
+            <a:spLocks noGrp="1" noRot="1" noChangeAspect="1" noMove="1" noResize="1" noEditPoints="1" noAdjustHandles="1" noChangeArrowheads="1" noChangeShapeType="1" noTextEdit="1"/>
+          </p:cNvSpPr>
+          <p:nvPr>
+            <p:extLst>
+              <p:ext uri="{386F3935-93C4-4BCD-93E2-E3B085C9AB24}">
+                <p16:designElem xmlns:p16="http://schemas.microsoft.com/office/powerpoint/2015/main" val="1"/>
+              </p:ext>
+            </p:extLst>
+          </p:nvPr>
+        </p:nvSpPr>
+        <p:spPr>
+          <a:xfrm>
+            <a:off x="0" y="0"/>
+            <a:ext cx="12192000" cy="6858000"/>
+          </a:xfrm>
+          <a:prstGeom prst="rect">
+            <a:avLst/>
+          </a:prstGeom>
+          <a:solidFill>
+            <a:srgbClr val="000000"/>
+          </a:solidFill>
+          <a:ln>
+            <a:noFill/>
+          </a:ln>
+        </p:spPr>
+        <p:style>
+          <a:lnRef idx="2">
+            <a:schemeClr val="accent1">
+              <a:shade val="50000"/>
+            </a:schemeClr>
+          </a:lnRef>
+          <a:fillRef idx="1">
+            <a:schemeClr val="accent1"/>
+          </a:fillRef>
+          <a:effectRef idx="0">
+            <a:schemeClr val="accent1"/>
+          </a:effectRef>
+          <a:fontRef idx="minor">
+            <a:schemeClr val="lt1"/>
+          </a:fontRef>
+        </p:style>
+        <p:txBody>
+          <a:bodyPr rtlCol="0" anchor="ctr"/>
+          <a:lstStyle/>
+          <a:p>
+            <a:pPr marL="0" marR="0" lvl="0" indent="0" algn="ctr" defTabSz="914400" rtl="0" eaLnBrk="1" fontAlgn="auto" latinLnBrk="0" hangingPunct="1">
+              <a:lnSpc>
+                <a:spcPct val="100000"/>
+              </a:lnSpc>
+              <a:spcBef>
+                <a:spcPts val="0"/>
+              </a:spcBef>
+              <a:spcAft>
+                <a:spcPts val="0"/>
+              </a:spcAft>
+              <a:buClrTx/>
+              <a:buSzTx/>
+              <a:buFontTx/>
+              <a:buNone/>
+              <a:tabLst/>
+              <a:defRPr/>
+            </a:pPr>
+            <a:endParaRPr kumimoji="0" lang="en-US" sz="1800" b="0" i="0" u="none" strike="noStrike" kern="1200" cap="none" spc="0" normalizeH="0" baseline="0" noProof="0">
+              <a:ln>
+                <a:noFill/>
+              </a:ln>
+              <a:solidFill>
+                <a:srgbClr val="000000"/>
+              </a:solidFill>
+              <a:effectLst/>
+              <a:uLnTx/>
+              <a:uFillTx/>
+              <a:latin typeface="Calibri" panose="020F0502020204030204"/>
+              <a:ea typeface="+mn-ea"/>
+              <a:cs typeface="+mn-cs"/>
+            </a:endParaRPr>
+          </a:p>
+        </p:txBody>
+      </p:sp>
+      <p:pic>
+        <p:nvPicPr>
+          <p:cNvPr id="5" name="Picture 4" descr="Top view of a circular staircase">
+            <a:extLst>
+              <a:ext uri="{FF2B5EF4-FFF2-40B4-BE49-F238E27FC236}">
+                <a16:creationId xmlns:a16="http://schemas.microsoft.com/office/drawing/2014/main" id="{36221384-2D44-F2C7-4939-2BFD6F398FD1}"/>
+              </a:ext>
+            </a:extLst>
+          </p:cNvPr>
+          <p:cNvPicPr>
+            <a:picLocks noChangeAspect="1"/>
+          </p:cNvPicPr>
+          <p:nvPr/>
+        </p:nvPicPr>
+        <p:blipFill rotWithShape="1">
+          <a:blip r:embed="rId2">
+            <a:alphaModFix amt="60000"/>
+          </a:blip>
+          <a:srcRect t="15175" b="556"/>
+          <a:stretch/>
+        </p:blipFill>
+        <p:spPr>
+          <a:xfrm>
+            <a:off x="-1" y="10"/>
+            <a:ext cx="12192001" cy="6857990"/>
+          </a:xfrm>
+          <a:prstGeom prst="rect">
+            <a:avLst/>
+          </a:prstGeom>
+        </p:spPr>
+      </p:pic>
+      <p:sp>
+        <p:nvSpPr>
+          <p:cNvPr id="2" name="Title 1">
+            <a:extLst>
+              <a:ext uri="{FF2B5EF4-FFF2-40B4-BE49-F238E27FC236}">
+                <a16:creationId xmlns:a16="http://schemas.microsoft.com/office/drawing/2014/main" id="{71EBA819-527D-C609-6C79-E12AE6936BF4}"/>
+              </a:ext>
+            </a:extLst>
+          </p:cNvPr>
+          <p:cNvSpPr>
+            <a:spLocks noGrp="1"/>
+          </p:cNvSpPr>
+          <p:nvPr>
+            <p:ph type="title"/>
+          </p:nvPr>
+        </p:nvSpPr>
+        <p:spPr>
+          <a:xfrm>
+            <a:off x="838199" y="1671570"/>
+            <a:ext cx="5155261" cy="4072044"/>
+          </a:xfrm>
+        </p:spPr>
+        <p:txBody>
+          <a:bodyPr anchor="t">
+            <a:normAutofit/>
+          </a:bodyPr>
+          <a:lstStyle/>
+          <a:p>
+            <a:r>
+              <a:rPr lang="en-US">
+                <a:solidFill>
+                  <a:srgbClr val="FFFFFF"/>
+                </a:solidFill>
+              </a:rPr>
+              <a:t>Structure</a:t>
+            </a:r>
+          </a:p>
+        </p:txBody>
+      </p:sp>
+      <p:sp>
+        <p:nvSpPr>
+          <p:cNvPr id="3" name="Content Placeholder 2">
+            <a:extLst>
+              <a:ext uri="{FF2B5EF4-FFF2-40B4-BE49-F238E27FC236}">
+                <a16:creationId xmlns:a16="http://schemas.microsoft.com/office/drawing/2014/main" id="{F2CFB4E8-BD0C-42D2-6733-EEBEF919A53B}"/>
+              </a:ext>
+            </a:extLst>
+          </p:cNvPr>
+          <p:cNvSpPr>
+            <a:spLocks noGrp="1"/>
+          </p:cNvSpPr>
+          <p:nvPr>
+            <p:ph idx="1"/>
+          </p:nvPr>
+        </p:nvSpPr>
+        <p:spPr>
+          <a:xfrm>
+            <a:off x="5993460" y="3833998"/>
+            <a:ext cx="5170861" cy="4072043"/>
+          </a:xfrm>
+        </p:spPr>
+        <p:txBody>
+          <a:bodyPr>
+            <a:normAutofit/>
+          </a:bodyPr>
+          <a:lstStyle/>
+          <a:p>
+            <a:r>
+              <a:rPr lang="en-US" dirty="0">
+                <a:solidFill>
+                  <a:schemeClr val="bg2"/>
+                </a:solidFill>
+              </a:rPr>
+              <a:t>Relevance of Validity for inferences</a:t>
+            </a:r>
+          </a:p>
+          <a:p>
+            <a:r>
+              <a:rPr lang="en-US" dirty="0">
+                <a:solidFill>
+                  <a:schemeClr val="bg2"/>
+                </a:solidFill>
+              </a:rPr>
+              <a:t>Finding validity evidence</a:t>
+            </a:r>
+          </a:p>
+          <a:p>
+            <a:r>
+              <a:rPr lang="en-US" dirty="0">
+                <a:solidFill>
+                  <a:schemeClr val="bg2"/>
+                </a:solidFill>
+              </a:rPr>
+              <a:t>Using validity Evidence</a:t>
+            </a:r>
+          </a:p>
+          <a:p>
+            <a:r>
+              <a:rPr lang="en-US" dirty="0">
+                <a:solidFill>
+                  <a:schemeClr val="bg2"/>
+                </a:solidFill>
+              </a:rPr>
+              <a:t>Caveats</a:t>
+            </a:r>
+          </a:p>
+        </p:txBody>
+      </p:sp>
+    </p:spTree>
+    <p:extLst>
+      <p:ext uri="{BB962C8B-B14F-4D97-AF65-F5344CB8AC3E}">
+        <p14:creationId xmlns:p14="http://schemas.microsoft.com/office/powerpoint/2010/main" val="3909646733"/>
       </p:ext>
     </p:extLst>
   </p:cSld>
@@ -3416,7 +4485,2228 @@
 </p:sld>
 </file>
 
-<file path=ppt/slides/slide2.xml><?xml version="1.0" encoding="utf-8"?>
+<file path=ppt/slides/slide3.xml><?xml version="1.0" encoding="utf-8"?>
+<p:sld xmlns:a="http://schemas.openxmlformats.org/drawingml/2006/main" xmlns:r="http://schemas.openxmlformats.org/officeDocument/2006/relationships" xmlns:p="http://schemas.openxmlformats.org/presentationml/2006/main">
+  <p:cSld>
+    <p:bg>
+      <p:bgPr>
+        <a:solidFill>
+          <a:schemeClr val="bg1"/>
+        </a:solidFill>
+        <a:effectLst/>
+      </p:bgPr>
+    </p:bg>
+    <p:spTree>
+      <p:nvGrpSpPr>
+        <p:cNvPr id="1" name=""/>
+        <p:cNvGrpSpPr/>
+        <p:nvPr/>
+      </p:nvGrpSpPr>
+      <p:grpSpPr>
+        <a:xfrm>
+          <a:off x="0" y="0"/>
+          <a:ext cx="0" cy="0"/>
+          <a:chOff x="0" y="0"/>
+          <a:chExt cx="0" cy="0"/>
+        </a:xfrm>
+      </p:grpSpPr>
+      <p:sp>
+        <p:nvSpPr>
+          <p:cNvPr id="9" name="Rectangle 8">
+            <a:extLst>
+              <a:ext uri="{FF2B5EF4-FFF2-40B4-BE49-F238E27FC236}">
+                <a16:creationId xmlns:a16="http://schemas.microsoft.com/office/drawing/2014/main" id="{6753252F-4873-4F63-801D-CC719279A7D5}"/>
+              </a:ext>
+              <a:ext uri="{C183D7F6-B498-43B3-948B-1728B52AA6E4}">
+                <adec:decorative xmlns:adec="http://schemas.microsoft.com/office/drawing/2017/decorative" val="1"/>
+              </a:ext>
+            </a:extLst>
+          </p:cNvPr>
+          <p:cNvSpPr>
+            <a:spLocks noGrp="1" noRot="1" noChangeAspect="1" noMove="1" noResize="1" noEditPoints="1" noAdjustHandles="1" noChangeArrowheads="1" noChangeShapeType="1" noTextEdit="1"/>
+          </p:cNvSpPr>
+          <p:nvPr>
+            <p:extLst>
+              <p:ext uri="{386F3935-93C4-4BCD-93E2-E3B085C9AB24}">
+                <p16:designElem xmlns:p16="http://schemas.microsoft.com/office/powerpoint/2015/main" val="1"/>
+              </p:ext>
+            </p:extLst>
+          </p:nvPr>
+        </p:nvSpPr>
+        <p:spPr>
+          <a:xfrm>
+            <a:off x="0" y="0"/>
+            <a:ext cx="12192000" cy="6858000"/>
+          </a:xfrm>
+          <a:prstGeom prst="rect">
+            <a:avLst/>
+          </a:prstGeom>
+          <a:solidFill>
+            <a:srgbClr val="FFFFFF"/>
+          </a:solidFill>
+          <a:ln>
+            <a:noFill/>
+          </a:ln>
+        </p:spPr>
+        <p:style>
+          <a:lnRef idx="2">
+            <a:schemeClr val="accent1">
+              <a:shade val="50000"/>
+            </a:schemeClr>
+          </a:lnRef>
+          <a:fillRef idx="1">
+            <a:schemeClr val="accent1"/>
+          </a:fillRef>
+          <a:effectRef idx="0">
+            <a:schemeClr val="accent1"/>
+          </a:effectRef>
+          <a:fontRef idx="minor">
+            <a:schemeClr val="lt1"/>
+          </a:fontRef>
+        </p:style>
+        <p:txBody>
+          <a:bodyPr rtlCol="0" anchor="ctr"/>
+          <a:lstStyle/>
+          <a:p>
+            <a:pPr algn="ctr"/>
+            <a:endParaRPr lang="en-US"/>
+          </a:p>
+        </p:txBody>
+      </p:sp>
+      <p:sp>
+        <p:nvSpPr>
+          <p:cNvPr id="11" name="Rectangle 10">
+            <a:extLst>
+              <a:ext uri="{FF2B5EF4-FFF2-40B4-BE49-F238E27FC236}">
+                <a16:creationId xmlns:a16="http://schemas.microsoft.com/office/drawing/2014/main" id="{047C8CCB-F95D-4249-92DD-651249D3535A}"/>
+              </a:ext>
+              <a:ext uri="{C183D7F6-B498-43B3-948B-1728B52AA6E4}">
+                <adec:decorative xmlns:adec="http://schemas.microsoft.com/office/drawing/2017/decorative" val="1"/>
+              </a:ext>
+            </a:extLst>
+          </p:cNvPr>
+          <p:cNvSpPr>
+            <a:spLocks noGrp="1" noRot="1" noChangeAspect="1" noMove="1" noResize="1" noEditPoints="1" noAdjustHandles="1" noChangeArrowheads="1" noChangeShapeType="1" noTextEdit="1"/>
+          </p:cNvSpPr>
+          <p:nvPr>
+            <p:extLst>
+              <p:ext uri="{386F3935-93C4-4BCD-93E2-E3B085C9AB24}">
+                <p16:designElem xmlns:p16="http://schemas.microsoft.com/office/powerpoint/2015/main" val="1"/>
+              </p:ext>
+            </p:extLst>
+          </p:nvPr>
+        </p:nvSpPr>
+        <p:spPr>
+          <a:xfrm>
+            <a:off x="0" y="0"/>
+            <a:ext cx="2013557" cy="6858000"/>
+          </a:xfrm>
+          <a:prstGeom prst="rect">
+            <a:avLst/>
+          </a:prstGeom>
+          <a:solidFill>
+            <a:srgbClr val="7F7F7F"/>
+          </a:solidFill>
+          <a:ln>
+            <a:noFill/>
+          </a:ln>
+        </p:spPr>
+        <p:style>
+          <a:lnRef idx="2">
+            <a:schemeClr val="accent1">
+              <a:shade val="50000"/>
+            </a:schemeClr>
+          </a:lnRef>
+          <a:fillRef idx="1">
+            <a:schemeClr val="accent1"/>
+          </a:fillRef>
+          <a:effectRef idx="0">
+            <a:schemeClr val="accent1"/>
+          </a:effectRef>
+          <a:fontRef idx="minor">
+            <a:schemeClr val="lt1"/>
+          </a:fontRef>
+        </p:style>
+        <p:txBody>
+          <a:bodyPr rtlCol="0" anchor="ctr"/>
+          <a:lstStyle/>
+          <a:p>
+            <a:pPr algn="ctr"/>
+            <a:endParaRPr lang="en-US"/>
+          </a:p>
+        </p:txBody>
+      </p:sp>
+      <p:sp>
+        <p:nvSpPr>
+          <p:cNvPr id="2" name="Title 1">
+            <a:extLst>
+              <a:ext uri="{FF2B5EF4-FFF2-40B4-BE49-F238E27FC236}">
+                <a16:creationId xmlns:a16="http://schemas.microsoft.com/office/drawing/2014/main" id="{746E34D9-6395-2C4A-12C7-394BA56EEED3}"/>
+              </a:ext>
+            </a:extLst>
+          </p:cNvPr>
+          <p:cNvSpPr>
+            <a:spLocks noGrp="1"/>
+          </p:cNvSpPr>
+          <p:nvPr>
+            <p:ph type="title"/>
+          </p:nvPr>
+        </p:nvSpPr>
+        <p:spPr>
+          <a:xfrm>
+            <a:off x="640080" y="2074363"/>
+            <a:ext cx="2752354" cy="2709275"/>
+          </a:xfrm>
+          <a:prstGeom prst="ellipse">
+            <a:avLst/>
+          </a:prstGeom>
+          <a:solidFill>
+            <a:srgbClr val="262626"/>
+          </a:solidFill>
+          <a:ln w="174625" cmpd="thinThick">
+            <a:solidFill>
+              <a:srgbClr val="262626"/>
+            </a:solidFill>
+          </a:ln>
+        </p:spPr>
+        <p:txBody>
+          <a:bodyPr vert="horz" lIns="91440" tIns="45720" rIns="91440" bIns="45720" rtlCol="0" anchor="ctr">
+            <a:normAutofit/>
+          </a:bodyPr>
+          <a:lstStyle/>
+          <a:p>
+            <a:pPr algn="ctr"/>
+            <a:r>
+              <a:rPr lang="en-US" sz="2600" kern="1200">
+                <a:solidFill>
+                  <a:srgbClr val="FFFFFF"/>
+                </a:solidFill>
+                <a:latin typeface="+mj-lt"/>
+                <a:ea typeface="+mj-ea"/>
+                <a:cs typeface="+mj-cs"/>
+              </a:rPr>
+              <a:t>What does validity evidence look like?</a:t>
+            </a:r>
+          </a:p>
+        </p:txBody>
+      </p:sp>
+      <p:pic>
+        <p:nvPicPr>
+          <p:cNvPr id="4" name="Content Placeholder 3">
+            <a:extLst>
+              <a:ext uri="{FF2B5EF4-FFF2-40B4-BE49-F238E27FC236}">
+                <a16:creationId xmlns:a16="http://schemas.microsoft.com/office/drawing/2014/main" id="{D7321E6A-4FF7-EB54-A7F1-07DAFC6EB155}"/>
+              </a:ext>
+            </a:extLst>
+          </p:cNvPr>
+          <p:cNvPicPr>
+            <a:picLocks noGrp="1" noChangeAspect="1"/>
+          </p:cNvPicPr>
+          <p:nvPr>
+            <p:ph idx="1"/>
+          </p:nvPr>
+        </p:nvPicPr>
+        <p:blipFill>
+          <a:blip r:embed="rId2"/>
+          <a:stretch>
+            <a:fillRect/>
+          </a:stretch>
+        </p:blipFill>
+        <p:spPr>
+          <a:xfrm>
+            <a:off x="5181666" y="961812"/>
+            <a:ext cx="4902066" cy="4930987"/>
+          </a:xfrm>
+          <a:prstGeom prst="rect">
+            <a:avLst/>
+          </a:prstGeom>
+        </p:spPr>
+      </p:pic>
+    </p:spTree>
+    <p:extLst>
+      <p:ext uri="{BB962C8B-B14F-4D97-AF65-F5344CB8AC3E}">
+        <p14:creationId xmlns:p14="http://schemas.microsoft.com/office/powerpoint/2010/main" val="1123197360"/>
+      </p:ext>
+    </p:extLst>
+  </p:cSld>
+  <p:clrMapOvr>
+    <a:masterClrMapping/>
+  </p:clrMapOvr>
+</p:sld>
+</file>
+
+<file path=ppt/slides/slide4.xml><?xml version="1.0" encoding="utf-8"?>
+<p:sld xmlns:a="http://schemas.openxmlformats.org/drawingml/2006/main" xmlns:r="http://schemas.openxmlformats.org/officeDocument/2006/relationships" xmlns:p="http://schemas.openxmlformats.org/presentationml/2006/main">
+  <p:cSld>
+    <p:bg>
+      <p:bgPr>
+        <a:solidFill>
+          <a:schemeClr val="bg1"/>
+        </a:solidFill>
+        <a:effectLst/>
+      </p:bgPr>
+    </p:bg>
+    <p:spTree>
+      <p:nvGrpSpPr>
+        <p:cNvPr id="1" name=""/>
+        <p:cNvGrpSpPr/>
+        <p:nvPr/>
+      </p:nvGrpSpPr>
+      <p:grpSpPr>
+        <a:xfrm>
+          <a:off x="0" y="0"/>
+          <a:ext cx="0" cy="0"/>
+          <a:chOff x="0" y="0"/>
+          <a:chExt cx="0" cy="0"/>
+        </a:xfrm>
+      </p:grpSpPr>
+      <p:sp useBgFill="1">
+        <p:nvSpPr>
+          <p:cNvPr id="10" name="Rectangle 9">
+            <a:extLst>
+              <a:ext uri="{FF2B5EF4-FFF2-40B4-BE49-F238E27FC236}">
+                <a16:creationId xmlns:a16="http://schemas.microsoft.com/office/drawing/2014/main" id="{BACC6370-2D7E-4714-9D71-7542949D7D5D}"/>
+              </a:ext>
+              <a:ext uri="{C183D7F6-B498-43B3-948B-1728B52AA6E4}">
+                <adec:decorative xmlns:adec="http://schemas.microsoft.com/office/drawing/2017/decorative" val="1"/>
+              </a:ext>
+            </a:extLst>
+          </p:cNvPr>
+          <p:cNvSpPr>
+            <a:spLocks noGrp="1" noRot="1" noChangeAspect="1" noMove="1" noResize="1" noEditPoints="1" noAdjustHandles="1" noChangeArrowheads="1" noChangeShapeType="1" noTextEdit="1"/>
+          </p:cNvSpPr>
+          <p:nvPr>
+            <p:extLst>
+              <p:ext uri="{386F3935-93C4-4BCD-93E2-E3B085C9AB24}">
+                <p16:designElem xmlns:p16="http://schemas.microsoft.com/office/powerpoint/2015/main" val="1"/>
+              </p:ext>
+            </p:extLst>
+          </p:nvPr>
+        </p:nvSpPr>
+        <p:spPr>
+          <a:xfrm>
+            <a:off x="0" y="0"/>
+            <a:ext cx="12192000" cy="6858000"/>
+          </a:xfrm>
+          <a:prstGeom prst="rect">
+            <a:avLst/>
+          </a:prstGeom>
+          <a:ln w="12700" cap="flat" cmpd="sng" algn="ctr">
+            <a:noFill/>
+            <a:prstDash val="solid"/>
+            <a:miter lim="800000"/>
+          </a:ln>
+          <a:effectLst/>
+          <a:extLst>
+            <a:ext uri="{91240B29-F687-4F45-9708-019B960494DF}">
+              <a14:hiddenLine xmlns:a14="http://schemas.microsoft.com/office/drawing/2010/main" w="12700" cap="flat" cmpd="sng" algn="ctr">
+                <a:solidFill>
+                  <a:schemeClr val="accent1">
+                    <a:shade val="50000"/>
+                  </a:schemeClr>
+                </a:solidFill>
+                <a:prstDash val="solid"/>
+                <a:miter lim="800000"/>
+              </a14:hiddenLine>
+            </a:ext>
+          </a:extLst>
+        </p:spPr>
+        <p:style>
+          <a:lnRef idx="2">
+            <a:schemeClr val="accent1">
+              <a:shade val="50000"/>
+            </a:schemeClr>
+          </a:lnRef>
+          <a:fillRef idx="1">
+            <a:schemeClr val="accent1"/>
+          </a:fillRef>
+          <a:effectRef idx="0">
+            <a:schemeClr val="accent1"/>
+          </a:effectRef>
+          <a:fontRef idx="minor">
+            <a:schemeClr val="lt1"/>
+          </a:fontRef>
+        </p:style>
+        <p:txBody>
+          <a:bodyPr rtlCol="0" anchor="ctr"/>
+          <a:lstStyle/>
+          <a:p>
+            <a:pPr algn="ctr"/>
+            <a:endParaRPr lang="en-US"/>
+          </a:p>
+        </p:txBody>
+      </p:sp>
+      <p:sp>
+        <p:nvSpPr>
+          <p:cNvPr id="12" name="Rectangle 11">
+            <a:extLst>
+              <a:ext uri="{FF2B5EF4-FFF2-40B4-BE49-F238E27FC236}">
+                <a16:creationId xmlns:a16="http://schemas.microsoft.com/office/drawing/2014/main" id="{F68B3F68-107C-434F-AA38-110D5EA91B85}"/>
+              </a:ext>
+              <a:ext uri="{C183D7F6-B498-43B3-948B-1728B52AA6E4}">
+                <adec:decorative xmlns:adec="http://schemas.microsoft.com/office/drawing/2017/decorative" val="1"/>
+              </a:ext>
+            </a:extLst>
+          </p:cNvPr>
+          <p:cNvSpPr>
+            <a:spLocks noGrp="1" noRot="1" noChangeAspect="1" noMove="1" noResize="1" noEditPoints="1" noAdjustHandles="1" noChangeArrowheads="1" noChangeShapeType="1" noTextEdit="1"/>
+          </p:cNvSpPr>
+          <p:nvPr>
+            <p:extLst>
+              <p:ext uri="{386F3935-93C4-4BCD-93E2-E3B085C9AB24}">
+                <p16:designElem xmlns:p16="http://schemas.microsoft.com/office/powerpoint/2015/main" val="1"/>
+              </p:ext>
+            </p:extLst>
+          </p:nvPr>
+        </p:nvSpPr>
+        <p:spPr>
+          <a:xfrm flipH="1">
+            <a:off x="2" y="0"/>
+            <a:ext cx="12191998" cy="1575955"/>
+          </a:xfrm>
+          <a:prstGeom prst="rect">
+            <a:avLst/>
+          </a:prstGeom>
+          <a:gradFill>
+            <a:gsLst>
+              <a:gs pos="0">
+                <a:srgbClr val="000000">
+                  <a:alpha val="96000"/>
+                </a:srgbClr>
+              </a:gs>
+              <a:gs pos="100000">
+                <a:schemeClr val="accent1">
+                  <a:lumMod val="75000"/>
+                </a:schemeClr>
+              </a:gs>
+            </a:gsLst>
+            <a:lin ang="8400000" scaled="0"/>
+          </a:gradFill>
+          <a:ln>
+            <a:noFill/>
+          </a:ln>
+        </p:spPr>
+        <p:style>
+          <a:lnRef idx="2">
+            <a:schemeClr val="accent1">
+              <a:shade val="50000"/>
+            </a:schemeClr>
+          </a:lnRef>
+          <a:fillRef idx="1">
+            <a:schemeClr val="accent1"/>
+          </a:fillRef>
+          <a:effectRef idx="0">
+            <a:schemeClr val="accent1"/>
+          </a:effectRef>
+          <a:fontRef idx="minor">
+            <a:schemeClr val="lt1"/>
+          </a:fontRef>
+        </p:style>
+        <p:txBody>
+          <a:bodyPr rtlCol="0" anchor="ctr"/>
+          <a:lstStyle/>
+          <a:p>
+            <a:pPr algn="ctr"/>
+            <a:endParaRPr lang="en-US"/>
+          </a:p>
+        </p:txBody>
+      </p:sp>
+      <p:sp>
+        <p:nvSpPr>
+          <p:cNvPr id="14" name="Rectangle 13">
+            <a:extLst>
+              <a:ext uri="{FF2B5EF4-FFF2-40B4-BE49-F238E27FC236}">
+                <a16:creationId xmlns:a16="http://schemas.microsoft.com/office/drawing/2014/main" id="{AAD0DBB9-1A4B-4391-81D4-CB19F9AB918A}"/>
+              </a:ext>
+              <a:ext uri="{C183D7F6-B498-43B3-948B-1728B52AA6E4}">
+                <adec:decorative xmlns:adec="http://schemas.microsoft.com/office/drawing/2017/decorative" val="1"/>
+              </a:ext>
+            </a:extLst>
+          </p:cNvPr>
+          <p:cNvSpPr>
+            <a:spLocks noGrp="1" noRot="1" noChangeAspect="1" noMove="1" noResize="1" noEditPoints="1" noAdjustHandles="1" noChangeArrowheads="1" noChangeShapeType="1" noTextEdit="1"/>
+          </p:cNvSpPr>
+          <p:nvPr>
+            <p:extLst>
+              <p:ext uri="{386F3935-93C4-4BCD-93E2-E3B085C9AB24}">
+                <p16:designElem xmlns:p16="http://schemas.microsoft.com/office/powerpoint/2015/main" val="1"/>
+              </p:ext>
+            </p:extLst>
+          </p:nvPr>
+        </p:nvSpPr>
+        <p:spPr>
+          <a:xfrm rot="10800000" flipH="1">
+            <a:off x="8128857" y="0"/>
+            <a:ext cx="4063143" cy="1576412"/>
+          </a:xfrm>
+          <a:prstGeom prst="rect">
+            <a:avLst/>
+          </a:prstGeom>
+          <a:gradFill>
+            <a:gsLst>
+              <a:gs pos="19000">
+                <a:schemeClr val="accent1">
+                  <a:lumMod val="50000"/>
+                  <a:alpha val="68000"/>
+                </a:schemeClr>
+              </a:gs>
+              <a:gs pos="100000">
+                <a:schemeClr val="accent1">
+                  <a:alpha val="79000"/>
+                </a:schemeClr>
+              </a:gs>
+            </a:gsLst>
+            <a:lin ang="19200000" scaled="0"/>
+          </a:gradFill>
+          <a:ln>
+            <a:noFill/>
+          </a:ln>
+        </p:spPr>
+        <p:style>
+          <a:lnRef idx="2">
+            <a:schemeClr val="accent1">
+              <a:shade val="50000"/>
+            </a:schemeClr>
+          </a:lnRef>
+          <a:fillRef idx="1">
+            <a:schemeClr val="accent1"/>
+          </a:fillRef>
+          <a:effectRef idx="0">
+            <a:schemeClr val="accent1"/>
+          </a:effectRef>
+          <a:fontRef idx="minor">
+            <a:schemeClr val="lt1"/>
+          </a:fontRef>
+        </p:style>
+        <p:txBody>
+          <a:bodyPr rtlCol="0" anchor="ctr"/>
+          <a:lstStyle/>
+          <a:p>
+            <a:pPr algn="ctr"/>
+            <a:endParaRPr lang="en-US"/>
+          </a:p>
+        </p:txBody>
+      </p:sp>
+      <p:sp>
+        <p:nvSpPr>
+          <p:cNvPr id="16" name="Rectangle 15">
+            <a:extLst>
+              <a:ext uri="{FF2B5EF4-FFF2-40B4-BE49-F238E27FC236}">
+                <a16:creationId xmlns:a16="http://schemas.microsoft.com/office/drawing/2014/main" id="{063BBA22-50EA-4C4D-BE05-F1CE4E63AA56}"/>
+              </a:ext>
+              <a:ext uri="{C183D7F6-B498-43B3-948B-1728B52AA6E4}">
+                <adec:decorative xmlns:adec="http://schemas.microsoft.com/office/drawing/2017/decorative" val="1"/>
+              </a:ext>
+            </a:extLst>
+          </p:cNvPr>
+          <p:cNvSpPr>
+            <a:spLocks noGrp="1" noRot="1" noChangeAspect="1" noMove="1" noResize="1" noEditPoints="1" noAdjustHandles="1" noChangeArrowheads="1" noChangeShapeType="1" noTextEdit="1"/>
+          </p:cNvSpPr>
+          <p:nvPr>
+            <p:extLst>
+              <p:ext uri="{386F3935-93C4-4BCD-93E2-E3B085C9AB24}">
+                <p16:designElem xmlns:p16="http://schemas.microsoft.com/office/powerpoint/2015/main" val="1"/>
+              </p:ext>
+            </p:extLst>
+          </p:nvPr>
+        </p:nvSpPr>
+        <p:spPr>
+          <a:xfrm rot="5400000">
+            <a:off x="5307777" y="-5307778"/>
+            <a:ext cx="1576446" cy="12192002"/>
+          </a:xfrm>
+          <a:prstGeom prst="rect">
+            <a:avLst/>
+          </a:prstGeom>
+          <a:gradFill>
+            <a:gsLst>
+              <a:gs pos="23000">
+                <a:schemeClr val="accent1">
+                  <a:alpha val="0"/>
+                </a:schemeClr>
+              </a:gs>
+              <a:gs pos="99000">
+                <a:srgbClr val="000000">
+                  <a:alpha val="74000"/>
+                </a:srgbClr>
+              </a:gs>
+            </a:gsLst>
+            <a:lin ang="20400000" scaled="0"/>
+          </a:gradFill>
+          <a:ln>
+            <a:noFill/>
+          </a:ln>
+        </p:spPr>
+        <p:style>
+          <a:lnRef idx="2">
+            <a:schemeClr val="accent1">
+              <a:shade val="50000"/>
+            </a:schemeClr>
+          </a:lnRef>
+          <a:fillRef idx="1">
+            <a:schemeClr val="accent1"/>
+          </a:fillRef>
+          <a:effectRef idx="0">
+            <a:schemeClr val="accent1"/>
+          </a:effectRef>
+          <a:fontRef idx="minor">
+            <a:schemeClr val="lt1"/>
+          </a:fontRef>
+        </p:style>
+        <p:txBody>
+          <a:bodyPr rtlCol="0" anchor="ctr"/>
+          <a:lstStyle/>
+          <a:p>
+            <a:pPr algn="ctr"/>
+            <a:endParaRPr lang="en-US" dirty="0"/>
+          </a:p>
+        </p:txBody>
+      </p:sp>
+      <p:sp>
+        <p:nvSpPr>
+          <p:cNvPr id="2" name="Title 1">
+            <a:extLst>
+              <a:ext uri="{FF2B5EF4-FFF2-40B4-BE49-F238E27FC236}">
+                <a16:creationId xmlns:a16="http://schemas.microsoft.com/office/drawing/2014/main" id="{15E52C68-32C1-F639-9245-FBA512682234}"/>
+              </a:ext>
+            </a:extLst>
+          </p:cNvPr>
+          <p:cNvSpPr>
+            <a:spLocks noGrp="1"/>
+          </p:cNvSpPr>
+          <p:nvPr>
+            <p:ph type="title"/>
+          </p:nvPr>
+        </p:nvSpPr>
+        <p:spPr>
+          <a:xfrm>
+            <a:off x="1371597" y="348865"/>
+            <a:ext cx="10044023" cy="877729"/>
+          </a:xfrm>
+        </p:spPr>
+        <p:txBody>
+          <a:bodyPr anchor="ctr">
+            <a:normAutofit/>
+          </a:bodyPr>
+          <a:lstStyle/>
+          <a:p>
+            <a:r>
+              <a:rPr lang="en-US" sz="4000">
+                <a:solidFill>
+                  <a:srgbClr val="FFFFFF"/>
+                </a:solidFill>
+              </a:rPr>
+              <a:t>Schmidt &amp; Hunter (1998)</a:t>
+            </a:r>
+          </a:p>
+        </p:txBody>
+      </p:sp>
+      <p:pic>
+        <p:nvPicPr>
+          <p:cNvPr id="4" name="Content Placeholder 3">
+            <a:extLst>
+              <a:ext uri="{FF2B5EF4-FFF2-40B4-BE49-F238E27FC236}">
+                <a16:creationId xmlns:a16="http://schemas.microsoft.com/office/drawing/2014/main" id="{ED9006D3-C51D-DD6A-447D-13A340EE0050}"/>
+              </a:ext>
+            </a:extLst>
+          </p:cNvPr>
+          <p:cNvPicPr>
+            <a:picLocks noGrp="1" noChangeAspect="1"/>
+          </p:cNvPicPr>
+          <p:nvPr>
+            <p:ph idx="1"/>
+          </p:nvPr>
+        </p:nvPicPr>
+        <p:blipFill>
+          <a:blip r:embed="rId2"/>
+          <a:stretch>
+            <a:fillRect/>
+          </a:stretch>
+        </p:blipFill>
+        <p:spPr>
+          <a:xfrm>
+            <a:off x="644056" y="2563620"/>
+            <a:ext cx="9807222" cy="2962119"/>
+          </a:xfrm>
+          <a:prstGeom prst="rect">
+            <a:avLst/>
+          </a:prstGeom>
+        </p:spPr>
+      </p:pic>
+      <p:pic>
+        <p:nvPicPr>
+          <p:cNvPr id="5" name="Picture 4">
+            <a:extLst>
+              <a:ext uri="{FF2B5EF4-FFF2-40B4-BE49-F238E27FC236}">
+                <a16:creationId xmlns:a16="http://schemas.microsoft.com/office/drawing/2014/main" id="{3A55A4BD-D4F3-D29F-9962-30805A71A737}"/>
+              </a:ext>
+            </a:extLst>
+          </p:cNvPr>
+          <p:cNvPicPr>
+            <a:picLocks noChangeAspect="1"/>
+          </p:cNvPicPr>
+          <p:nvPr/>
+        </p:nvPicPr>
+        <p:blipFill>
+          <a:blip r:embed="rId3"/>
+          <a:stretch>
+            <a:fillRect/>
+          </a:stretch>
+        </p:blipFill>
+        <p:spPr>
+          <a:xfrm>
+            <a:off x="815257" y="6027568"/>
+            <a:ext cx="10781342" cy="328603"/>
+          </a:xfrm>
+          <a:prstGeom prst="rect">
+            <a:avLst/>
+          </a:prstGeom>
+        </p:spPr>
+      </p:pic>
+    </p:spTree>
+    <p:extLst>
+      <p:ext uri="{BB962C8B-B14F-4D97-AF65-F5344CB8AC3E}">
+        <p14:creationId xmlns:p14="http://schemas.microsoft.com/office/powerpoint/2010/main" val="925680183"/>
+      </p:ext>
+    </p:extLst>
+  </p:cSld>
+  <p:clrMapOvr>
+    <a:masterClrMapping/>
+  </p:clrMapOvr>
+  <p:timing>
+    <p:tnLst>
+      <p:par>
+        <p:cTn id="1" dur="indefinite" restart="never" nodeType="tmRoot">
+          <p:childTnLst>
+            <p:seq concurrent="1" nextAc="seek">
+              <p:cTn id="2" dur="indefinite" nodeType="mainSeq">
+                <p:childTnLst>
+                  <p:par>
+                    <p:cTn id="3" fill="hold">
+                      <p:stCondLst>
+                        <p:cond delay="indefinite"/>
+                      </p:stCondLst>
+                      <p:childTnLst>
+                        <p:par>
+                          <p:cTn id="4" fill="hold">
+                            <p:stCondLst>
+                              <p:cond delay="0"/>
+                            </p:stCondLst>
+                            <p:childTnLst>
+                              <p:par>
+                                <p:cTn id="5" presetID="3" presetClass="entr" presetSubtype="10" fill="hold" nodeType="clickEffect">
+                                  <p:stCondLst>
+                                    <p:cond delay="0"/>
+                                  </p:stCondLst>
+                                  <p:childTnLst>
+                                    <p:set>
+                                      <p:cBhvr>
+                                        <p:cTn id="6" dur="1" fill="hold">
+                                          <p:stCondLst>
+                                            <p:cond delay="0"/>
+                                          </p:stCondLst>
+                                        </p:cTn>
+                                        <p:tgtEl>
+                                          <p:spTgt spid="5"/>
+                                        </p:tgtEl>
+                                        <p:attrNameLst>
+                                          <p:attrName>style.visibility</p:attrName>
+                                        </p:attrNameLst>
+                                      </p:cBhvr>
+                                      <p:to>
+                                        <p:strVal val="visible"/>
+                                      </p:to>
+                                    </p:set>
+                                    <p:animEffect transition="in" filter="blinds(horizontal)">
+                                      <p:cBhvr>
+                                        <p:cTn id="7" dur="500"/>
+                                        <p:tgtEl>
+                                          <p:spTgt spid="5"/>
+                                        </p:tgtEl>
+                                      </p:cBhvr>
+                                    </p:animEffect>
+                                  </p:childTnLst>
+                                </p:cTn>
+                              </p:par>
+                            </p:childTnLst>
+                          </p:cTn>
+                        </p:par>
+                      </p:childTnLst>
+                    </p:cTn>
+                  </p:par>
+                </p:childTnLst>
+              </p:cTn>
+              <p:prevCondLst>
+                <p:cond evt="onPrev" delay="0">
+                  <p:tgtEl>
+                    <p:sldTgt/>
+                  </p:tgtEl>
+                </p:cond>
+              </p:prevCondLst>
+              <p:nextCondLst>
+                <p:cond evt="onNext" delay="0">
+                  <p:tgtEl>
+                    <p:sldTgt/>
+                  </p:tgtEl>
+                </p:cond>
+              </p:nextCondLst>
+            </p:seq>
+          </p:childTnLst>
+        </p:cTn>
+      </p:par>
+    </p:tnLst>
+  </p:timing>
+</p:sld>
+</file>
+
+<file path=ppt/slides/slide5.xml><?xml version="1.0" encoding="utf-8"?>
+<p:sld xmlns:a="http://schemas.openxmlformats.org/drawingml/2006/main" xmlns:r="http://schemas.openxmlformats.org/officeDocument/2006/relationships" xmlns:p="http://schemas.openxmlformats.org/presentationml/2006/main">
+  <p:cSld>
+    <p:bg>
+      <p:bgPr>
+        <a:solidFill>
+          <a:schemeClr val="bg1"/>
+        </a:solidFill>
+        <a:effectLst/>
+      </p:bgPr>
+    </p:bg>
+    <p:spTree>
+      <p:nvGrpSpPr>
+        <p:cNvPr id="1" name=""/>
+        <p:cNvGrpSpPr/>
+        <p:nvPr/>
+      </p:nvGrpSpPr>
+      <p:grpSpPr>
+        <a:xfrm>
+          <a:off x="0" y="0"/>
+          <a:ext cx="0" cy="0"/>
+          <a:chOff x="0" y="0"/>
+          <a:chExt cx="0" cy="0"/>
+        </a:xfrm>
+      </p:grpSpPr>
+      <p:sp>
+        <p:nvSpPr>
+          <p:cNvPr id="9" name="Rectangle 8">
+            <a:extLst>
+              <a:ext uri="{FF2B5EF4-FFF2-40B4-BE49-F238E27FC236}">
+                <a16:creationId xmlns:a16="http://schemas.microsoft.com/office/drawing/2014/main" id="{3A5B4632-C963-4296-86F0-79AA9EA5AE98}"/>
+              </a:ext>
+              <a:ext uri="{C183D7F6-B498-43B3-948B-1728B52AA6E4}">
+                <adec:decorative xmlns:adec="http://schemas.microsoft.com/office/drawing/2017/decorative" val="1"/>
+              </a:ext>
+            </a:extLst>
+          </p:cNvPr>
+          <p:cNvSpPr>
+            <a:spLocks noGrp="1" noRot="1" noChangeAspect="1" noMove="1" noResize="1" noEditPoints="1" noAdjustHandles="1" noChangeArrowheads="1" noChangeShapeType="1" noTextEdit="1"/>
+          </p:cNvSpPr>
+          <p:nvPr>
+            <p:extLst>
+              <p:ext uri="{386F3935-93C4-4BCD-93E2-E3B085C9AB24}">
+                <p16:designElem xmlns:p16="http://schemas.microsoft.com/office/powerpoint/2015/main" val="1"/>
+              </p:ext>
+            </p:extLst>
+          </p:nvPr>
+        </p:nvSpPr>
+        <p:spPr bwMode="ltGray">
+          <a:xfrm>
+            <a:off x="338328" y="303591"/>
+            <a:ext cx="3657600" cy="5896743"/>
+          </a:xfrm>
+          <a:prstGeom prst="rect">
+            <a:avLst/>
+          </a:prstGeom>
+          <a:solidFill>
+            <a:schemeClr val="tx1">
+              <a:lumMod val="75000"/>
+              <a:lumOff val="25000"/>
+            </a:schemeClr>
+          </a:solidFill>
+          <a:ln w="127000" cap="sq" cmpd="thinThick">
+            <a:solidFill>
+              <a:schemeClr val="tx1">
+                <a:lumMod val="75000"/>
+                <a:lumOff val="25000"/>
+              </a:schemeClr>
+            </a:solidFill>
+          </a:ln>
+        </p:spPr>
+        <p:style>
+          <a:lnRef idx="2">
+            <a:schemeClr val="accent1">
+              <a:shade val="50000"/>
+            </a:schemeClr>
+          </a:lnRef>
+          <a:fillRef idx="1">
+            <a:schemeClr val="accent1"/>
+          </a:fillRef>
+          <a:effectRef idx="0">
+            <a:schemeClr val="accent1"/>
+          </a:effectRef>
+          <a:fontRef idx="minor">
+            <a:schemeClr val="lt1"/>
+          </a:fontRef>
+        </p:style>
+        <p:txBody>
+          <a:bodyPr rtlCol="0" anchor="ctr"/>
+          <a:lstStyle/>
+          <a:p>
+            <a:pPr algn="ctr"/>
+            <a:endParaRPr lang="en-US"/>
+          </a:p>
+        </p:txBody>
+      </p:sp>
+      <p:sp>
+        <p:nvSpPr>
+          <p:cNvPr id="2" name="Title 1">
+            <a:extLst>
+              <a:ext uri="{FF2B5EF4-FFF2-40B4-BE49-F238E27FC236}">
+                <a16:creationId xmlns:a16="http://schemas.microsoft.com/office/drawing/2014/main" id="{A5FF6298-2037-566C-A29B-4067C54C6759}"/>
+              </a:ext>
+            </a:extLst>
+          </p:cNvPr>
+          <p:cNvSpPr>
+            <a:spLocks noGrp="1"/>
+          </p:cNvSpPr>
+          <p:nvPr>
+            <p:ph type="title"/>
+          </p:nvPr>
+        </p:nvSpPr>
+        <p:spPr>
+          <a:xfrm>
+            <a:off x="594360" y="637125"/>
+            <a:ext cx="3163824" cy="5256371"/>
+          </a:xfrm>
+        </p:spPr>
+        <p:txBody>
+          <a:bodyPr>
+            <a:normAutofit/>
+          </a:bodyPr>
+          <a:lstStyle/>
+          <a:p>
+            <a:r>
+              <a:rPr lang="en-US">
+                <a:solidFill>
+                  <a:schemeClr val="bg1"/>
+                </a:solidFill>
+              </a:rPr>
+              <a:t>Using Schmidt &amp; Hunters (1998) findings</a:t>
+            </a:r>
+          </a:p>
+        </p:txBody>
+      </p:sp>
+      <p:graphicFrame>
+        <p:nvGraphicFramePr>
+          <p:cNvPr id="4" name="Table 4">
+            <a:extLst>
+              <a:ext uri="{FF2B5EF4-FFF2-40B4-BE49-F238E27FC236}">
+                <a16:creationId xmlns:a16="http://schemas.microsoft.com/office/drawing/2014/main" id="{67002536-0F93-C4DB-2889-7629C2CB2AB7}"/>
+              </a:ext>
+            </a:extLst>
+          </p:cNvPr>
+          <p:cNvGraphicFramePr>
+            <a:graphicFrameLocks noGrp="1"/>
+          </p:cNvGraphicFramePr>
+          <p:nvPr>
+            <p:ph idx="1"/>
+            <p:extLst>
+              <p:ext uri="{D42A27DB-BD31-4B8C-83A1-F6EECF244321}">
+                <p14:modId xmlns:p14="http://schemas.microsoft.com/office/powerpoint/2010/main" val="3132005097"/>
+              </p:ext>
+            </p:extLst>
+          </p:nvPr>
+        </p:nvGraphicFramePr>
+        <p:xfrm>
+          <a:off x="4517136" y="1440507"/>
+          <a:ext cx="7242049" cy="3622913"/>
+        </p:xfrm>
+        <a:graphic>
+          <a:graphicData uri="http://schemas.openxmlformats.org/drawingml/2006/table">
+            <a:tbl>
+              <a:tblPr firstRow="1" bandRow="1">
+                <a:noFill/>
+                <a:tableStyleId>{5C22544A-7EE6-4342-B048-85BDC9FD1C3A}</a:tableStyleId>
+              </a:tblPr>
+              <a:tblGrid>
+                <a:gridCol w="2313380">
+                  <a:extLst>
+                    <a:ext uri="{9D8B030D-6E8A-4147-A177-3AD203B41FA5}">
+                      <a16:colId xmlns:a16="http://schemas.microsoft.com/office/drawing/2014/main" val="2027115004"/>
+                    </a:ext>
+                  </a:extLst>
+                </a:gridCol>
+                <a:gridCol w="1879385">
+                  <a:extLst>
+                    <a:ext uri="{9D8B030D-6E8A-4147-A177-3AD203B41FA5}">
+                      <a16:colId xmlns:a16="http://schemas.microsoft.com/office/drawing/2014/main" val="1071605177"/>
+                    </a:ext>
+                  </a:extLst>
+                </a:gridCol>
+                <a:gridCol w="3049284">
+                  <a:extLst>
+                    <a:ext uri="{9D8B030D-6E8A-4147-A177-3AD203B41FA5}">
+                      <a16:colId xmlns:a16="http://schemas.microsoft.com/office/drawing/2014/main" val="2074830904"/>
+                    </a:ext>
+                  </a:extLst>
+                </a:gridCol>
+              </a:tblGrid>
+              <a:tr h="1141217">
+                <a:tc>
+                  <a:txBody>
+                    <a:bodyPr/>
+                    <a:lstStyle/>
+                    <a:p>
+                      <a:r>
+                        <a:rPr lang="en-US" sz="2700" b="1">
+                          <a:solidFill>
+                            <a:schemeClr val="tx1">
+                              <a:lumMod val="75000"/>
+                              <a:lumOff val="25000"/>
+                            </a:schemeClr>
+                          </a:solidFill>
+                        </a:rPr>
+                        <a:t>Candidate</a:t>
+                      </a:r>
+                    </a:p>
+                  </a:txBody>
+                  <a:tcPr marL="271718" marR="203789" marT="135859" marB="135859">
+                    <a:lnL w="12700" cmpd="sng">
+                      <a:noFill/>
+                      <a:prstDash val="solid"/>
+                    </a:lnL>
+                    <a:lnR w="12700" cmpd="sng">
+                      <a:noFill/>
+                      <a:prstDash val="solid"/>
+                    </a:lnR>
+                    <a:lnT w="9525" cap="flat" cmpd="sng" algn="ctr">
+                      <a:noFill/>
+                      <a:prstDash val="solid"/>
+                    </a:lnT>
+                    <a:lnB w="9525" cap="flat" cmpd="sng" algn="ctr">
+                      <a:solidFill>
+                        <a:srgbClr val="C7C6C1"/>
+                      </a:solidFill>
+                      <a:prstDash val="solid"/>
+                    </a:lnB>
+                    <a:noFill/>
+                  </a:tcPr>
+                </a:tc>
+                <a:tc>
+                  <a:txBody>
+                    <a:bodyPr/>
+                    <a:lstStyle/>
+                    <a:p>
+                      <a:r>
+                        <a:rPr lang="en-US" sz="2700" b="1">
+                          <a:solidFill>
+                            <a:schemeClr val="tx1">
+                              <a:lumMod val="75000"/>
+                              <a:lumOff val="25000"/>
+                            </a:schemeClr>
+                          </a:solidFill>
+                        </a:rPr>
+                        <a:t>GMA (T score)</a:t>
+                      </a:r>
+                    </a:p>
+                  </a:txBody>
+                  <a:tcPr marL="271718" marR="203789" marT="135859" marB="135859">
+                    <a:lnL w="12700" cmpd="sng">
+                      <a:noFill/>
+                      <a:prstDash val="solid"/>
+                    </a:lnL>
+                    <a:lnR w="12700" cmpd="sng">
+                      <a:noFill/>
+                      <a:prstDash val="solid"/>
+                    </a:lnR>
+                    <a:lnT w="9525" cap="flat" cmpd="sng" algn="ctr">
+                      <a:noFill/>
+                      <a:prstDash val="solid"/>
+                    </a:lnT>
+                    <a:lnB w="9525" cap="flat" cmpd="sng" algn="ctr">
+                      <a:solidFill>
+                        <a:srgbClr val="C7C6C1"/>
+                      </a:solidFill>
+                      <a:prstDash val="solid"/>
+                    </a:lnB>
+                    <a:noFill/>
+                  </a:tcPr>
+                </a:tc>
+                <a:tc>
+                  <a:txBody>
+                    <a:bodyPr/>
+                    <a:lstStyle/>
+                    <a:p>
+                      <a:r>
+                        <a:rPr lang="en-US" sz="2700" b="1">
+                          <a:solidFill>
+                            <a:schemeClr val="tx1">
+                              <a:lumMod val="75000"/>
+                              <a:lumOff val="25000"/>
+                            </a:schemeClr>
+                          </a:solidFill>
+                        </a:rPr>
+                        <a:t>Handwriting (T score)</a:t>
+                      </a:r>
+                    </a:p>
+                  </a:txBody>
+                  <a:tcPr marL="271718" marR="203789" marT="135859" marB="135859">
+                    <a:lnL w="12700" cmpd="sng">
+                      <a:noFill/>
+                      <a:prstDash val="solid"/>
+                    </a:lnL>
+                    <a:lnR w="12700" cmpd="sng">
+                      <a:noFill/>
+                      <a:prstDash val="solid"/>
+                    </a:lnR>
+                    <a:lnT w="9525" cap="flat" cmpd="sng" algn="ctr">
+                      <a:noFill/>
+                      <a:prstDash val="solid"/>
+                    </a:lnT>
+                    <a:lnB w="9525" cap="flat" cmpd="sng" algn="ctr">
+                      <a:solidFill>
+                        <a:srgbClr val="C7C6C1"/>
+                      </a:solidFill>
+                      <a:prstDash val="solid"/>
+                    </a:lnB>
+                    <a:noFill/>
+                  </a:tcPr>
+                </a:tc>
+                <a:extLst>
+                  <a:ext uri="{0D108BD9-81ED-4DB2-BD59-A6C34878D82A}">
+                    <a16:rowId xmlns:a16="http://schemas.microsoft.com/office/drawing/2014/main" val="3104775760"/>
+                  </a:ext>
+                </a:extLst>
+              </a:tr>
+              <a:tr h="620424">
+                <a:tc>
+                  <a:txBody>
+                    <a:bodyPr/>
+                    <a:lstStyle/>
+                    <a:p>
+                      <a:r>
+                        <a:rPr lang="en-US" sz="1900">
+                          <a:solidFill>
+                            <a:schemeClr val="tx1">
+                              <a:lumMod val="75000"/>
+                              <a:lumOff val="25000"/>
+                            </a:schemeClr>
+                          </a:solidFill>
+                        </a:rPr>
+                        <a:t>1</a:t>
+                      </a:r>
+                    </a:p>
+                  </a:txBody>
+                  <a:tcPr marL="271718" marR="203789" marT="135859" marB="135859">
+                    <a:lnL w="12700" cmpd="sng">
+                      <a:noFill/>
+                      <a:prstDash val="solid"/>
+                    </a:lnL>
+                    <a:lnR w="12700" cmpd="sng">
+                      <a:noFill/>
+                      <a:prstDash val="solid"/>
+                    </a:lnR>
+                    <a:lnT w="9525" cap="flat" cmpd="sng" algn="ctr">
+                      <a:solidFill>
+                        <a:srgbClr val="C7C6C1"/>
+                      </a:solidFill>
+                      <a:prstDash val="solid"/>
+                    </a:lnT>
+                    <a:lnB w="9525" cap="flat" cmpd="sng" algn="ctr">
+                      <a:solidFill>
+                        <a:srgbClr val="C7C6C1"/>
+                      </a:solidFill>
+                      <a:prstDash val="solid"/>
+                    </a:lnB>
+                    <a:noFill/>
+                  </a:tcPr>
+                </a:tc>
+                <a:tc>
+                  <a:txBody>
+                    <a:bodyPr/>
+                    <a:lstStyle/>
+                    <a:p>
+                      <a:r>
+                        <a:rPr lang="en-US" sz="1900">
+                          <a:solidFill>
+                            <a:schemeClr val="tx1">
+                              <a:lumMod val="75000"/>
+                              <a:lumOff val="25000"/>
+                            </a:schemeClr>
+                          </a:solidFill>
+                        </a:rPr>
+                        <a:t>50</a:t>
+                      </a:r>
+                    </a:p>
+                  </a:txBody>
+                  <a:tcPr marL="271718" marR="203789" marT="135859" marB="135859">
+                    <a:lnL w="12700" cmpd="sng">
+                      <a:noFill/>
+                      <a:prstDash val="solid"/>
+                    </a:lnL>
+                    <a:lnR w="12700" cmpd="sng">
+                      <a:noFill/>
+                      <a:prstDash val="solid"/>
+                    </a:lnR>
+                    <a:lnT w="9525" cap="flat" cmpd="sng" algn="ctr">
+                      <a:solidFill>
+                        <a:srgbClr val="C7C6C1"/>
+                      </a:solidFill>
+                      <a:prstDash val="solid"/>
+                    </a:lnT>
+                    <a:lnB w="9525" cap="flat" cmpd="sng" algn="ctr">
+                      <a:solidFill>
+                        <a:srgbClr val="C7C6C1"/>
+                      </a:solidFill>
+                      <a:prstDash val="solid"/>
+                    </a:lnB>
+                    <a:noFill/>
+                  </a:tcPr>
+                </a:tc>
+                <a:tc>
+                  <a:txBody>
+                    <a:bodyPr/>
+                    <a:lstStyle/>
+                    <a:p>
+                      <a:r>
+                        <a:rPr lang="en-US" sz="1900">
+                          <a:solidFill>
+                            <a:schemeClr val="tx1">
+                              <a:lumMod val="75000"/>
+                              <a:lumOff val="25000"/>
+                            </a:schemeClr>
+                          </a:solidFill>
+                        </a:rPr>
+                        <a:t>50</a:t>
+                      </a:r>
+                    </a:p>
+                  </a:txBody>
+                  <a:tcPr marL="271718" marR="203789" marT="135859" marB="135859">
+                    <a:lnL w="12700" cmpd="sng">
+                      <a:noFill/>
+                      <a:prstDash val="solid"/>
+                    </a:lnL>
+                    <a:lnR w="12700" cmpd="sng">
+                      <a:noFill/>
+                      <a:prstDash val="solid"/>
+                    </a:lnR>
+                    <a:lnT w="9525" cap="flat" cmpd="sng" algn="ctr">
+                      <a:solidFill>
+                        <a:srgbClr val="C7C6C1"/>
+                      </a:solidFill>
+                      <a:prstDash val="solid"/>
+                    </a:lnT>
+                    <a:lnB w="9525" cap="flat" cmpd="sng" algn="ctr">
+                      <a:solidFill>
+                        <a:srgbClr val="C7C6C1"/>
+                      </a:solidFill>
+                      <a:prstDash val="solid"/>
+                    </a:lnB>
+                    <a:noFill/>
+                  </a:tcPr>
+                </a:tc>
+                <a:extLst>
+                  <a:ext uri="{0D108BD9-81ED-4DB2-BD59-A6C34878D82A}">
+                    <a16:rowId xmlns:a16="http://schemas.microsoft.com/office/drawing/2014/main" val="1941447842"/>
+                  </a:ext>
+                </a:extLst>
+              </a:tr>
+              <a:tr h="620424">
+                <a:tc>
+                  <a:txBody>
+                    <a:bodyPr/>
+                    <a:lstStyle/>
+                    <a:p>
+                      <a:r>
+                        <a:rPr lang="en-US" sz="1900">
+                          <a:solidFill>
+                            <a:schemeClr val="tx1">
+                              <a:lumMod val="75000"/>
+                              <a:lumOff val="25000"/>
+                            </a:schemeClr>
+                          </a:solidFill>
+                        </a:rPr>
+                        <a:t>2</a:t>
+                      </a:r>
+                    </a:p>
+                  </a:txBody>
+                  <a:tcPr marL="271718" marR="203789" marT="135859" marB="135859">
+                    <a:lnL w="12700" cmpd="sng">
+                      <a:noFill/>
+                      <a:prstDash val="solid"/>
+                    </a:lnL>
+                    <a:lnR w="12700" cmpd="sng">
+                      <a:noFill/>
+                      <a:prstDash val="solid"/>
+                    </a:lnR>
+                    <a:lnT w="9525" cap="flat" cmpd="sng" algn="ctr">
+                      <a:solidFill>
+                        <a:srgbClr val="C7C6C1"/>
+                      </a:solidFill>
+                      <a:prstDash val="solid"/>
+                    </a:lnT>
+                    <a:lnB w="9525" cap="flat" cmpd="sng" algn="ctr">
+                      <a:solidFill>
+                        <a:srgbClr val="C7C6C1"/>
+                      </a:solidFill>
+                      <a:prstDash val="solid"/>
+                    </a:lnB>
+                    <a:noFill/>
+                  </a:tcPr>
+                </a:tc>
+                <a:tc>
+                  <a:txBody>
+                    <a:bodyPr/>
+                    <a:lstStyle/>
+                    <a:p>
+                      <a:r>
+                        <a:rPr lang="en-US" sz="1900">
+                          <a:solidFill>
+                            <a:schemeClr val="tx1">
+                              <a:lumMod val="75000"/>
+                              <a:lumOff val="25000"/>
+                            </a:schemeClr>
+                          </a:solidFill>
+                        </a:rPr>
+                        <a:t>40</a:t>
+                      </a:r>
+                    </a:p>
+                  </a:txBody>
+                  <a:tcPr marL="271718" marR="203789" marT="135859" marB="135859">
+                    <a:lnL w="12700" cmpd="sng">
+                      <a:noFill/>
+                      <a:prstDash val="solid"/>
+                    </a:lnL>
+                    <a:lnR w="12700" cmpd="sng">
+                      <a:noFill/>
+                      <a:prstDash val="solid"/>
+                    </a:lnR>
+                    <a:lnT w="9525" cap="flat" cmpd="sng" algn="ctr">
+                      <a:solidFill>
+                        <a:srgbClr val="C7C6C1"/>
+                      </a:solidFill>
+                      <a:prstDash val="solid"/>
+                    </a:lnT>
+                    <a:lnB w="9525" cap="flat" cmpd="sng" algn="ctr">
+                      <a:solidFill>
+                        <a:srgbClr val="C7C6C1"/>
+                      </a:solidFill>
+                      <a:prstDash val="solid"/>
+                    </a:lnB>
+                    <a:noFill/>
+                  </a:tcPr>
+                </a:tc>
+                <a:tc>
+                  <a:txBody>
+                    <a:bodyPr/>
+                    <a:lstStyle/>
+                    <a:p>
+                      <a:r>
+                        <a:rPr lang="en-US" sz="1900">
+                          <a:solidFill>
+                            <a:schemeClr val="tx1">
+                              <a:lumMod val="75000"/>
+                              <a:lumOff val="25000"/>
+                            </a:schemeClr>
+                          </a:solidFill>
+                        </a:rPr>
+                        <a:t>75</a:t>
+                      </a:r>
+                    </a:p>
+                  </a:txBody>
+                  <a:tcPr marL="271718" marR="203789" marT="135859" marB="135859">
+                    <a:lnL w="12700" cmpd="sng">
+                      <a:noFill/>
+                      <a:prstDash val="solid"/>
+                    </a:lnL>
+                    <a:lnR w="12700" cmpd="sng">
+                      <a:noFill/>
+                      <a:prstDash val="solid"/>
+                    </a:lnR>
+                    <a:lnT w="9525" cap="flat" cmpd="sng" algn="ctr">
+                      <a:solidFill>
+                        <a:srgbClr val="C7C6C1"/>
+                      </a:solidFill>
+                      <a:prstDash val="solid"/>
+                    </a:lnT>
+                    <a:lnB w="9525" cap="flat" cmpd="sng" algn="ctr">
+                      <a:solidFill>
+                        <a:srgbClr val="C7C6C1"/>
+                      </a:solidFill>
+                      <a:prstDash val="solid"/>
+                    </a:lnB>
+                    <a:noFill/>
+                  </a:tcPr>
+                </a:tc>
+                <a:extLst>
+                  <a:ext uri="{0D108BD9-81ED-4DB2-BD59-A6C34878D82A}">
+                    <a16:rowId xmlns:a16="http://schemas.microsoft.com/office/drawing/2014/main" val="3455105945"/>
+                  </a:ext>
+                </a:extLst>
+              </a:tr>
+              <a:tr h="620424">
+                <a:tc>
+                  <a:txBody>
+                    <a:bodyPr/>
+                    <a:lstStyle/>
+                    <a:p>
+                      <a:r>
+                        <a:rPr lang="en-US" sz="1900">
+                          <a:solidFill>
+                            <a:schemeClr val="tx1">
+                              <a:lumMod val="75000"/>
+                              <a:lumOff val="25000"/>
+                            </a:schemeClr>
+                          </a:solidFill>
+                        </a:rPr>
+                        <a:t>3</a:t>
+                      </a:r>
+                    </a:p>
+                  </a:txBody>
+                  <a:tcPr marL="271718" marR="203789" marT="135859" marB="135859">
+                    <a:lnL w="12700" cmpd="sng">
+                      <a:noFill/>
+                      <a:prstDash val="solid"/>
+                    </a:lnL>
+                    <a:lnR w="12700" cmpd="sng">
+                      <a:noFill/>
+                      <a:prstDash val="solid"/>
+                    </a:lnR>
+                    <a:lnT w="9525" cap="flat" cmpd="sng" algn="ctr">
+                      <a:solidFill>
+                        <a:srgbClr val="C7C6C1"/>
+                      </a:solidFill>
+                      <a:prstDash val="solid"/>
+                    </a:lnT>
+                    <a:lnB w="9525" cap="flat" cmpd="sng" algn="ctr">
+                      <a:solidFill>
+                        <a:srgbClr val="C7C6C1"/>
+                      </a:solidFill>
+                      <a:prstDash val="solid"/>
+                    </a:lnB>
+                    <a:noFill/>
+                  </a:tcPr>
+                </a:tc>
+                <a:tc>
+                  <a:txBody>
+                    <a:bodyPr/>
+                    <a:lstStyle/>
+                    <a:p>
+                      <a:r>
+                        <a:rPr lang="en-US" sz="1900">
+                          <a:solidFill>
+                            <a:schemeClr val="tx1">
+                              <a:lumMod val="75000"/>
+                              <a:lumOff val="25000"/>
+                            </a:schemeClr>
+                          </a:solidFill>
+                        </a:rPr>
+                        <a:t>60</a:t>
+                      </a:r>
+                    </a:p>
+                  </a:txBody>
+                  <a:tcPr marL="271718" marR="203789" marT="135859" marB="135859">
+                    <a:lnL w="12700" cmpd="sng">
+                      <a:noFill/>
+                      <a:prstDash val="solid"/>
+                    </a:lnL>
+                    <a:lnR w="12700" cmpd="sng">
+                      <a:noFill/>
+                      <a:prstDash val="solid"/>
+                    </a:lnR>
+                    <a:lnT w="9525" cap="flat" cmpd="sng" algn="ctr">
+                      <a:solidFill>
+                        <a:srgbClr val="C7C6C1"/>
+                      </a:solidFill>
+                      <a:prstDash val="solid"/>
+                    </a:lnT>
+                    <a:lnB w="9525" cap="flat" cmpd="sng" algn="ctr">
+                      <a:solidFill>
+                        <a:srgbClr val="C7C6C1"/>
+                      </a:solidFill>
+                      <a:prstDash val="solid"/>
+                    </a:lnB>
+                    <a:noFill/>
+                  </a:tcPr>
+                </a:tc>
+                <a:tc>
+                  <a:txBody>
+                    <a:bodyPr/>
+                    <a:lstStyle/>
+                    <a:p>
+                      <a:r>
+                        <a:rPr lang="en-US" sz="1900">
+                          <a:solidFill>
+                            <a:schemeClr val="tx1">
+                              <a:lumMod val="75000"/>
+                              <a:lumOff val="25000"/>
+                            </a:schemeClr>
+                          </a:solidFill>
+                        </a:rPr>
+                        <a:t>30</a:t>
+                      </a:r>
+                    </a:p>
+                  </a:txBody>
+                  <a:tcPr marL="271718" marR="203789" marT="135859" marB="135859">
+                    <a:lnL w="12700" cmpd="sng">
+                      <a:noFill/>
+                      <a:prstDash val="solid"/>
+                    </a:lnL>
+                    <a:lnR w="12700" cmpd="sng">
+                      <a:noFill/>
+                      <a:prstDash val="solid"/>
+                    </a:lnR>
+                    <a:lnT w="9525" cap="flat" cmpd="sng" algn="ctr">
+                      <a:solidFill>
+                        <a:srgbClr val="C7C6C1"/>
+                      </a:solidFill>
+                      <a:prstDash val="solid"/>
+                    </a:lnT>
+                    <a:lnB w="9525" cap="flat" cmpd="sng" algn="ctr">
+                      <a:solidFill>
+                        <a:srgbClr val="C7C6C1"/>
+                      </a:solidFill>
+                      <a:prstDash val="solid"/>
+                    </a:lnB>
+                    <a:noFill/>
+                  </a:tcPr>
+                </a:tc>
+                <a:extLst>
+                  <a:ext uri="{0D108BD9-81ED-4DB2-BD59-A6C34878D82A}">
+                    <a16:rowId xmlns:a16="http://schemas.microsoft.com/office/drawing/2014/main" val="3476667592"/>
+                  </a:ext>
+                </a:extLst>
+              </a:tr>
+              <a:tr h="620424">
+                <a:tc>
+                  <a:txBody>
+                    <a:bodyPr/>
+                    <a:lstStyle/>
+                    <a:p>
+                      <a:r>
+                        <a:rPr lang="en-US" sz="1900">
+                          <a:solidFill>
+                            <a:schemeClr val="tx1">
+                              <a:lumMod val="75000"/>
+                              <a:lumOff val="25000"/>
+                            </a:schemeClr>
+                          </a:solidFill>
+                        </a:rPr>
+                        <a:t>4</a:t>
+                      </a:r>
+                    </a:p>
+                  </a:txBody>
+                  <a:tcPr marL="271718" marR="203789" marT="135859" marB="135859">
+                    <a:lnL w="12700" cmpd="sng">
+                      <a:noFill/>
+                      <a:prstDash val="solid"/>
+                    </a:lnL>
+                    <a:lnR w="12700" cmpd="sng">
+                      <a:noFill/>
+                      <a:prstDash val="solid"/>
+                    </a:lnR>
+                    <a:lnT w="9525" cap="flat" cmpd="sng" algn="ctr">
+                      <a:solidFill>
+                        <a:srgbClr val="C7C6C1"/>
+                      </a:solidFill>
+                      <a:prstDash val="solid"/>
+                    </a:lnT>
+                    <a:lnB w="9525" cap="flat" cmpd="sng" algn="ctr">
+                      <a:solidFill>
+                        <a:srgbClr val="C7C6C1"/>
+                      </a:solidFill>
+                      <a:prstDash val="solid"/>
+                    </a:lnB>
+                    <a:noFill/>
+                  </a:tcPr>
+                </a:tc>
+                <a:tc>
+                  <a:txBody>
+                    <a:bodyPr/>
+                    <a:lstStyle/>
+                    <a:p>
+                      <a:r>
+                        <a:rPr lang="en-US" sz="1900">
+                          <a:solidFill>
+                            <a:schemeClr val="tx1">
+                              <a:lumMod val="75000"/>
+                              <a:lumOff val="25000"/>
+                            </a:schemeClr>
+                          </a:solidFill>
+                        </a:rPr>
+                        <a:t>50</a:t>
+                      </a:r>
+                    </a:p>
+                  </a:txBody>
+                  <a:tcPr marL="271718" marR="203789" marT="135859" marB="135859">
+                    <a:lnL w="12700" cmpd="sng">
+                      <a:noFill/>
+                      <a:prstDash val="solid"/>
+                    </a:lnL>
+                    <a:lnR w="12700" cmpd="sng">
+                      <a:noFill/>
+                      <a:prstDash val="solid"/>
+                    </a:lnR>
+                    <a:lnT w="9525" cap="flat" cmpd="sng" algn="ctr">
+                      <a:solidFill>
+                        <a:srgbClr val="C7C6C1"/>
+                      </a:solidFill>
+                      <a:prstDash val="solid"/>
+                    </a:lnT>
+                    <a:lnB w="9525" cap="flat" cmpd="sng" algn="ctr">
+                      <a:solidFill>
+                        <a:srgbClr val="C7C6C1"/>
+                      </a:solidFill>
+                      <a:prstDash val="solid"/>
+                    </a:lnB>
+                    <a:noFill/>
+                  </a:tcPr>
+                </a:tc>
+                <a:tc>
+                  <a:txBody>
+                    <a:bodyPr/>
+                    <a:lstStyle/>
+                    <a:p>
+                      <a:r>
+                        <a:rPr lang="en-US" sz="1900">
+                          <a:solidFill>
+                            <a:schemeClr val="tx1">
+                              <a:lumMod val="75000"/>
+                              <a:lumOff val="25000"/>
+                            </a:schemeClr>
+                          </a:solidFill>
+                        </a:rPr>
+                        <a:t>70</a:t>
+                      </a:r>
+                    </a:p>
+                  </a:txBody>
+                  <a:tcPr marL="271718" marR="203789" marT="135859" marB="135859">
+                    <a:lnL w="12700" cmpd="sng">
+                      <a:noFill/>
+                      <a:prstDash val="solid"/>
+                    </a:lnL>
+                    <a:lnR w="12700" cmpd="sng">
+                      <a:noFill/>
+                      <a:prstDash val="solid"/>
+                    </a:lnR>
+                    <a:lnT w="9525" cap="flat" cmpd="sng" algn="ctr">
+                      <a:solidFill>
+                        <a:srgbClr val="C7C6C1"/>
+                      </a:solidFill>
+                      <a:prstDash val="solid"/>
+                    </a:lnT>
+                    <a:lnB w="9525" cap="flat" cmpd="sng" algn="ctr">
+                      <a:solidFill>
+                        <a:srgbClr val="C7C6C1"/>
+                      </a:solidFill>
+                      <a:prstDash val="solid"/>
+                    </a:lnB>
+                    <a:noFill/>
+                  </a:tcPr>
+                </a:tc>
+                <a:extLst>
+                  <a:ext uri="{0D108BD9-81ED-4DB2-BD59-A6C34878D82A}">
+                    <a16:rowId xmlns:a16="http://schemas.microsoft.com/office/drawing/2014/main" val="1736068405"/>
+                  </a:ext>
+                </a:extLst>
+              </a:tr>
+            </a:tbl>
+          </a:graphicData>
+        </a:graphic>
+      </p:graphicFrame>
+    </p:spTree>
+    <p:extLst>
+      <p:ext uri="{BB962C8B-B14F-4D97-AF65-F5344CB8AC3E}">
+        <p14:creationId xmlns:p14="http://schemas.microsoft.com/office/powerpoint/2010/main" val="1930313485"/>
+      </p:ext>
+    </p:extLst>
+  </p:cSld>
+  <p:clrMapOvr>
+    <a:masterClrMapping/>
+  </p:clrMapOvr>
+</p:sld>
+</file>
+
+<file path=ppt/slides/slide6.xml><?xml version="1.0" encoding="utf-8"?>
+<p:sld xmlns:a="http://schemas.openxmlformats.org/drawingml/2006/main" xmlns:r="http://schemas.openxmlformats.org/officeDocument/2006/relationships" xmlns:p="http://schemas.openxmlformats.org/presentationml/2006/main">
+  <p:cSld>
+    <p:bg>
+      <p:bgPr>
+        <a:solidFill>
+          <a:schemeClr val="bg1">
+            <a:tint val="95000"/>
+            <a:satMod val="170000"/>
+          </a:schemeClr>
+        </a:solidFill>
+        <a:effectLst/>
+      </p:bgPr>
+    </p:bg>
+    <p:spTree>
+      <p:nvGrpSpPr>
+        <p:cNvPr id="1" name=""/>
+        <p:cNvGrpSpPr/>
+        <p:nvPr/>
+      </p:nvGrpSpPr>
+      <p:grpSpPr>
+        <a:xfrm>
+          <a:off x="0" y="0"/>
+          <a:ext cx="0" cy="0"/>
+          <a:chOff x="0" y="0"/>
+          <a:chExt cx="0" cy="0"/>
+        </a:xfrm>
+      </p:grpSpPr>
+      <p:sp>
+        <p:nvSpPr>
+          <p:cNvPr id="10" name="Freeform: Shape 9">
+            <a:extLst>
+              <a:ext uri="{FF2B5EF4-FFF2-40B4-BE49-F238E27FC236}">
+                <a16:creationId xmlns:a16="http://schemas.microsoft.com/office/drawing/2014/main" id="{1DE7243B-5109-444B-8FAF-7437C66BC0E9}"/>
+              </a:ext>
+              <a:ext uri="{C183D7F6-B498-43B3-948B-1728B52AA6E4}">
+                <adec:decorative xmlns:adec="http://schemas.microsoft.com/office/drawing/2017/decorative" val="1"/>
+              </a:ext>
+            </a:extLst>
+          </p:cNvPr>
+          <p:cNvSpPr>
+            <a:spLocks noGrp="1" noRot="1" noChangeAspect="1" noMove="1" noResize="1" noEditPoints="1" noAdjustHandles="1" noChangeArrowheads="1" noChangeShapeType="1" noTextEdit="1"/>
+          </p:cNvSpPr>
+          <p:nvPr>
+            <p:extLst>
+              <p:ext uri="{386F3935-93C4-4BCD-93E2-E3B085C9AB24}">
+                <p16:designElem xmlns:p16="http://schemas.microsoft.com/office/powerpoint/2015/main" val="1"/>
+              </p:ext>
+            </p:extLst>
+          </p:nvPr>
+        </p:nvSpPr>
+        <p:spPr>
+          <a:xfrm flipH="1">
+            <a:off x="0" y="0"/>
+            <a:ext cx="4421332" cy="6858000"/>
+          </a:xfrm>
+          <a:custGeom>
+            <a:avLst/>
+            <a:gdLst>
+              <a:gd name="connsiteX0" fmla="*/ 4421332 w 4421332"/>
+              <a:gd name="connsiteY0" fmla="*/ 0 h 6858000"/>
+              <a:gd name="connsiteX1" fmla="*/ 69075 w 4421332"/>
+              <a:gd name="connsiteY1" fmla="*/ 0 h 6858000"/>
+              <a:gd name="connsiteX2" fmla="*/ 35131 w 4421332"/>
+              <a:gd name="connsiteY2" fmla="*/ 267128 h 6858000"/>
+              <a:gd name="connsiteX3" fmla="*/ 0 w 4421332"/>
+              <a:gd name="connsiteY3" fmla="*/ 962845 h 6858000"/>
+              <a:gd name="connsiteX4" fmla="*/ 3276103 w 4421332"/>
+              <a:gd name="connsiteY4" fmla="*/ 6782205 h 6858000"/>
+              <a:gd name="connsiteX5" fmla="*/ 3407923 w 4421332"/>
+              <a:gd name="connsiteY5" fmla="*/ 6858000 h 6858000"/>
+              <a:gd name="connsiteX6" fmla="*/ 4421332 w 4421332"/>
+              <a:gd name="connsiteY6" fmla="*/ 6858000 h 6858000"/>
+            </a:gdLst>
+            <a:ahLst/>
+            <a:cxnLst>
+              <a:cxn ang="0">
+                <a:pos x="connsiteX0" y="connsiteY0"/>
+              </a:cxn>
+              <a:cxn ang="0">
+                <a:pos x="connsiteX1" y="connsiteY1"/>
+              </a:cxn>
+              <a:cxn ang="0">
+                <a:pos x="connsiteX2" y="connsiteY2"/>
+              </a:cxn>
+              <a:cxn ang="0">
+                <a:pos x="connsiteX3" y="connsiteY3"/>
+              </a:cxn>
+              <a:cxn ang="0">
+                <a:pos x="connsiteX4" y="connsiteY4"/>
+              </a:cxn>
+              <a:cxn ang="0">
+                <a:pos x="connsiteX5" y="connsiteY5"/>
+              </a:cxn>
+              <a:cxn ang="0">
+                <a:pos x="connsiteX6" y="connsiteY6"/>
+              </a:cxn>
+            </a:cxnLst>
+            <a:rect l="l" t="t" r="r" b="b"/>
+            <a:pathLst>
+              <a:path w="4421332" h="6858000">
+                <a:moveTo>
+                  <a:pt x="4421332" y="0"/>
+                </a:moveTo>
+                <a:lnTo>
+                  <a:pt x="69075" y="0"/>
+                </a:lnTo>
+                <a:lnTo>
+                  <a:pt x="35131" y="267128"/>
+                </a:lnTo>
+                <a:cubicBezTo>
+                  <a:pt x="11901" y="495874"/>
+                  <a:pt x="0" y="727970"/>
+                  <a:pt x="0" y="962845"/>
+                </a:cubicBezTo>
+                <a:cubicBezTo>
+                  <a:pt x="0" y="3429034"/>
+                  <a:pt x="1312002" y="5588789"/>
+                  <a:pt x="3276103" y="6782205"/>
+                </a:cubicBezTo>
+                <a:lnTo>
+                  <a:pt x="3407923" y="6858000"/>
+                </a:lnTo>
+                <a:lnTo>
+                  <a:pt x="4421332" y="6858000"/>
+                </a:lnTo>
+                <a:close/>
+              </a:path>
+            </a:pathLst>
+          </a:custGeom>
+          <a:solidFill>
+            <a:srgbClr val="FFFFFF">
+              <a:alpha val="80000"/>
+            </a:srgbClr>
+          </a:solidFill>
+          <a:ln>
+            <a:noFill/>
+          </a:ln>
+        </p:spPr>
+        <p:style>
+          <a:lnRef idx="2">
+            <a:schemeClr val="accent1">
+              <a:shade val="50000"/>
+            </a:schemeClr>
+          </a:lnRef>
+          <a:fillRef idx="1">
+            <a:schemeClr val="accent1"/>
+          </a:fillRef>
+          <a:effectRef idx="0">
+            <a:schemeClr val="accent1"/>
+          </a:effectRef>
+          <a:fontRef idx="minor">
+            <a:schemeClr val="lt1"/>
+          </a:fontRef>
+        </p:style>
+        <p:txBody>
+          <a:bodyPr wrap="square" rtlCol="0" anchor="ctr">
+            <a:noAutofit/>
+          </a:bodyPr>
+          <a:lstStyle/>
+          <a:p>
+            <a:pPr marL="0" marR="0" lvl="0" indent="0" algn="ctr" defTabSz="914400" rtl="0" eaLnBrk="1" fontAlgn="auto" latinLnBrk="0" hangingPunct="1">
+              <a:lnSpc>
+                <a:spcPct val="100000"/>
+              </a:lnSpc>
+              <a:spcBef>
+                <a:spcPts val="0"/>
+              </a:spcBef>
+              <a:spcAft>
+                <a:spcPts val="0"/>
+              </a:spcAft>
+              <a:buClrTx/>
+              <a:buSzTx/>
+              <a:buFontTx/>
+              <a:buNone/>
+              <a:tabLst/>
+              <a:defRPr/>
+            </a:pPr>
+            <a:endParaRPr kumimoji="0" lang="en-US" sz="1800" b="0" i="0" u="none" strike="noStrike" kern="1200" cap="none" spc="0" normalizeH="0" baseline="0" noProof="0">
+              <a:ln>
+                <a:noFill/>
+              </a:ln>
+              <a:solidFill>
+                <a:prstClr val="white"/>
+              </a:solidFill>
+              <a:effectLst/>
+              <a:uLnTx/>
+              <a:uFillTx/>
+              <a:latin typeface="Calibri" panose="020F0502020204030204"/>
+              <a:ea typeface="+mn-ea"/>
+              <a:cs typeface="+mn-cs"/>
+            </a:endParaRPr>
+          </a:p>
+        </p:txBody>
+      </p:sp>
+      <p:sp>
+        <p:nvSpPr>
+          <p:cNvPr id="12" name="Freeform: Shape 11">
+            <a:extLst>
+              <a:ext uri="{FF2B5EF4-FFF2-40B4-BE49-F238E27FC236}">
+                <a16:creationId xmlns:a16="http://schemas.microsoft.com/office/drawing/2014/main" id="{4C5D6221-DA7B-4611-AA26-7D8E349FDE96}"/>
+              </a:ext>
+              <a:ext uri="{C183D7F6-B498-43B3-948B-1728B52AA6E4}">
+                <adec:decorative xmlns:adec="http://schemas.microsoft.com/office/drawing/2017/decorative" val="1"/>
+              </a:ext>
+            </a:extLst>
+          </p:cNvPr>
+          <p:cNvSpPr>
+            <a:spLocks noGrp="1" noRot="1" noChangeAspect="1" noMove="1" noResize="1" noEditPoints="1" noAdjustHandles="1" noChangeArrowheads="1" noChangeShapeType="1" noTextEdit="1"/>
+          </p:cNvSpPr>
+          <p:nvPr>
+            <p:extLst>
+              <p:ext uri="{386F3935-93C4-4BCD-93E2-E3B085C9AB24}">
+                <p16:designElem xmlns:p16="http://schemas.microsoft.com/office/powerpoint/2015/main" val="1"/>
+              </p:ext>
+            </p:extLst>
+          </p:nvPr>
+        </p:nvSpPr>
+        <p:spPr>
+          <a:xfrm>
+            <a:off x="1" y="0"/>
+            <a:ext cx="4232227" cy="6858000"/>
+          </a:xfrm>
+          <a:custGeom>
+            <a:avLst/>
+            <a:gdLst>
+              <a:gd name="connsiteX0" fmla="*/ 0 w 4232227"/>
+              <a:gd name="connsiteY0" fmla="*/ 0 h 6858000"/>
+              <a:gd name="connsiteX1" fmla="*/ 4161853 w 4232227"/>
+              <a:gd name="connsiteY1" fmla="*/ 0 h 6858000"/>
+              <a:gd name="connsiteX2" fmla="*/ 4197953 w 4232227"/>
+              <a:gd name="connsiteY2" fmla="*/ 284091 h 6858000"/>
+              <a:gd name="connsiteX3" fmla="*/ 4232227 w 4232227"/>
+              <a:gd name="connsiteY3" fmla="*/ 962844 h 6858000"/>
+              <a:gd name="connsiteX4" fmla="*/ 758007 w 4232227"/>
+              <a:gd name="connsiteY4" fmla="*/ 6800152 h 6858000"/>
+              <a:gd name="connsiteX5" fmla="*/ 645060 w 4232227"/>
+              <a:gd name="connsiteY5" fmla="*/ 6858000 h 6858000"/>
+              <a:gd name="connsiteX6" fmla="*/ 0 w 4232227"/>
+              <a:gd name="connsiteY6" fmla="*/ 6858000 h 6858000"/>
+            </a:gdLst>
+            <a:ahLst/>
+            <a:cxnLst>
+              <a:cxn ang="0">
+                <a:pos x="connsiteX0" y="connsiteY0"/>
+              </a:cxn>
+              <a:cxn ang="0">
+                <a:pos x="connsiteX1" y="connsiteY1"/>
+              </a:cxn>
+              <a:cxn ang="0">
+                <a:pos x="connsiteX2" y="connsiteY2"/>
+              </a:cxn>
+              <a:cxn ang="0">
+                <a:pos x="connsiteX3" y="connsiteY3"/>
+              </a:cxn>
+              <a:cxn ang="0">
+                <a:pos x="connsiteX4" y="connsiteY4"/>
+              </a:cxn>
+              <a:cxn ang="0">
+                <a:pos x="connsiteX5" y="connsiteY5"/>
+              </a:cxn>
+              <a:cxn ang="0">
+                <a:pos x="connsiteX6" y="connsiteY6"/>
+              </a:cxn>
+            </a:cxnLst>
+            <a:rect l="l" t="t" r="r" b="b"/>
+            <a:pathLst>
+              <a:path w="4232227" h="6858000">
+                <a:moveTo>
+                  <a:pt x="0" y="0"/>
+                </a:moveTo>
+                <a:lnTo>
+                  <a:pt x="4161853" y="0"/>
+                </a:lnTo>
+                <a:lnTo>
+                  <a:pt x="4197953" y="284091"/>
+                </a:lnTo>
+                <a:cubicBezTo>
+                  <a:pt x="4220617" y="507260"/>
+                  <a:pt x="4232227" y="733696"/>
+                  <a:pt x="4232227" y="962844"/>
+                </a:cubicBezTo>
+                <a:cubicBezTo>
+                  <a:pt x="4232227" y="3483472"/>
+                  <a:pt x="2827409" y="5675986"/>
+                  <a:pt x="758007" y="6800152"/>
+                </a:cubicBezTo>
+                <a:lnTo>
+                  <a:pt x="645060" y="6858000"/>
+                </a:lnTo>
+                <a:lnTo>
+                  <a:pt x="0" y="6858000"/>
+                </a:lnTo>
+                <a:close/>
+              </a:path>
+            </a:pathLst>
+          </a:custGeom>
+          <a:solidFill>
+            <a:schemeClr val="tx1">
+              <a:lumMod val="75000"/>
+              <a:lumOff val="25000"/>
+            </a:schemeClr>
+          </a:solidFill>
+          <a:ln>
+            <a:noFill/>
+          </a:ln>
+        </p:spPr>
+        <p:style>
+          <a:lnRef idx="2">
+            <a:schemeClr val="accent1">
+              <a:shade val="50000"/>
+            </a:schemeClr>
+          </a:lnRef>
+          <a:fillRef idx="1">
+            <a:schemeClr val="accent1"/>
+          </a:fillRef>
+          <a:effectRef idx="0">
+            <a:schemeClr val="accent1"/>
+          </a:effectRef>
+          <a:fontRef idx="minor">
+            <a:schemeClr val="lt1"/>
+          </a:fontRef>
+        </p:style>
+        <p:txBody>
+          <a:bodyPr wrap="square" rtlCol="0" anchor="ctr">
+            <a:noAutofit/>
+          </a:bodyPr>
+          <a:lstStyle/>
+          <a:p>
+            <a:pPr marL="0" marR="0" lvl="0" indent="0" algn="ctr" defTabSz="914400" rtl="0" eaLnBrk="1" fontAlgn="auto" latinLnBrk="0" hangingPunct="1">
+              <a:lnSpc>
+                <a:spcPct val="100000"/>
+              </a:lnSpc>
+              <a:spcBef>
+                <a:spcPts val="0"/>
+              </a:spcBef>
+              <a:spcAft>
+                <a:spcPts val="0"/>
+              </a:spcAft>
+              <a:buClrTx/>
+              <a:buSzTx/>
+              <a:buFontTx/>
+              <a:buNone/>
+              <a:tabLst/>
+              <a:defRPr/>
+            </a:pPr>
+            <a:endParaRPr kumimoji="0" lang="en-US" sz="1800" b="0" i="0" u="none" strike="noStrike" kern="1200" cap="none" spc="0" normalizeH="0" baseline="0" noProof="0">
+              <a:ln>
+                <a:noFill/>
+              </a:ln>
+              <a:solidFill>
+                <a:prstClr val="white"/>
+              </a:solidFill>
+              <a:effectLst/>
+              <a:uLnTx/>
+              <a:uFillTx/>
+              <a:latin typeface="Calibri" panose="020F0502020204030204"/>
+              <a:ea typeface="+mn-ea"/>
+              <a:cs typeface="+mn-cs"/>
+            </a:endParaRPr>
+          </a:p>
+        </p:txBody>
+      </p:sp>
+      <p:sp>
+        <p:nvSpPr>
+          <p:cNvPr id="4" name="Title 3">
+            <a:extLst>
+              <a:ext uri="{FF2B5EF4-FFF2-40B4-BE49-F238E27FC236}">
+                <a16:creationId xmlns:a16="http://schemas.microsoft.com/office/drawing/2014/main" id="{4561F78B-F9DB-BCCB-6A6D-6C2D18098C5D}"/>
+              </a:ext>
+            </a:extLst>
+          </p:cNvPr>
+          <p:cNvSpPr>
+            <a:spLocks noGrp="1"/>
+          </p:cNvSpPr>
+          <p:nvPr>
+            <p:ph type="title"/>
+          </p:nvPr>
+        </p:nvSpPr>
+        <p:spPr>
+          <a:xfrm>
+            <a:off x="804672" y="1412489"/>
+            <a:ext cx="2871095" cy="2127124"/>
+          </a:xfrm>
+        </p:spPr>
+        <p:txBody>
+          <a:bodyPr anchor="t">
+            <a:normAutofit/>
+          </a:bodyPr>
+          <a:lstStyle/>
+          <a:p>
+            <a:r>
+              <a:rPr lang="en-US" sz="2500">
+                <a:solidFill>
+                  <a:schemeClr val="bg1"/>
+                </a:solidFill>
+              </a:rPr>
+              <a:t>DOPISDO (</a:t>
+            </a:r>
+            <a:r>
+              <a:rPr lang="en-US" sz="2500">
+                <a:solidFill>
+                  <a:schemeClr val="bg1"/>
+                </a:solidFill>
+                <a:effectLst/>
+                <a:latin typeface="Calibri" panose="020F0502020204030204" pitchFamily="34" charset="0"/>
+                <a:ea typeface="Calibri" panose="020F0502020204030204" pitchFamily="34" charset="0"/>
+                <a:cs typeface="Times New Roman" panose="02020603050405020304" pitchFamily="18" charset="0"/>
+              </a:rPr>
+              <a:t>Dr Oliver’s Personality Inventory Scale Is for Demonstration Only’</a:t>
+            </a:r>
+            <a:r>
+              <a:rPr lang="en-GB" sz="2500">
+                <a:solidFill>
+                  <a:schemeClr val="bg1"/>
+                </a:solidFill>
+                <a:effectLst/>
+              </a:rPr>
+              <a:t> )</a:t>
+            </a:r>
+            <a:endParaRPr lang="en-US" sz="2500">
+              <a:solidFill>
+                <a:schemeClr val="bg1"/>
+              </a:solidFill>
+            </a:endParaRPr>
+          </a:p>
+        </p:txBody>
+      </p:sp>
+      <p:sp>
+        <p:nvSpPr>
+          <p:cNvPr id="3" name="Content Placeholder 2">
+            <a:extLst>
+              <a:ext uri="{FF2B5EF4-FFF2-40B4-BE49-F238E27FC236}">
+                <a16:creationId xmlns:a16="http://schemas.microsoft.com/office/drawing/2014/main" id="{53CE1A67-5864-D330-BEE1-F9D79D6D1CB8}"/>
+              </a:ext>
+            </a:extLst>
+          </p:cNvPr>
+          <p:cNvSpPr>
+            <a:spLocks noGrp="1"/>
+          </p:cNvSpPr>
+          <p:nvPr>
+            <p:ph sz="half" idx="1"/>
+          </p:nvPr>
+        </p:nvSpPr>
+        <p:spPr>
+          <a:xfrm>
+            <a:off x="5198993" y="1412489"/>
+            <a:ext cx="2926080" cy="4363844"/>
+          </a:xfrm>
+        </p:spPr>
+        <p:txBody>
+          <a:bodyPr>
+            <a:normAutofit/>
+          </a:bodyPr>
+          <a:lstStyle/>
+          <a:p>
+            <a:r>
+              <a:rPr lang="en-US" sz="2000"/>
+              <a:t>Predictor</a:t>
+            </a:r>
+          </a:p>
+          <a:p>
+            <a:pPr lvl="1"/>
+            <a:r>
+              <a:rPr lang="en-US" sz="2000"/>
+              <a:t>Dormaus  (Sleepiness)</a:t>
+            </a:r>
+          </a:p>
+          <a:p>
+            <a:pPr lvl="1"/>
+            <a:r>
+              <a:rPr lang="en-US" sz="2000"/>
+              <a:t>Openness to Criticism</a:t>
+            </a:r>
+          </a:p>
+          <a:p>
+            <a:pPr lvl="1"/>
+            <a:r>
+              <a:rPr lang="en-US" sz="2000"/>
+              <a:t>Perfectionism</a:t>
+            </a:r>
+          </a:p>
+          <a:p>
+            <a:pPr lvl="1"/>
+            <a:r>
+              <a:rPr lang="en-US" sz="2000"/>
+              <a:t>Inner-thinking</a:t>
+            </a:r>
+          </a:p>
+          <a:p>
+            <a:pPr lvl="1"/>
+            <a:r>
+              <a:rPr lang="en-US" sz="2000"/>
+              <a:t>Sagacity</a:t>
+            </a:r>
+          </a:p>
+        </p:txBody>
+      </p:sp>
+      <p:sp>
+        <p:nvSpPr>
+          <p:cNvPr id="5" name="Content Placeholder 4">
+            <a:extLst>
+              <a:ext uri="{FF2B5EF4-FFF2-40B4-BE49-F238E27FC236}">
+                <a16:creationId xmlns:a16="http://schemas.microsoft.com/office/drawing/2014/main" id="{567C5712-65D9-A637-07DE-84391641C558}"/>
+              </a:ext>
+            </a:extLst>
+          </p:cNvPr>
+          <p:cNvSpPr>
+            <a:spLocks noGrp="1"/>
+          </p:cNvSpPr>
+          <p:nvPr>
+            <p:ph sz="half" idx="2"/>
+          </p:nvPr>
+        </p:nvSpPr>
+        <p:spPr>
+          <a:xfrm>
+            <a:off x="8451604" y="1412489"/>
+            <a:ext cx="2926080" cy="4363844"/>
+          </a:xfrm>
+        </p:spPr>
+        <p:txBody>
+          <a:bodyPr>
+            <a:normAutofit/>
+          </a:bodyPr>
+          <a:lstStyle/>
+          <a:p>
+            <a:r>
+              <a:rPr lang="en-US" sz="2000"/>
+              <a:t>Outcome</a:t>
+            </a:r>
+          </a:p>
+          <a:p>
+            <a:pPr lvl="1"/>
+            <a:r>
+              <a:rPr lang="en-US" sz="2000"/>
+              <a:t>Sleeping on the job</a:t>
+            </a:r>
+          </a:p>
+          <a:p>
+            <a:pPr lvl="1"/>
+            <a:r>
+              <a:rPr lang="en-US" sz="2000"/>
+              <a:t>Lateness</a:t>
+            </a:r>
+          </a:p>
+          <a:p>
+            <a:pPr lvl="1"/>
+            <a:r>
+              <a:rPr lang="en-US" sz="2000"/>
+              <a:t>Team work</a:t>
+            </a:r>
+          </a:p>
+          <a:p>
+            <a:pPr lvl="1"/>
+            <a:r>
+              <a:rPr lang="en-US" sz="2000"/>
+              <a:t>Innovativeness</a:t>
+            </a:r>
+          </a:p>
+          <a:p>
+            <a:pPr lvl="1"/>
+            <a:r>
+              <a:rPr lang="en-US" sz="2000"/>
+              <a:t>Messiness</a:t>
+            </a:r>
+          </a:p>
+        </p:txBody>
+      </p:sp>
+    </p:spTree>
+    <p:extLst>
+      <p:ext uri="{BB962C8B-B14F-4D97-AF65-F5344CB8AC3E}">
+        <p14:creationId xmlns:p14="http://schemas.microsoft.com/office/powerpoint/2010/main" val="2943063747"/>
+      </p:ext>
+    </p:extLst>
+  </p:cSld>
+  <p:clrMapOvr>
+    <a:overrideClrMapping bg1="dk1" tx1="lt1" bg2="dk2" tx2="lt2" accent1="accent1" accent2="accent2" accent3="accent3" accent4="accent4" accent5="accent5" accent6="accent6" hlink="hlink" folHlink="folHlink"/>
+  </p:clrMapOvr>
+</p:sld>
+</file>
+
+<file path=ppt/slides/slide7.xml><?xml version="1.0" encoding="utf-8"?>
 <p:sld xmlns:a="http://schemas.openxmlformats.org/drawingml/2006/main" xmlns:r="http://schemas.openxmlformats.org/officeDocument/2006/relationships" xmlns:p="http://schemas.openxmlformats.org/presentationml/2006/main">
   <p:cSld>
     <p:spTree>
@@ -3433,12 +6723,72 @@
           <a:chExt cx="0" cy="0"/>
         </a:xfrm>
       </p:grpSpPr>
-      <p:sp>
-        <p:nvSpPr>
-          <p:cNvPr id="2" name="Title 1">
-            <a:extLst>
-              <a:ext uri="{FF2B5EF4-FFF2-40B4-BE49-F238E27FC236}">
-                <a16:creationId xmlns:a16="http://schemas.microsoft.com/office/drawing/2014/main" id="{B664E2BA-D250-30CC-112E-610BDC2741F4}"/>
+      <p:pic>
+        <p:nvPicPr>
+          <p:cNvPr id="8" name="Picture 7">
+            <a:extLst>
+              <a:ext uri="{FF2B5EF4-FFF2-40B4-BE49-F238E27FC236}">
+                <a16:creationId xmlns:a16="http://schemas.microsoft.com/office/drawing/2014/main" id="{445ADAB1-D70C-AD5E-8AD6-22B953D9EBA3}"/>
+              </a:ext>
+            </a:extLst>
+          </p:cNvPr>
+          <p:cNvPicPr>
+            <a:picLocks noChangeAspect="1"/>
+          </p:cNvPicPr>
+          <p:nvPr/>
+        </p:nvPicPr>
+        <p:blipFill>
+          <a:blip r:embed="rId2"/>
+          <a:stretch>
+            <a:fillRect/>
+          </a:stretch>
+        </p:blipFill>
+        <p:spPr>
+          <a:xfrm>
+            <a:off x="506627" y="2958414"/>
+            <a:ext cx="4864100" cy="2819400"/>
+          </a:xfrm>
+          <a:prstGeom prst="rect">
+            <a:avLst/>
+          </a:prstGeom>
+        </p:spPr>
+      </p:pic>
+      <p:pic>
+        <p:nvPicPr>
+          <p:cNvPr id="10" name="Picture 9">
+            <a:extLst>
+              <a:ext uri="{FF2B5EF4-FFF2-40B4-BE49-F238E27FC236}">
+                <a16:creationId xmlns:a16="http://schemas.microsoft.com/office/drawing/2014/main" id="{612291B4-CA28-EF68-809B-B657F6B90397}"/>
+              </a:ext>
+            </a:extLst>
+          </p:cNvPr>
+          <p:cNvPicPr>
+            <a:picLocks noChangeAspect="1"/>
+          </p:cNvPicPr>
+          <p:nvPr/>
+        </p:nvPicPr>
+        <p:blipFill>
+          <a:blip r:embed="rId3"/>
+          <a:stretch>
+            <a:fillRect/>
+          </a:stretch>
+        </p:blipFill>
+        <p:spPr>
+          <a:xfrm>
+            <a:off x="5370727" y="1109405"/>
+            <a:ext cx="6040738" cy="5572637"/>
+          </a:xfrm>
+          <a:prstGeom prst="rect">
+            <a:avLst/>
+          </a:prstGeom>
+        </p:spPr>
+      </p:pic>
+      <p:sp>
+        <p:nvSpPr>
+          <p:cNvPr id="5" name="Title 4">
+            <a:extLst>
+              <a:ext uri="{FF2B5EF4-FFF2-40B4-BE49-F238E27FC236}">
+                <a16:creationId xmlns:a16="http://schemas.microsoft.com/office/drawing/2014/main" id="{FBFD26C3-8B4D-EA17-228C-59988127EF4C}"/>
               </a:ext>
             </a:extLst>
           </p:cNvPr>
@@ -3456,59 +6806,15 @@
           <a:p>
             <a:r>
               <a:rPr lang="en-US" dirty="0"/>
-              <a:t>Structure</a:t>
-            </a:r>
-            <a:endParaRPr lang="en-GB" dirty="0"/>
-          </a:p>
-        </p:txBody>
-      </p:sp>
-      <p:sp>
-        <p:nvSpPr>
-          <p:cNvPr id="3" name="Content Placeholder 2">
-            <a:extLst>
-              <a:ext uri="{FF2B5EF4-FFF2-40B4-BE49-F238E27FC236}">
-                <a16:creationId xmlns:a16="http://schemas.microsoft.com/office/drawing/2014/main" id="{3531F800-96DF-2799-30BC-738F061E4502}"/>
-              </a:ext>
-            </a:extLst>
-          </p:cNvPr>
-          <p:cNvSpPr>
-            <a:spLocks noGrp="1"/>
-          </p:cNvSpPr>
-          <p:nvPr>
-            <p:ph idx="1"/>
-          </p:nvPr>
-        </p:nvSpPr>
-        <p:spPr/>
-        <p:txBody>
-          <a:bodyPr/>
-          <a:lstStyle/>
-          <a:p>
-            <a:r>
-              <a:rPr lang="en-US" dirty="0"/>
-              <a:t>Purpose of test feedback</a:t>
-            </a:r>
-          </a:p>
-          <a:p>
-            <a:r>
-              <a:rPr lang="en-US" dirty="0"/>
-              <a:t>Professional Guidelines</a:t>
-            </a:r>
-          </a:p>
-          <a:p>
-            <a:r>
-              <a:rPr lang="en-US" dirty="0"/>
-              <a:t>Structure of a test feedback report</a:t>
-            </a:r>
-          </a:p>
-          <a:p>
-            <a:endParaRPr lang="en-GB" dirty="0"/>
+              <a:t>Predicting sleeping at work</a:t>
+            </a:r>
           </a:p>
         </p:txBody>
       </p:sp>
     </p:spTree>
     <p:extLst>
       <p:ext uri="{BB962C8B-B14F-4D97-AF65-F5344CB8AC3E}">
-        <p14:creationId xmlns:p14="http://schemas.microsoft.com/office/powerpoint/2010/main" val="813267135"/>
+        <p14:creationId xmlns:p14="http://schemas.microsoft.com/office/powerpoint/2010/main" val="467086664"/>
       </p:ext>
     </p:extLst>
   </p:cSld>
@@ -3518,9 +6824,17 @@
 </p:sld>
 </file>
 
-<file path=ppt/slides/slide3.xml><?xml version="1.0" encoding="utf-8"?>
+<file path=ppt/slides/slide8.xml><?xml version="1.0" encoding="utf-8"?>
 <p:sld xmlns:a="http://schemas.openxmlformats.org/drawingml/2006/main" xmlns:r="http://schemas.openxmlformats.org/officeDocument/2006/relationships" xmlns:p="http://schemas.openxmlformats.org/presentationml/2006/main">
   <p:cSld>
+    <p:bg>
+      <p:bgPr>
+        <a:solidFill>
+          <a:schemeClr val="bg1"/>
+        </a:solidFill>
+        <a:effectLst/>
+      </p:bgPr>
+    </p:bg>
     <p:spTree>
       <p:nvGrpSpPr>
         <p:cNvPr id="1" name=""/>
@@ -3537,10 +6851,73 @@
       </p:grpSpPr>
       <p:sp>
         <p:nvSpPr>
+          <p:cNvPr id="8" name="Rectangle 7">
+            <a:extLst>
+              <a:ext uri="{FF2B5EF4-FFF2-40B4-BE49-F238E27FC236}">
+                <a16:creationId xmlns:a16="http://schemas.microsoft.com/office/drawing/2014/main" id="{A4AC5506-6312-4701-8D3C-40187889A947}"/>
+              </a:ext>
+              <a:ext uri="{C183D7F6-B498-43B3-948B-1728B52AA6E4}">
+                <adec:decorative xmlns:adec="http://schemas.microsoft.com/office/drawing/2017/decorative" val="1"/>
+              </a:ext>
+            </a:extLst>
+          </p:cNvPr>
+          <p:cNvSpPr>
+            <a:spLocks noGrp="1" noRot="1" noChangeAspect="1" noMove="1" noResize="1" noEditPoints="1" noAdjustHandles="1" noChangeArrowheads="1" noChangeShapeType="1" noTextEdit="1"/>
+          </p:cNvSpPr>
+          <p:nvPr>
+            <p:extLst>
+              <p:ext uri="{386F3935-93C4-4BCD-93E2-E3B085C9AB24}">
+                <p16:designElem xmlns:p16="http://schemas.microsoft.com/office/powerpoint/2015/main" val="1"/>
+              </p:ext>
+            </p:extLst>
+          </p:nvPr>
+        </p:nvSpPr>
+        <p:spPr>
+          <a:xfrm>
+            <a:off x="0" y="651752"/>
+            <a:ext cx="12192000" cy="736551"/>
+          </a:xfrm>
+          <a:prstGeom prst="rect">
+            <a:avLst/>
+          </a:prstGeom>
+          <a:solidFill>
+            <a:schemeClr val="tx1"/>
+          </a:solidFill>
+          <a:ln>
+            <a:noFill/>
+          </a:ln>
+        </p:spPr>
+        <p:style>
+          <a:lnRef idx="2">
+            <a:schemeClr val="accent1">
+              <a:shade val="50000"/>
+            </a:schemeClr>
+          </a:lnRef>
+          <a:fillRef idx="1">
+            <a:schemeClr val="accent1"/>
+          </a:fillRef>
+          <a:effectRef idx="0">
+            <a:schemeClr val="accent1"/>
+          </a:effectRef>
+          <a:fontRef idx="minor">
+            <a:schemeClr val="lt1"/>
+          </a:fontRef>
+        </p:style>
+        <p:txBody>
+          <a:bodyPr rtlCol="0" anchor="ctr"/>
+          <a:lstStyle/>
+          <a:p>
+            <a:pPr algn="ctr"/>
+            <a:endParaRPr lang="en-US"/>
+          </a:p>
+        </p:txBody>
+      </p:sp>
+      <p:sp>
+        <p:nvSpPr>
           <p:cNvPr id="2" name="Title 1">
             <a:extLst>
               <a:ext uri="{FF2B5EF4-FFF2-40B4-BE49-F238E27FC236}">
-                <a16:creationId xmlns:a16="http://schemas.microsoft.com/office/drawing/2014/main" id="{834BEA4A-3673-F2D5-EFC4-19833F3329BE}"/>
+                <a16:creationId xmlns:a16="http://schemas.microsoft.com/office/drawing/2014/main" id="{587BFD05-3AB4-D4D3-FC3F-0E08434381DD}"/>
               </a:ext>
             </a:extLst>
           </p:cNvPr>
@@ -3551,48 +6928,713 @@
             <p:ph type="title"/>
           </p:nvPr>
         </p:nvSpPr>
-        <p:spPr/>
-        <p:txBody>
-          <a:bodyPr/>
+        <p:spPr>
+          <a:xfrm>
+            <a:off x="556532" y="643467"/>
+            <a:ext cx="11210925" cy="744836"/>
+          </a:xfrm>
+        </p:spPr>
+        <p:txBody>
+          <a:bodyPr>
+            <a:normAutofit/>
+          </a:bodyPr>
           <a:lstStyle/>
           <a:p>
-            <a:r>
-              <a:rPr lang="en-US" dirty="0"/>
-              <a:t>Purpose of Feedback</a:t>
-            </a:r>
-            <a:endParaRPr lang="en-GB" dirty="0"/>
-          </a:p>
-        </p:txBody>
-      </p:sp>
-      <p:sp>
-        <p:nvSpPr>
-          <p:cNvPr id="3" name="Text Placeholder 2">
-            <a:extLst>
-              <a:ext uri="{FF2B5EF4-FFF2-40B4-BE49-F238E27FC236}">
-                <a16:creationId xmlns:a16="http://schemas.microsoft.com/office/drawing/2014/main" id="{1E27216F-9C6D-0FDC-A401-E30CAD400A0D}"/>
-              </a:ext>
-            </a:extLst>
-          </p:cNvPr>
-          <p:cNvSpPr>
-            <a:spLocks noGrp="1"/>
-          </p:cNvSpPr>
-          <p:nvPr>
-            <p:ph type="body" idx="1"/>
-          </p:nvPr>
-        </p:nvSpPr>
-        <p:spPr/>
-        <p:txBody>
-          <a:bodyPr/>
-          <a:lstStyle/>
-          <a:p>
-            <a:endParaRPr lang="en-GB"/>
-          </a:p>
-        </p:txBody>
-      </p:sp>
+            <a:pPr algn="ctr"/>
+            <a:r>
+              <a:rPr lang="en-US" sz="3200">
+                <a:solidFill>
+                  <a:schemeClr val="bg1"/>
+                </a:solidFill>
+              </a:rPr>
+              <a:t>Sleep on the Job?</a:t>
+            </a:r>
+          </a:p>
+        </p:txBody>
+      </p:sp>
+      <p:graphicFrame>
+        <p:nvGraphicFramePr>
+          <p:cNvPr id="3" name="Table 3">
+            <a:extLst>
+              <a:ext uri="{FF2B5EF4-FFF2-40B4-BE49-F238E27FC236}">
+                <a16:creationId xmlns:a16="http://schemas.microsoft.com/office/drawing/2014/main" id="{1999A0A6-8633-16F7-7D37-3790B83ADED2}"/>
+              </a:ext>
+            </a:extLst>
+          </p:cNvPr>
+          <p:cNvGraphicFramePr>
+            <a:graphicFrameLocks noGrp="1"/>
+          </p:cNvGraphicFramePr>
+          <p:nvPr>
+            <p:extLst>
+              <p:ext uri="{D42A27DB-BD31-4B8C-83A1-F6EECF244321}">
+                <p14:modId xmlns:p14="http://schemas.microsoft.com/office/powerpoint/2010/main" val="1321326034"/>
+              </p:ext>
+            </p:extLst>
+          </p:nvPr>
+        </p:nvGraphicFramePr>
+        <p:xfrm>
+          <a:off x="643467" y="1702651"/>
+          <a:ext cx="10905067" cy="4339352"/>
+        </p:xfrm>
+        <a:graphic>
+          <a:graphicData uri="http://schemas.openxmlformats.org/drawingml/2006/table">
+            <a:tbl>
+              <a:tblPr firstRow="1" bandRow="1">
+                <a:noFill/>
+                <a:tableStyleId>{5C22544A-7EE6-4342-B048-85BDC9FD1C3A}</a:tableStyleId>
+              </a:tblPr>
+              <a:tblGrid>
+                <a:gridCol w="2291378">
+                  <a:extLst>
+                    <a:ext uri="{9D8B030D-6E8A-4147-A177-3AD203B41FA5}">
+                      <a16:colId xmlns:a16="http://schemas.microsoft.com/office/drawing/2014/main" val="614771031"/>
+                    </a:ext>
+                  </a:extLst>
+                </a:gridCol>
+                <a:gridCol w="2110034">
+                  <a:extLst>
+                    <a:ext uri="{9D8B030D-6E8A-4147-A177-3AD203B41FA5}">
+                      <a16:colId xmlns:a16="http://schemas.microsoft.com/office/drawing/2014/main" val="3979664633"/>
+                    </a:ext>
+                  </a:extLst>
+                </a:gridCol>
+                <a:gridCol w="2963021">
+                  <a:extLst>
+                    <a:ext uri="{9D8B030D-6E8A-4147-A177-3AD203B41FA5}">
+                      <a16:colId xmlns:a16="http://schemas.microsoft.com/office/drawing/2014/main" val="3880557122"/>
+                    </a:ext>
+                  </a:extLst>
+                </a:gridCol>
+                <a:gridCol w="3540634">
+                  <a:extLst>
+                    <a:ext uri="{9D8B030D-6E8A-4147-A177-3AD203B41FA5}">
+                      <a16:colId xmlns:a16="http://schemas.microsoft.com/office/drawing/2014/main" val="628183192"/>
+                    </a:ext>
+                  </a:extLst>
+                </a:gridCol>
+              </a:tblGrid>
+              <a:tr h="915584">
+                <a:tc>
+                  <a:txBody>
+                    <a:bodyPr/>
+                    <a:lstStyle/>
+                    <a:p>
+                      <a:r>
+                        <a:rPr lang="en-US" sz="3000" b="1" cap="none" spc="0">
+                          <a:solidFill>
+                            <a:schemeClr val="bg1"/>
+                          </a:solidFill>
+                        </a:rPr>
+                        <a:t>Candidate</a:t>
+                      </a:r>
+                    </a:p>
+                  </a:txBody>
+                  <a:tcPr marL="135403" marR="96717" marT="193433" marB="193433" anchor="ctr">
+                    <a:lnL w="12700" cmpd="sng">
+                      <a:noFill/>
+                    </a:lnL>
+                    <a:lnR w="12700" cmpd="sng">
+                      <a:noFill/>
+                    </a:lnR>
+                    <a:lnT w="19050" cap="flat" cmpd="sng" algn="ctr">
+                      <a:noFill/>
+                      <a:prstDash val="solid"/>
+                    </a:lnT>
+                    <a:lnB w="38100" cmpd="sng">
+                      <a:noFill/>
+                    </a:lnB>
+                    <a:solidFill>
+                      <a:schemeClr val="tx1"/>
+                    </a:solidFill>
+                  </a:tcPr>
+                </a:tc>
+                <a:tc>
+                  <a:txBody>
+                    <a:bodyPr/>
+                    <a:lstStyle/>
+                    <a:p>
+                      <a:r>
+                        <a:rPr lang="en-US" sz="3000" b="1" cap="none" spc="0" err="1">
+                          <a:solidFill>
+                            <a:schemeClr val="bg1"/>
+                          </a:solidFill>
+                        </a:rPr>
+                        <a:t>Dormaus</a:t>
+                      </a:r>
+                      <a:endParaRPr lang="en-US" sz="3000" b="1" cap="none" spc="0">
+                        <a:solidFill>
+                          <a:schemeClr val="bg1"/>
+                        </a:solidFill>
+                      </a:endParaRPr>
+                    </a:p>
+                  </a:txBody>
+                  <a:tcPr marL="135403" marR="96717" marT="193433" marB="193433" anchor="ctr">
+                    <a:lnL w="12700" cmpd="sng">
+                      <a:noFill/>
+                    </a:lnL>
+                    <a:lnR w="12700" cmpd="sng">
+                      <a:noFill/>
+                    </a:lnR>
+                    <a:lnT w="19050" cap="flat" cmpd="sng" algn="ctr">
+                      <a:noFill/>
+                      <a:prstDash val="solid"/>
+                    </a:lnT>
+                    <a:lnB w="38100" cmpd="sng">
+                      <a:noFill/>
+                    </a:lnB>
+                    <a:solidFill>
+                      <a:schemeClr val="tx1"/>
+                    </a:solidFill>
+                  </a:tcPr>
+                </a:tc>
+                <a:tc>
+                  <a:txBody>
+                    <a:bodyPr/>
+                    <a:lstStyle/>
+                    <a:p>
+                      <a:r>
+                        <a:rPr lang="en-US" sz="3000" b="1" cap="none" spc="0">
+                          <a:solidFill>
+                            <a:schemeClr val="bg1"/>
+                          </a:solidFill>
+                        </a:rPr>
+                        <a:t>Perfectionism</a:t>
+                      </a:r>
+                    </a:p>
+                  </a:txBody>
+                  <a:tcPr marL="135403" marR="96717" marT="193433" marB="193433" anchor="ctr">
+                    <a:lnL w="12700" cmpd="sng">
+                      <a:noFill/>
+                    </a:lnL>
+                    <a:lnR w="12700" cmpd="sng">
+                      <a:noFill/>
+                    </a:lnR>
+                    <a:lnT w="19050" cap="flat" cmpd="sng" algn="ctr">
+                      <a:noFill/>
+                      <a:prstDash val="solid"/>
+                    </a:lnT>
+                    <a:lnB w="38100" cmpd="sng">
+                      <a:noFill/>
+                    </a:lnB>
+                    <a:solidFill>
+                      <a:schemeClr val="tx1"/>
+                    </a:solidFill>
+                  </a:tcPr>
+                </a:tc>
+                <a:tc>
+                  <a:txBody>
+                    <a:bodyPr/>
+                    <a:lstStyle/>
+                    <a:p>
+                      <a:endParaRPr lang="en-US" sz="3000" b="1" cap="none" spc="0">
+                        <a:solidFill>
+                          <a:schemeClr val="bg1"/>
+                        </a:solidFill>
+                      </a:endParaRPr>
+                    </a:p>
+                  </a:txBody>
+                  <a:tcPr marL="135403" marR="96717" marT="193433" marB="193433" anchor="ctr">
+                    <a:lnL w="12700" cmpd="sng">
+                      <a:noFill/>
+                    </a:lnL>
+                    <a:lnR w="12700" cmpd="sng">
+                      <a:noFill/>
+                    </a:lnR>
+                    <a:lnT w="19050" cap="flat" cmpd="sng" algn="ctr">
+                      <a:noFill/>
+                      <a:prstDash val="solid"/>
+                    </a:lnT>
+                    <a:lnB w="38100" cmpd="sng">
+                      <a:noFill/>
+                    </a:lnB>
+                    <a:solidFill>
+                      <a:schemeClr val="tx1"/>
+                    </a:solidFill>
+                  </a:tcPr>
+                </a:tc>
+                <a:extLst>
+                  <a:ext uri="{0D108BD9-81ED-4DB2-BD59-A6C34878D82A}">
+                    <a16:rowId xmlns:a16="http://schemas.microsoft.com/office/drawing/2014/main" val="273335481"/>
+                  </a:ext>
+                </a:extLst>
+              </a:tr>
+              <a:tr h="1141256">
+                <a:tc>
+                  <a:txBody>
+                    <a:bodyPr/>
+                    <a:lstStyle/>
+                    <a:p>
+                      <a:r>
+                        <a:rPr lang="en-US" sz="2500" cap="none" spc="0">
+                          <a:solidFill>
+                            <a:schemeClr val="tx1"/>
+                          </a:solidFill>
+                        </a:rPr>
+                        <a:t>1</a:t>
+                      </a:r>
+                    </a:p>
+                  </a:txBody>
+                  <a:tcPr marL="135403" marR="96717" marT="96717" marB="193433">
+                    <a:lnL w="12700" cmpd="sng">
+                      <a:noFill/>
+                      <a:prstDash val="solid"/>
+                    </a:lnL>
+                    <a:lnR w="12700" cmpd="sng">
+                      <a:noFill/>
+                      <a:prstDash val="solid"/>
+                    </a:lnR>
+                    <a:lnT w="38100" cmpd="sng">
+                      <a:noFill/>
+                    </a:lnT>
+                    <a:lnB w="12700" cap="flat" cmpd="sng" algn="ctr">
+                      <a:solidFill>
+                        <a:schemeClr val="tx1"/>
+                      </a:solidFill>
+                      <a:prstDash val="solid"/>
+                    </a:lnB>
+                    <a:noFill/>
+                  </a:tcPr>
+                </a:tc>
+                <a:tc>
+                  <a:txBody>
+                    <a:bodyPr/>
+                    <a:lstStyle/>
+                    <a:p>
+                      <a:r>
+                        <a:rPr lang="en-US" sz="2500" cap="none" spc="0">
+                          <a:solidFill>
+                            <a:schemeClr val="tx1"/>
+                          </a:solidFill>
+                        </a:rPr>
+                        <a:t>T = 20</a:t>
+                      </a:r>
+                    </a:p>
+                  </a:txBody>
+                  <a:tcPr marL="135403" marR="96717" marT="96717" marB="193433">
+                    <a:lnL w="12700" cmpd="sng">
+                      <a:noFill/>
+                      <a:prstDash val="solid"/>
+                    </a:lnL>
+                    <a:lnR w="12700" cmpd="sng">
+                      <a:noFill/>
+                      <a:prstDash val="solid"/>
+                    </a:lnR>
+                    <a:lnT w="38100" cmpd="sng">
+                      <a:noFill/>
+                    </a:lnT>
+                    <a:lnB w="12700" cap="flat" cmpd="sng" algn="ctr">
+                      <a:solidFill>
+                        <a:schemeClr val="tx1"/>
+                      </a:solidFill>
+                      <a:prstDash val="solid"/>
+                    </a:lnB>
+                    <a:noFill/>
+                  </a:tcPr>
+                </a:tc>
+                <a:tc>
+                  <a:txBody>
+                    <a:bodyPr/>
+                    <a:lstStyle/>
+                    <a:p>
+                      <a:r>
+                        <a:rPr lang="en-US" sz="2500" cap="none" spc="0">
+                          <a:solidFill>
+                            <a:schemeClr val="tx1"/>
+                          </a:solidFill>
+                        </a:rPr>
+                        <a:t>T = 70</a:t>
+                      </a:r>
+                    </a:p>
+                  </a:txBody>
+                  <a:tcPr marL="135403" marR="96717" marT="96717" marB="193433">
+                    <a:lnL w="12700" cmpd="sng">
+                      <a:noFill/>
+                      <a:prstDash val="solid"/>
+                    </a:lnL>
+                    <a:lnR w="12700" cmpd="sng">
+                      <a:noFill/>
+                      <a:prstDash val="solid"/>
+                    </a:lnR>
+                    <a:lnT w="38100" cmpd="sng">
+                      <a:noFill/>
+                    </a:lnT>
+                    <a:lnB w="12700" cap="flat" cmpd="sng" algn="ctr">
+                      <a:solidFill>
+                        <a:schemeClr val="tx1"/>
+                      </a:solidFill>
+                      <a:prstDash val="solid"/>
+                    </a:lnB>
+                    <a:noFill/>
+                  </a:tcPr>
+                </a:tc>
+                <a:tc>
+                  <a:txBody>
+                    <a:bodyPr/>
+                    <a:lstStyle/>
+                    <a:p>
+                      <a:r>
+                        <a:rPr lang="en-US" sz="2500" cap="none" spc="0">
+                          <a:solidFill>
+                            <a:schemeClr val="tx1"/>
+                          </a:solidFill>
+                        </a:rPr>
+                        <a:t>Unlikely to sleep on the job</a:t>
+                      </a:r>
+                    </a:p>
+                  </a:txBody>
+                  <a:tcPr marL="135403" marR="96717" marT="96717" marB="193433">
+                    <a:lnL w="12700" cmpd="sng">
+                      <a:noFill/>
+                      <a:prstDash val="solid"/>
+                    </a:lnL>
+                    <a:lnR w="12700" cmpd="sng">
+                      <a:noFill/>
+                      <a:prstDash val="solid"/>
+                    </a:lnR>
+                    <a:lnT w="38100" cmpd="sng">
+                      <a:noFill/>
+                    </a:lnT>
+                    <a:lnB w="12700" cap="flat" cmpd="sng" algn="ctr">
+                      <a:solidFill>
+                        <a:schemeClr val="tx1"/>
+                      </a:solidFill>
+                      <a:prstDash val="solid"/>
+                    </a:lnB>
+                    <a:noFill/>
+                  </a:tcPr>
+                </a:tc>
+                <a:extLst>
+                  <a:ext uri="{0D108BD9-81ED-4DB2-BD59-A6C34878D82A}">
+                    <a16:rowId xmlns:a16="http://schemas.microsoft.com/office/drawing/2014/main" val="3277667486"/>
+                  </a:ext>
+                </a:extLst>
+              </a:tr>
+              <a:tr h="1141256">
+                <a:tc>
+                  <a:txBody>
+                    <a:bodyPr/>
+                    <a:lstStyle/>
+                    <a:p>
+                      <a:r>
+                        <a:rPr lang="en-US" sz="2500" cap="none" spc="0">
+                          <a:solidFill>
+                            <a:schemeClr val="tx1"/>
+                          </a:solidFill>
+                        </a:rPr>
+                        <a:t>2</a:t>
+                      </a:r>
+                    </a:p>
+                  </a:txBody>
+                  <a:tcPr marL="135403" marR="96717" marT="96717" marB="193433">
+                    <a:lnL w="12700" cmpd="sng">
+                      <a:noFill/>
+                      <a:prstDash val="solid"/>
+                    </a:lnL>
+                    <a:lnR w="12700" cmpd="sng">
+                      <a:noFill/>
+                      <a:prstDash val="solid"/>
+                    </a:lnR>
+                    <a:lnT w="12700" cap="flat" cmpd="sng" algn="ctr">
+                      <a:solidFill>
+                        <a:schemeClr val="tx1"/>
+                      </a:solidFill>
+                      <a:prstDash val="solid"/>
+                    </a:lnT>
+                    <a:lnB w="12700" cmpd="sng">
+                      <a:noFill/>
+                      <a:prstDash val="solid"/>
+                    </a:lnB>
+                    <a:solidFill>
+                      <a:schemeClr val="bg1">
+                        <a:lumMod val="95000"/>
+                      </a:schemeClr>
+                    </a:solidFill>
+                  </a:tcPr>
+                </a:tc>
+                <a:tc>
+                  <a:txBody>
+                    <a:bodyPr/>
+                    <a:lstStyle/>
+                    <a:p>
+                      <a:r>
+                        <a:rPr lang="en-US" sz="2500" cap="none" spc="0">
+                          <a:solidFill>
+                            <a:schemeClr val="tx1"/>
+                          </a:solidFill>
+                        </a:rPr>
+                        <a:t>T = 60</a:t>
+                      </a:r>
+                    </a:p>
+                  </a:txBody>
+                  <a:tcPr marL="135403" marR="96717" marT="96717" marB="193433">
+                    <a:lnL w="12700" cmpd="sng">
+                      <a:noFill/>
+                      <a:prstDash val="solid"/>
+                    </a:lnL>
+                    <a:lnR w="12700" cmpd="sng">
+                      <a:noFill/>
+                      <a:prstDash val="solid"/>
+                    </a:lnR>
+                    <a:lnT w="12700" cap="flat" cmpd="sng" algn="ctr">
+                      <a:solidFill>
+                        <a:schemeClr val="tx1"/>
+                      </a:solidFill>
+                      <a:prstDash val="solid"/>
+                    </a:lnT>
+                    <a:lnB w="12700" cmpd="sng">
+                      <a:noFill/>
+                      <a:prstDash val="solid"/>
+                    </a:lnB>
+                    <a:solidFill>
+                      <a:schemeClr val="bg1">
+                        <a:lumMod val="95000"/>
+                      </a:schemeClr>
+                    </a:solidFill>
+                  </a:tcPr>
+                </a:tc>
+                <a:tc>
+                  <a:txBody>
+                    <a:bodyPr/>
+                    <a:lstStyle/>
+                    <a:p>
+                      <a:r>
+                        <a:rPr lang="en-US" sz="2500" cap="none" spc="0">
+                          <a:solidFill>
+                            <a:schemeClr val="tx1"/>
+                          </a:solidFill>
+                        </a:rPr>
+                        <a:t>T = 30</a:t>
+                      </a:r>
+                    </a:p>
+                  </a:txBody>
+                  <a:tcPr marL="135403" marR="96717" marT="96717" marB="193433">
+                    <a:lnL w="12700" cmpd="sng">
+                      <a:noFill/>
+                      <a:prstDash val="solid"/>
+                    </a:lnL>
+                    <a:lnR w="12700" cmpd="sng">
+                      <a:noFill/>
+                      <a:prstDash val="solid"/>
+                    </a:lnR>
+                    <a:lnT w="12700" cap="flat" cmpd="sng" algn="ctr">
+                      <a:solidFill>
+                        <a:schemeClr val="tx1"/>
+                      </a:solidFill>
+                      <a:prstDash val="solid"/>
+                    </a:lnT>
+                    <a:lnB w="12700" cmpd="sng">
+                      <a:noFill/>
+                      <a:prstDash val="solid"/>
+                    </a:lnB>
+                    <a:solidFill>
+                      <a:schemeClr val="bg1">
+                        <a:lumMod val="95000"/>
+                      </a:schemeClr>
+                    </a:solidFill>
+                  </a:tcPr>
+                </a:tc>
+                <a:tc>
+                  <a:txBody>
+                    <a:bodyPr/>
+                    <a:lstStyle/>
+                    <a:p>
+                      <a:r>
+                        <a:rPr lang="en-US" sz="2500" cap="none" spc="0">
+                          <a:solidFill>
+                            <a:schemeClr val="tx1"/>
+                          </a:solidFill>
+                        </a:rPr>
+                        <a:t>Likely to sleep on the job</a:t>
+                      </a:r>
+                    </a:p>
+                  </a:txBody>
+                  <a:tcPr marL="135403" marR="96717" marT="96717" marB="193433">
+                    <a:lnL w="12700" cmpd="sng">
+                      <a:noFill/>
+                      <a:prstDash val="solid"/>
+                    </a:lnL>
+                    <a:lnR w="12700" cmpd="sng">
+                      <a:noFill/>
+                      <a:prstDash val="solid"/>
+                    </a:lnR>
+                    <a:lnT w="12700" cap="flat" cmpd="sng" algn="ctr">
+                      <a:solidFill>
+                        <a:schemeClr val="tx1"/>
+                      </a:solidFill>
+                      <a:prstDash val="solid"/>
+                    </a:lnT>
+                    <a:lnB w="12700" cmpd="sng">
+                      <a:noFill/>
+                      <a:prstDash val="solid"/>
+                    </a:lnB>
+                    <a:solidFill>
+                      <a:schemeClr val="bg1">
+                        <a:lumMod val="95000"/>
+                      </a:schemeClr>
+                    </a:solidFill>
+                  </a:tcPr>
+                </a:tc>
+                <a:extLst>
+                  <a:ext uri="{0D108BD9-81ED-4DB2-BD59-A6C34878D82A}">
+                    <a16:rowId xmlns:a16="http://schemas.microsoft.com/office/drawing/2014/main" val="1707070175"/>
+                  </a:ext>
+                </a:extLst>
+              </a:tr>
+              <a:tr h="1141256">
+                <a:tc>
+                  <a:txBody>
+                    <a:bodyPr/>
+                    <a:lstStyle/>
+                    <a:p>
+                      <a:r>
+                        <a:rPr lang="en-US" sz="2500" cap="none" spc="0">
+                          <a:solidFill>
+                            <a:schemeClr val="tx1"/>
+                          </a:solidFill>
+                        </a:rPr>
+                        <a:t>3</a:t>
+                      </a:r>
+                    </a:p>
+                  </a:txBody>
+                  <a:tcPr marL="135403" marR="96717" marT="96717" marB="193433">
+                    <a:lnL w="12700" cmpd="sng">
+                      <a:noFill/>
+                      <a:prstDash val="solid"/>
+                    </a:lnL>
+                    <a:lnR w="12700" cmpd="sng">
+                      <a:noFill/>
+                      <a:prstDash val="solid"/>
+                    </a:lnR>
+                    <a:lnT w="12700" cmpd="sng">
+                      <a:noFill/>
+                      <a:prstDash val="solid"/>
+                    </a:lnT>
+                    <a:lnB w="12700" cmpd="sng">
+                      <a:noFill/>
+                      <a:prstDash val="solid"/>
+                    </a:lnB>
+                    <a:noFill/>
+                  </a:tcPr>
+                </a:tc>
+                <a:tc>
+                  <a:txBody>
+                    <a:bodyPr/>
+                    <a:lstStyle/>
+                    <a:p>
+                      <a:r>
+                        <a:rPr lang="en-US" sz="2500" cap="none" spc="0">
+                          <a:solidFill>
+                            <a:schemeClr val="tx1"/>
+                          </a:solidFill>
+                        </a:rPr>
+                        <a:t>T = 50</a:t>
+                      </a:r>
+                    </a:p>
+                  </a:txBody>
+                  <a:tcPr marL="135403" marR="96717" marT="96717" marB="193433">
+                    <a:lnL w="12700" cmpd="sng">
+                      <a:noFill/>
+                      <a:prstDash val="solid"/>
+                    </a:lnL>
+                    <a:lnR w="12700" cmpd="sng">
+                      <a:noFill/>
+                      <a:prstDash val="solid"/>
+                    </a:lnR>
+                    <a:lnT w="12700" cmpd="sng">
+                      <a:noFill/>
+                      <a:prstDash val="solid"/>
+                    </a:lnT>
+                    <a:lnB w="12700" cmpd="sng">
+                      <a:noFill/>
+                      <a:prstDash val="solid"/>
+                    </a:lnB>
+                    <a:noFill/>
+                  </a:tcPr>
+                </a:tc>
+                <a:tc>
+                  <a:txBody>
+                    <a:bodyPr/>
+                    <a:lstStyle/>
+                    <a:p>
+                      <a:r>
+                        <a:rPr lang="en-US" sz="2500" cap="none" spc="0">
+                          <a:solidFill>
+                            <a:schemeClr val="tx1"/>
+                          </a:solidFill>
+                        </a:rPr>
+                        <a:t>T = 50</a:t>
+                      </a:r>
+                    </a:p>
+                  </a:txBody>
+                  <a:tcPr marL="135403" marR="96717" marT="96717" marB="193433">
+                    <a:lnL w="12700" cmpd="sng">
+                      <a:noFill/>
+                      <a:prstDash val="solid"/>
+                    </a:lnL>
+                    <a:lnR w="12700" cmpd="sng">
+                      <a:noFill/>
+                      <a:prstDash val="solid"/>
+                    </a:lnR>
+                    <a:lnT w="12700" cmpd="sng">
+                      <a:noFill/>
+                      <a:prstDash val="solid"/>
+                    </a:lnT>
+                    <a:lnB w="12700" cmpd="sng">
+                      <a:noFill/>
+                      <a:prstDash val="solid"/>
+                    </a:lnB>
+                    <a:noFill/>
+                  </a:tcPr>
+                </a:tc>
+                <a:tc>
+                  <a:txBody>
+                    <a:bodyPr/>
+                    <a:lstStyle/>
+                    <a:p>
+                      <a:r>
+                        <a:rPr lang="en-US" sz="2500" cap="none" spc="0">
+                          <a:solidFill>
+                            <a:schemeClr val="tx1"/>
+                          </a:solidFill>
+                        </a:rPr>
+                        <a:t>No more or less likely to sleep on the job</a:t>
+                      </a:r>
+                    </a:p>
+                  </a:txBody>
+                  <a:tcPr marL="135403" marR="96717" marT="96717" marB="193433">
+                    <a:lnL w="12700" cmpd="sng">
+                      <a:noFill/>
+                      <a:prstDash val="solid"/>
+                    </a:lnL>
+                    <a:lnR w="12700" cmpd="sng">
+                      <a:noFill/>
+                      <a:prstDash val="solid"/>
+                    </a:lnR>
+                    <a:lnT w="12700" cmpd="sng">
+                      <a:noFill/>
+                      <a:prstDash val="solid"/>
+                    </a:lnT>
+                    <a:lnB w="12700" cmpd="sng">
+                      <a:noFill/>
+                      <a:prstDash val="solid"/>
+                    </a:lnB>
+                    <a:noFill/>
+                  </a:tcPr>
+                </a:tc>
+                <a:extLst>
+                  <a:ext uri="{0D108BD9-81ED-4DB2-BD59-A6C34878D82A}">
+                    <a16:rowId xmlns:a16="http://schemas.microsoft.com/office/drawing/2014/main" val="3973224963"/>
+                  </a:ext>
+                </a:extLst>
+              </a:tr>
+            </a:tbl>
+          </a:graphicData>
+        </a:graphic>
+      </p:graphicFrame>
     </p:spTree>
     <p:extLst>
       <p:ext uri="{BB962C8B-B14F-4D97-AF65-F5344CB8AC3E}">
-        <p14:creationId xmlns:p14="http://schemas.microsoft.com/office/powerpoint/2010/main" val="2810175020"/>
+        <p14:creationId xmlns:p14="http://schemas.microsoft.com/office/powerpoint/2010/main" val="317167512"/>
       </p:ext>
     </p:extLst>
   </p:cSld>
@@ -3602,9 +7644,17 @@
 </p:sld>
 </file>
 
-<file path=ppt/slides/slide4.xml><?xml version="1.0" encoding="utf-8"?>
+<file path=ppt/slides/slide9.xml><?xml version="1.0" encoding="utf-8"?>
 <p:sld xmlns:a="http://schemas.openxmlformats.org/drawingml/2006/main" xmlns:r="http://schemas.openxmlformats.org/officeDocument/2006/relationships" xmlns:p="http://schemas.openxmlformats.org/presentationml/2006/main">
   <p:cSld>
+    <p:bg>
+      <p:bgPr>
+        <a:solidFill>
+          <a:schemeClr val="bg1"/>
+        </a:solidFill>
+        <a:effectLst/>
+      </p:bgPr>
+    </p:bg>
     <p:spTree>
       <p:nvGrpSpPr>
         <p:cNvPr id="1" name=""/>
@@ -3621,10 +7671,75 @@
       </p:grpSpPr>
       <p:sp>
         <p:nvSpPr>
+          <p:cNvPr id="8" name="Rectangle 7">
+            <a:extLst>
+              <a:ext uri="{FF2B5EF4-FFF2-40B4-BE49-F238E27FC236}">
+                <a16:creationId xmlns:a16="http://schemas.microsoft.com/office/drawing/2014/main" id="{1707FC24-6981-43D9-B525-C7832BA22463}"/>
+              </a:ext>
+              <a:ext uri="{C183D7F6-B498-43B3-948B-1728B52AA6E4}">
+                <adec:decorative xmlns:adec="http://schemas.microsoft.com/office/drawing/2017/decorative" val="1"/>
+              </a:ext>
+            </a:extLst>
+          </p:cNvPr>
+          <p:cNvSpPr>
+            <a:spLocks noGrp="1" noRot="1" noChangeAspect="1" noMove="1" noResize="1" noEditPoints="1" noAdjustHandles="1" noChangeArrowheads="1" noChangeShapeType="1" noTextEdit="1"/>
+          </p:cNvSpPr>
+          <p:nvPr>
+            <p:extLst>
+              <p:ext uri="{386F3935-93C4-4BCD-93E2-E3B085C9AB24}">
+                <p16:designElem xmlns:p16="http://schemas.microsoft.com/office/powerpoint/2015/main" val="1"/>
+              </p:ext>
+            </p:extLst>
+          </p:nvPr>
+        </p:nvSpPr>
+        <p:spPr bwMode="ltGray">
+          <a:xfrm>
+            <a:off x="336884" y="311449"/>
+            <a:ext cx="4332307" cy="6179552"/>
+          </a:xfrm>
+          <a:prstGeom prst="rect">
+            <a:avLst/>
+          </a:prstGeom>
+          <a:solidFill>
+            <a:srgbClr val="404040"/>
+          </a:solidFill>
+          <a:ln w="127000" cap="sq" cmpd="thinThick">
+            <a:solidFill>
+              <a:srgbClr val="404040"/>
+            </a:solidFill>
+          </a:ln>
+        </p:spPr>
+        <p:style>
+          <a:lnRef idx="2">
+            <a:schemeClr val="accent1">
+              <a:shade val="50000"/>
+            </a:schemeClr>
+          </a:lnRef>
+          <a:fillRef idx="1">
+            <a:schemeClr val="accent1"/>
+          </a:fillRef>
+          <a:effectRef idx="0">
+            <a:schemeClr val="accent1"/>
+          </a:effectRef>
+          <a:fontRef idx="minor">
+            <a:schemeClr val="lt1"/>
+          </a:fontRef>
+        </p:style>
+        <p:txBody>
+          <a:bodyPr rtlCol="0" anchor="ctr"/>
+          <a:lstStyle/>
+          <a:p>
+            <a:pPr algn="ctr"/>
+            <a:endParaRPr lang="en-US"/>
+          </a:p>
+        </p:txBody>
+      </p:sp>
+      <p:sp>
+        <p:nvSpPr>
           <p:cNvPr id="2" name="Title 1">
             <a:extLst>
               <a:ext uri="{FF2B5EF4-FFF2-40B4-BE49-F238E27FC236}">
-                <a16:creationId xmlns:a16="http://schemas.microsoft.com/office/drawing/2014/main" id="{70AEE738-6E8F-86B1-FFBA-3E861C8874F1}"/>
+                <a16:creationId xmlns:a16="http://schemas.microsoft.com/office/drawing/2014/main" id="{84D3C209-99BF-E42D-564F-CAA8FA232C87}"/>
               </a:ext>
             </a:extLst>
           </p:cNvPr>
@@ -3635,50 +7750,153 @@
             <p:ph type="title"/>
           </p:nvPr>
         </p:nvSpPr>
-        <p:spPr/>
-        <p:txBody>
-          <a:bodyPr/>
+        <p:spPr>
+          <a:xfrm>
+            <a:off x="742950" y="742951"/>
+            <a:ext cx="3476625" cy="4962524"/>
+          </a:xfrm>
+        </p:spPr>
+        <p:txBody>
+          <a:bodyPr>
+            <a:normAutofit/>
+          </a:bodyPr>
           <a:lstStyle/>
           <a:p>
-            <a:endParaRPr lang="en-GB" dirty="0"/>
-          </a:p>
-        </p:txBody>
-      </p:sp>
-      <p:sp>
-        <p:nvSpPr>
-          <p:cNvPr id="3" name="Content Placeholder 2">
-            <a:extLst>
-              <a:ext uri="{FF2B5EF4-FFF2-40B4-BE49-F238E27FC236}">
-                <a16:creationId xmlns:a16="http://schemas.microsoft.com/office/drawing/2014/main" id="{C72CD8D1-C0F1-6D22-D9D6-695E15BA1552}"/>
-              </a:ext>
-            </a:extLst>
-          </p:cNvPr>
-          <p:cNvSpPr>
-            <a:spLocks noGrp="1"/>
-          </p:cNvSpPr>
-          <p:nvPr>
-            <p:ph idx="1"/>
-          </p:nvPr>
-        </p:nvSpPr>
-        <p:spPr/>
-        <p:txBody>
-          <a:bodyPr/>
-          <a:lstStyle/>
-          <a:p>
-            <a:endParaRPr lang="en-GB"/>
-          </a:p>
-        </p:txBody>
-      </p:sp>
+            <a:pPr algn="ctr"/>
+            <a:r>
+              <a:rPr lang="en-US" sz="4800" dirty="0">
+                <a:solidFill>
+                  <a:srgbClr val="FFFFFF"/>
+                </a:solidFill>
+              </a:rPr>
+              <a:t>Points to Consider</a:t>
+            </a:r>
+          </a:p>
+        </p:txBody>
+      </p:sp>
+      <p:pic>
+        <p:nvPicPr>
+          <p:cNvPr id="3" name="Picture 2">
+            <a:extLst>
+              <a:ext uri="{FF2B5EF4-FFF2-40B4-BE49-F238E27FC236}">
+                <a16:creationId xmlns:a16="http://schemas.microsoft.com/office/drawing/2014/main" id="{CB172337-1E71-F110-A244-852787812551}"/>
+              </a:ext>
+            </a:extLst>
+          </p:cNvPr>
+          <p:cNvPicPr>
+            <a:picLocks noChangeAspect="1"/>
+          </p:cNvPicPr>
+          <p:nvPr/>
+        </p:nvPicPr>
+        <p:blipFill>
+          <a:blip r:embed="rId2"/>
+          <a:stretch>
+            <a:fillRect/>
+          </a:stretch>
+        </p:blipFill>
+        <p:spPr>
+          <a:xfrm>
+            <a:off x="5153822" y="2581010"/>
+            <a:ext cx="6553545" cy="1703921"/>
+          </a:xfrm>
+          <a:prstGeom prst="rect">
+            <a:avLst/>
+          </a:prstGeom>
+        </p:spPr>
+      </p:pic>
     </p:spTree>
     <p:extLst>
       <p:ext uri="{BB962C8B-B14F-4D97-AF65-F5344CB8AC3E}">
-        <p14:creationId xmlns:p14="http://schemas.microsoft.com/office/powerpoint/2010/main" val="31665650"/>
+        <p14:creationId xmlns:p14="http://schemas.microsoft.com/office/powerpoint/2010/main" val="3408041013"/>
       </p:ext>
     </p:extLst>
   </p:cSld>
   <p:clrMapOvr>
     <a:masterClrMapping/>
   </p:clrMapOvr>
+  <p:timing>
+    <p:tnLst>
+      <p:par>
+        <p:cTn id="1" dur="indefinite" restart="never" nodeType="tmRoot">
+          <p:childTnLst>
+            <p:seq concurrent="1" nextAc="seek">
+              <p:cTn id="2" dur="indefinite" nodeType="mainSeq">
+                <p:childTnLst>
+                  <p:par>
+                    <p:cTn id="3" fill="hold">
+                      <p:stCondLst>
+                        <p:cond delay="indefinite"/>
+                      </p:stCondLst>
+                      <p:childTnLst>
+                        <p:par>
+                          <p:cTn id="4" fill="hold">
+                            <p:stCondLst>
+                              <p:cond delay="0"/>
+                            </p:stCondLst>
+                            <p:childTnLst>
+                              <p:par>
+                                <p:cTn id="5" presetID="3" presetClass="entr" presetSubtype="10" fill="hold" nodeType="clickEffect">
+                                  <p:stCondLst>
+                                    <p:cond delay="0"/>
+                                  </p:stCondLst>
+                                  <p:childTnLst>
+                                    <p:set>
+                                      <p:cBhvr>
+                                        <p:cTn id="6" dur="1" fill="hold">
+                                          <p:stCondLst>
+                                            <p:cond delay="0"/>
+                                          </p:stCondLst>
+                                        </p:cTn>
+                                        <p:tgtEl>
+                                          <p:spTgt spid="3"/>
+                                        </p:tgtEl>
+                                        <p:attrNameLst>
+                                          <p:attrName>style.visibility</p:attrName>
+                                        </p:attrNameLst>
+                                      </p:cBhvr>
+                                      <p:to>
+                                        <p:strVal val="visible"/>
+                                      </p:to>
+                                    </p:set>
+                                    <p:animEffect transition="in" filter="blinds(horizontal)">
+                                      <p:cBhvr>
+                                        <p:cTn id="7" dur="500"/>
+                                        <p:tgtEl>
+                                          <p:spTgt spid="3"/>
+                                        </p:tgtEl>
+                                      </p:cBhvr>
+                                    </p:animEffect>
+                                  </p:childTnLst>
+                                </p:cTn>
+                              </p:par>
+                            </p:childTnLst>
+                          </p:cTn>
+                        </p:par>
+                      </p:childTnLst>
+                    </p:cTn>
+                  </p:par>
+                </p:childTnLst>
+              </p:cTn>
+              <p:prevCondLst>
+                <p:cond evt="onPrev" delay="0">
+                  <p:tgtEl>
+                    <p:sldTgt/>
+                  </p:tgtEl>
+                </p:cond>
+              </p:prevCondLst>
+              <p:nextCondLst>
+                <p:cond evt="onNext" delay="0">
+                  <p:tgtEl>
+                    <p:sldTgt/>
+                  </p:tgtEl>
+                </p:cond>
+              </p:nextCondLst>
+            </p:seq>
+          </p:childTnLst>
+        </p:cTn>
+      </p:par>
+    </p:tnLst>
+  </p:timing>
 </p:sld>
 </file>
 
@@ -3975,4 +8193,299 @@
     </a:ext>
   </a:extLst>
 </a:theme>
+</file>
+
+<file path=ppt/theme/theme2.xml><?xml version="1.0" encoding="utf-8"?>
+<a:theme xmlns:a="http://schemas.openxmlformats.org/drawingml/2006/main" name="Office Theme">
+  <a:themeElements>
+    <a:clrScheme name="Office">
+      <a:dk1>
+        <a:sysClr val="windowText" lastClr="000000"/>
+      </a:dk1>
+      <a:lt1>
+        <a:sysClr val="window" lastClr="FFFFFF"/>
+      </a:lt1>
+      <a:dk2>
+        <a:srgbClr val="44546A"/>
+      </a:dk2>
+      <a:lt2>
+        <a:srgbClr val="E7E6E6"/>
+      </a:lt2>
+      <a:accent1>
+        <a:srgbClr val="4472C4"/>
+      </a:accent1>
+      <a:accent2>
+        <a:srgbClr val="ED7D31"/>
+      </a:accent2>
+      <a:accent3>
+        <a:srgbClr val="A5A5A5"/>
+      </a:accent3>
+      <a:accent4>
+        <a:srgbClr val="FFC000"/>
+      </a:accent4>
+      <a:accent5>
+        <a:srgbClr val="5B9BD5"/>
+      </a:accent5>
+      <a:accent6>
+        <a:srgbClr val="70AD47"/>
+      </a:accent6>
+      <a:hlink>
+        <a:srgbClr val="0563C1"/>
+      </a:hlink>
+      <a:folHlink>
+        <a:srgbClr val="954F72"/>
+      </a:folHlink>
+    </a:clrScheme>
+    <a:fontScheme name="Office">
+      <a:majorFont>
+        <a:latin typeface="Calibri Light" panose="020F0302020204030204"/>
+        <a:ea typeface=""/>
+        <a:cs typeface=""/>
+        <a:font script="Jpan" typeface="游ゴシック Light"/>
+        <a:font script="Hang" typeface="맑은 고딕"/>
+        <a:font script="Hans" typeface="等线 Light"/>
+        <a:font script="Hant" typeface="新細明體"/>
+        <a:font script="Arab" typeface="Times New Roman"/>
+        <a:font script="Hebr" typeface="Times New Roman"/>
+        <a:font script="Thai" typeface="Angsana New"/>
+        <a:font script="Ethi" typeface="Nyala"/>
+        <a:font script="Beng" typeface="Vrinda"/>
+        <a:font script="Gujr" typeface="Shruti"/>
+        <a:font script="Khmr" typeface="MoolBoran"/>
+        <a:font script="Knda" typeface="Tunga"/>
+        <a:font script="Guru" typeface="Raavi"/>
+        <a:font script="Cans" typeface="Euphemia"/>
+        <a:font script="Cher" typeface="Plantagenet Cherokee"/>
+        <a:font script="Yiii" typeface="Microsoft Yi Baiti"/>
+        <a:font script="Tibt" typeface="Microsoft Himalaya"/>
+        <a:font script="Thaa" typeface="MV Boli"/>
+        <a:font script="Deva" typeface="Mangal"/>
+        <a:font script="Telu" typeface="Gautami"/>
+        <a:font script="Taml" typeface="Latha"/>
+        <a:font script="Syrc" typeface="Estrangelo Edessa"/>
+        <a:font script="Orya" typeface="Kalinga"/>
+        <a:font script="Mlym" typeface="Kartika"/>
+        <a:font script="Laoo" typeface="DokChampa"/>
+        <a:font script="Sinh" typeface="Iskoola Pota"/>
+        <a:font script="Mong" typeface="Mongolian Baiti"/>
+        <a:font script="Viet" typeface="Times New Roman"/>
+        <a:font script="Uigh" typeface="Microsoft Uighur"/>
+        <a:font script="Geor" typeface="Sylfaen"/>
+        <a:font script="Armn" typeface="Arial"/>
+        <a:font script="Bugi" typeface="Leelawadee UI"/>
+        <a:font script="Bopo" typeface="Microsoft JhengHei"/>
+        <a:font script="Java" typeface="Javanese Text"/>
+        <a:font script="Lisu" typeface="Segoe UI"/>
+        <a:font script="Mymr" typeface="Myanmar Text"/>
+        <a:font script="Nkoo" typeface="Ebrima"/>
+        <a:font script="Olck" typeface="Nirmala UI"/>
+        <a:font script="Osma" typeface="Ebrima"/>
+        <a:font script="Phag" typeface="Phagspa"/>
+        <a:font script="Syrn" typeface="Estrangelo Edessa"/>
+        <a:font script="Syrj" typeface="Estrangelo Edessa"/>
+        <a:font script="Syre" typeface="Estrangelo Edessa"/>
+        <a:font script="Sora" typeface="Nirmala UI"/>
+        <a:font script="Tale" typeface="Microsoft Tai Le"/>
+        <a:font script="Talu" typeface="Microsoft New Tai Lue"/>
+        <a:font script="Tfng" typeface="Ebrima"/>
+      </a:majorFont>
+      <a:minorFont>
+        <a:latin typeface="Calibri" panose="020F0502020204030204"/>
+        <a:ea typeface=""/>
+        <a:cs typeface=""/>
+        <a:font script="Jpan" typeface="游ゴシック"/>
+        <a:font script="Hang" typeface="맑은 고딕"/>
+        <a:font script="Hans" typeface="等线"/>
+        <a:font script="Hant" typeface="新細明體"/>
+        <a:font script="Arab" typeface="Arial"/>
+        <a:font script="Hebr" typeface="Arial"/>
+        <a:font script="Thai" typeface="Cordia New"/>
+        <a:font script="Ethi" typeface="Nyala"/>
+        <a:font script="Beng" typeface="Vrinda"/>
+        <a:font script="Gujr" typeface="Shruti"/>
+        <a:font script="Khmr" typeface="DaunPenh"/>
+        <a:font script="Knda" typeface="Tunga"/>
+        <a:font script="Guru" typeface="Raavi"/>
+        <a:font script="Cans" typeface="Euphemia"/>
+        <a:font script="Cher" typeface="Plantagenet Cherokee"/>
+        <a:font script="Yiii" typeface="Microsoft Yi Baiti"/>
+        <a:font script="Tibt" typeface="Microsoft Himalaya"/>
+        <a:font script="Thaa" typeface="MV Boli"/>
+        <a:font script="Deva" typeface="Mangal"/>
+        <a:font script="Telu" typeface="Gautami"/>
+        <a:font script="Taml" typeface="Latha"/>
+        <a:font script="Syrc" typeface="Estrangelo Edessa"/>
+        <a:font script="Orya" typeface="Kalinga"/>
+        <a:font script="Mlym" typeface="Kartika"/>
+        <a:font script="Laoo" typeface="DokChampa"/>
+        <a:font script="Sinh" typeface="Iskoola Pota"/>
+        <a:font script="Mong" typeface="Mongolian Baiti"/>
+        <a:font script="Viet" typeface="Arial"/>
+        <a:font script="Uigh" typeface="Microsoft Uighur"/>
+        <a:font script="Geor" typeface="Sylfaen"/>
+        <a:font script="Armn" typeface="Arial"/>
+        <a:font script="Bugi" typeface="Leelawadee UI"/>
+        <a:font script="Bopo" typeface="Microsoft JhengHei"/>
+        <a:font script="Java" typeface="Javanese Text"/>
+        <a:font script="Lisu" typeface="Segoe UI"/>
+        <a:font script="Mymr" typeface="Myanmar Text"/>
+        <a:font script="Nkoo" typeface="Ebrima"/>
+        <a:font script="Olck" typeface="Nirmala UI"/>
+        <a:font script="Osma" typeface="Ebrima"/>
+        <a:font script="Phag" typeface="Phagspa"/>
+        <a:font script="Syrn" typeface="Estrangelo Edessa"/>
+        <a:font script="Syrj" typeface="Estrangelo Edessa"/>
+        <a:font script="Syre" typeface="Estrangelo Edessa"/>
+        <a:font script="Sora" typeface="Nirmala UI"/>
+        <a:font script="Tale" typeface="Microsoft Tai Le"/>
+        <a:font script="Talu" typeface="Microsoft New Tai Lue"/>
+        <a:font script="Tfng" typeface="Ebrima"/>
+      </a:minorFont>
+    </a:fontScheme>
+    <a:fmtScheme name="Office">
+      <a:fillStyleLst>
+        <a:solidFill>
+          <a:schemeClr val="phClr"/>
+        </a:solidFill>
+        <a:gradFill rotWithShape="1">
+          <a:gsLst>
+            <a:gs pos="0">
+              <a:schemeClr val="phClr">
+                <a:lumMod val="110000"/>
+                <a:satMod val="105000"/>
+                <a:tint val="67000"/>
+              </a:schemeClr>
+            </a:gs>
+            <a:gs pos="50000">
+              <a:schemeClr val="phClr">
+                <a:lumMod val="105000"/>
+                <a:satMod val="103000"/>
+                <a:tint val="73000"/>
+              </a:schemeClr>
+            </a:gs>
+            <a:gs pos="100000">
+              <a:schemeClr val="phClr">
+                <a:lumMod val="105000"/>
+                <a:satMod val="109000"/>
+                <a:tint val="81000"/>
+              </a:schemeClr>
+            </a:gs>
+          </a:gsLst>
+          <a:lin ang="5400000" scaled="0"/>
+        </a:gradFill>
+        <a:gradFill rotWithShape="1">
+          <a:gsLst>
+            <a:gs pos="0">
+              <a:schemeClr val="phClr">
+                <a:satMod val="103000"/>
+                <a:lumMod val="102000"/>
+                <a:tint val="94000"/>
+              </a:schemeClr>
+            </a:gs>
+            <a:gs pos="50000">
+              <a:schemeClr val="phClr">
+                <a:satMod val="110000"/>
+                <a:lumMod val="100000"/>
+                <a:shade val="100000"/>
+              </a:schemeClr>
+            </a:gs>
+            <a:gs pos="100000">
+              <a:schemeClr val="phClr">
+                <a:lumMod val="99000"/>
+                <a:satMod val="120000"/>
+                <a:shade val="78000"/>
+              </a:schemeClr>
+            </a:gs>
+          </a:gsLst>
+          <a:lin ang="5400000" scaled="0"/>
+        </a:gradFill>
+      </a:fillStyleLst>
+      <a:lnStyleLst>
+        <a:ln w="6350" cap="flat" cmpd="sng" algn="ctr">
+          <a:solidFill>
+            <a:schemeClr val="phClr"/>
+          </a:solidFill>
+          <a:prstDash val="solid"/>
+          <a:miter lim="800000"/>
+        </a:ln>
+        <a:ln w="12700" cap="flat" cmpd="sng" algn="ctr">
+          <a:solidFill>
+            <a:schemeClr val="phClr"/>
+          </a:solidFill>
+          <a:prstDash val="solid"/>
+          <a:miter lim="800000"/>
+        </a:ln>
+        <a:ln w="19050" cap="flat" cmpd="sng" algn="ctr">
+          <a:solidFill>
+            <a:schemeClr val="phClr"/>
+          </a:solidFill>
+          <a:prstDash val="solid"/>
+          <a:miter lim="800000"/>
+        </a:ln>
+      </a:lnStyleLst>
+      <a:effectStyleLst>
+        <a:effectStyle>
+          <a:effectLst/>
+        </a:effectStyle>
+        <a:effectStyle>
+          <a:effectLst/>
+        </a:effectStyle>
+        <a:effectStyle>
+          <a:effectLst>
+            <a:outerShdw blurRad="57150" dist="19050" dir="5400000" algn="ctr" rotWithShape="0">
+              <a:srgbClr val="000000">
+                <a:alpha val="63000"/>
+              </a:srgbClr>
+            </a:outerShdw>
+          </a:effectLst>
+        </a:effectStyle>
+      </a:effectStyleLst>
+      <a:bgFillStyleLst>
+        <a:solidFill>
+          <a:schemeClr val="phClr"/>
+        </a:solidFill>
+        <a:solidFill>
+          <a:schemeClr val="phClr">
+            <a:tint val="95000"/>
+            <a:satMod val="170000"/>
+          </a:schemeClr>
+        </a:solidFill>
+        <a:gradFill rotWithShape="1">
+          <a:gsLst>
+            <a:gs pos="0">
+              <a:schemeClr val="phClr">
+                <a:tint val="93000"/>
+                <a:satMod val="150000"/>
+                <a:shade val="98000"/>
+                <a:lumMod val="102000"/>
+              </a:schemeClr>
+            </a:gs>
+            <a:gs pos="50000">
+              <a:schemeClr val="phClr">
+                <a:tint val="98000"/>
+                <a:satMod val="130000"/>
+                <a:shade val="90000"/>
+                <a:lumMod val="103000"/>
+              </a:schemeClr>
+            </a:gs>
+            <a:gs pos="100000">
+              <a:schemeClr val="phClr">
+                <a:shade val="63000"/>
+                <a:satMod val="120000"/>
+              </a:schemeClr>
+            </a:gs>
+          </a:gsLst>
+          <a:lin ang="5400000" scaled="0"/>
+        </a:gradFill>
+      </a:bgFillStyleLst>
+    </a:fmtScheme>
+  </a:themeElements>
+  <a:objectDefaults/>
+  <a:extraClrSchemeLst/>
+  <a:extLst>
+    <a:ext uri="{05A4C25C-085E-4340-85A3-A5531E510DB2}">
+      <thm15:themeFamily xmlns:thm15="http://schemas.microsoft.com/office/thememl/2012/main" name="Office Theme" id="{62F939B6-93AF-4DB8-9C6B-D6C7DFDC589F}" vid="{4A3C46E8-61CC-4603-A589-7422A47A8E4A}"/>
+    </a:ext>
+  </a:extLst>
+</a:theme>
 </file>